--- a/Git-introduktion_Hermods_HiQ.pptx
+++ b/Git-introduktion_Hermods_HiQ.pptx
@@ -7,10 +7,10 @@
     <p:sldMasterId id="2147483667" r:id="rId3"/>
   </p:sldMasterIdLst>
   <p:notesMasterIdLst>
-    <p:notesMasterId r:id="rId26"/>
+    <p:notesMasterId r:id="rId27"/>
   </p:notesMasterIdLst>
   <p:handoutMasterIdLst>
-    <p:handoutMasterId r:id="rId27"/>
+    <p:handoutMasterId r:id="rId28"/>
   </p:handoutMasterIdLst>
   <p:sldIdLst>
     <p:sldId id="360" r:id="rId4"/>
@@ -26,15 +26,16 @@
     <p:sldId id="362" r:id="rId14"/>
     <p:sldId id="363" r:id="rId15"/>
     <p:sldId id="364" r:id="rId16"/>
-    <p:sldId id="365" r:id="rId17"/>
-    <p:sldId id="331" r:id="rId18"/>
-    <p:sldId id="350" r:id="rId19"/>
-    <p:sldId id="353" r:id="rId20"/>
-    <p:sldId id="346" r:id="rId21"/>
-    <p:sldId id="323" r:id="rId22"/>
-    <p:sldId id="366" r:id="rId23"/>
-    <p:sldId id="326" r:id="rId24"/>
-    <p:sldId id="327" r:id="rId25"/>
+    <p:sldId id="368" r:id="rId17"/>
+    <p:sldId id="365" r:id="rId18"/>
+    <p:sldId id="331" r:id="rId19"/>
+    <p:sldId id="350" r:id="rId20"/>
+    <p:sldId id="353" r:id="rId21"/>
+    <p:sldId id="346" r:id="rId22"/>
+    <p:sldId id="323" r:id="rId23"/>
+    <p:sldId id="366" r:id="rId24"/>
+    <p:sldId id="326" r:id="rId25"/>
+    <p:sldId id="327" r:id="rId26"/>
   </p:sldIdLst>
   <p:sldSz cx="9144000" cy="6858000" type="screen4x3"/>
   <p:notesSz cx="6858000" cy="9144000"/>
@@ -7651,158 +7652,6 @@
                   <a:schemeClr val="bg1"/>
                 </a:solidFill>
               </a:endParaRPr>
-            </a:p>
-          </p:txBody>
-        </p:sp>
-      </p:grpSp>
-      <p:grpSp>
-        <p:nvGrpSpPr>
-          <p:cNvPr id="33" name="Grupp 32"/>
-          <p:cNvGrpSpPr/>
-          <p:nvPr/>
-        </p:nvGrpSpPr>
-        <p:grpSpPr>
-          <a:xfrm>
-            <a:off x="3372561" y="1930630"/>
-            <a:ext cx="1896051" cy="1066322"/>
-            <a:chOff x="3372561" y="1930630"/>
-            <a:chExt cx="1896051" cy="1066322"/>
-          </a:xfrm>
-        </p:grpSpPr>
-        <p:cxnSp>
-          <p:nvCxnSpPr>
-            <p:cNvPr id="7" name="Rak pil 6"/>
-            <p:cNvCxnSpPr/>
-            <p:nvPr/>
-          </p:nvCxnSpPr>
-          <p:spPr>
-            <a:xfrm flipH="1" flipV="1">
-              <a:off x="3372561" y="1930630"/>
-              <a:ext cx="279633" cy="504056"/>
-            </a:xfrm>
-            <a:prstGeom prst="straightConnector1">
-              <a:avLst/>
-            </a:prstGeom>
-            <a:ln w="57150">
-              <a:solidFill>
-                <a:srgbClr val="FF0000"/>
-              </a:solidFill>
-              <a:tailEnd type="arrow"/>
-            </a:ln>
-          </p:spPr>
-          <p:style>
-            <a:lnRef idx="1">
-              <a:schemeClr val="accent1"/>
-            </a:lnRef>
-            <a:fillRef idx="0">
-              <a:schemeClr val="accent1"/>
-            </a:fillRef>
-            <a:effectRef idx="0">
-              <a:schemeClr val="accent1"/>
-            </a:effectRef>
-            <a:fontRef idx="minor">
-              <a:schemeClr val="tx1"/>
-            </a:fontRef>
-          </p:style>
-        </p:cxnSp>
-        <p:sp>
-          <p:nvSpPr>
-            <p:cNvPr id="22" name="textruta 21"/>
-            <p:cNvSpPr txBox="1"/>
-            <p:nvPr/>
-          </p:nvSpPr>
-          <p:spPr bwMode="auto">
-            <a:xfrm>
-              <a:off x="3563888" y="2258288"/>
-              <a:ext cx="1704724" cy="738664"/>
-            </a:xfrm>
-            <a:prstGeom prst="rect">
-              <a:avLst/>
-            </a:prstGeom>
-            <a:noFill/>
-            <a:ln>
-              <a:noFill/>
-              <a:headEnd/>
-              <a:tailEnd/>
-            </a:ln>
-          </p:spPr>
-          <p:style>
-            <a:lnRef idx="2">
-              <a:schemeClr val="accent6"/>
-            </a:lnRef>
-            <a:fillRef idx="1">
-              <a:schemeClr val="lt1"/>
-            </a:fillRef>
-            <a:effectRef idx="0">
-              <a:schemeClr val="accent6"/>
-            </a:effectRef>
-            <a:fontRef idx="minor">
-              <a:schemeClr val="dk1"/>
-            </a:fontRef>
-          </p:style>
-          <p:txBody>
-            <a:bodyPr wrap="square" rtlCol="0">
-              <a:spAutoFit/>
-            </a:bodyPr>
-            <a:lstStyle/>
-            <a:p>
-              <a:pPr algn="ctr" eaLnBrk="0" hangingPunct="0"/>
-              <a:r>
-                <a:rPr lang="sv-SE" sz="1400" dirty="0" smtClean="0">
-                  <a:solidFill>
-                    <a:schemeClr val="tx1"/>
-                  </a:solidFill>
-                </a:rPr>
-                <a:t>RTC </a:t>
-              </a:r>
-              <a:r>
-                <a:rPr lang="sv-SE" sz="1400" dirty="0" err="1" smtClean="0">
-                  <a:solidFill>
-                    <a:schemeClr val="tx1"/>
-                  </a:solidFill>
-                </a:rPr>
-                <a:t>keeps</a:t>
-              </a:r>
-              <a:r>
-                <a:rPr lang="sv-SE" sz="1400" dirty="0" smtClean="0">
-                  <a:solidFill>
-                    <a:schemeClr val="tx1"/>
-                  </a:solidFill>
-                </a:rPr>
-                <a:t> </a:t>
-              </a:r>
-              <a:r>
-                <a:rPr lang="sv-SE" sz="1400" dirty="0" err="1" smtClean="0">
-                  <a:solidFill>
-                    <a:schemeClr val="tx1"/>
-                  </a:solidFill>
-                </a:rPr>
-                <a:t>this</a:t>
-              </a:r>
-              <a:r>
-                <a:rPr lang="sv-SE" sz="1400" dirty="0" smtClean="0">
-                  <a:solidFill>
-                    <a:schemeClr val="tx1"/>
-                  </a:solidFill>
-                </a:rPr>
-                <a:t> (and repo) on server </a:t>
-              </a:r>
-              <a:r>
-                <a:rPr lang="sv-SE" sz="1400" dirty="0" err="1" smtClean="0">
-                  <a:solidFill>
-                    <a:schemeClr val="tx1"/>
-                  </a:solidFill>
-                </a:rPr>
-                <a:t>instead</a:t>
-              </a:r>
-              <a:r>
-                <a:rPr lang="sv-SE" sz="1400" dirty="0">
-                  <a:solidFill>
-                    <a:schemeClr val="tx1"/>
-                  </a:solidFill>
-                </a:rPr>
-                <a:t>!</a:t>
-              </a:r>
             </a:p>
           </p:txBody>
         </p:sp>
@@ -8374,51 +8223,6 @@
                       </p:childTnLst>
                     </p:cTn>
                   </p:par>
-                  <p:par>
-                    <p:cTn id="39" fill="hold">
-                      <p:stCondLst>
-                        <p:cond delay="indefinite"/>
-                      </p:stCondLst>
-                      <p:childTnLst>
-                        <p:par>
-                          <p:cTn id="40" fill="hold">
-                            <p:stCondLst>
-                              <p:cond delay="0"/>
-                            </p:stCondLst>
-                            <p:childTnLst>
-                              <p:par>
-                                <p:cTn id="41" presetID="1" presetClass="entr" presetSubtype="0" fill="hold" nodeType="clickEffect">
-                                  <p:stCondLst>
-                                    <p:cond delay="0"/>
-                                  </p:stCondLst>
-                                  <p:childTnLst>
-                                    <p:set>
-                                      <p:cBhvr>
-                                        <p:cTn id="42" dur="1" fill="hold">
-                                          <p:stCondLst>
-                                            <p:cond delay="0"/>
-                                          </p:stCondLst>
-                                        </p:cTn>
-                                        <p:tgtEl>
-                                          <p:spTgt spid="33"/>
-                                        </p:tgtEl>
-                                        <p:attrNameLst>
-                                          <p:attrName>style.visibility</p:attrName>
-                                        </p:attrNameLst>
-                                      </p:cBhvr>
-                                      <p:to>
-                                        <p:strVal val="visible"/>
-                                      </p:to>
-                                    </p:set>
-                                  </p:childTnLst>
-                                </p:cTn>
-                              </p:par>
-                            </p:childTnLst>
-                          </p:cTn>
-                        </p:par>
-                      </p:childTnLst>
-                    </p:cTn>
-                  </p:par>
                 </p:childTnLst>
               </p:cTn>
               <p:prevCondLst>
@@ -9281,6 +9085,296 @@
         </p:nvSpPr>
         <p:spPr/>
         <p:txBody>
+          <a:bodyPr/>
+          <a:lstStyle/>
+          <a:p>
+            <a:endParaRPr lang="sv-SE"/>
+          </a:p>
+        </p:txBody>
+      </p:sp>
+      <p:sp>
+        <p:nvSpPr>
+          <p:cNvPr id="3" name="Platshållare för innehåll 2"/>
+          <p:cNvSpPr>
+            <a:spLocks noGrp="1"/>
+          </p:cNvSpPr>
+          <p:nvPr>
+            <p:ph sz="half" idx="1"/>
+          </p:nvPr>
+        </p:nvSpPr>
+        <p:spPr/>
+        <p:txBody>
+          <a:bodyPr/>
+          <a:lstStyle/>
+          <a:p>
+            <a:r>
+              <a:rPr lang="sv-SE" dirty="0">
+                <a:hlinkClick r:id="rId2"/>
+              </a:rPr>
+              <a:t>https://</a:t>
+            </a:r>
+            <a:r>
+              <a:rPr lang="sv-SE" dirty="0" smtClean="0">
+                <a:hlinkClick r:id="rId2"/>
+              </a:rPr>
+              <a:t>github.com/Azure/azure-content</a:t>
+            </a:r>
+            <a:r>
+              <a:rPr lang="sv-SE" dirty="0" smtClean="0"/>
+              <a:t> </a:t>
+            </a:r>
+            <a:endParaRPr lang="sv-SE" dirty="0"/>
+          </a:p>
+        </p:txBody>
+      </p:sp>
+      <p:sp>
+        <p:nvSpPr>
+          <p:cNvPr id="4" name="Platshållare för innehåll 3"/>
+          <p:cNvSpPr>
+            <a:spLocks noGrp="1"/>
+          </p:cNvSpPr>
+          <p:nvPr>
+            <p:ph sz="half" idx="2"/>
+          </p:nvPr>
+        </p:nvSpPr>
+        <p:spPr/>
+        <p:txBody>
+          <a:bodyPr/>
+          <a:lstStyle/>
+          <a:p>
+            <a:endParaRPr lang="sv-SE" dirty="0"/>
+          </a:p>
+        </p:txBody>
+      </p:sp>
+      <p:sp>
+        <p:nvSpPr>
+          <p:cNvPr id="5" name="Platshållare för bildnummer 4"/>
+          <p:cNvSpPr>
+            <a:spLocks noGrp="1"/>
+          </p:cNvSpPr>
+          <p:nvPr>
+            <p:ph type="sldNum" sz="quarter" idx="12"/>
+          </p:nvPr>
+        </p:nvSpPr>
+        <p:spPr/>
+        <p:txBody>
+          <a:bodyPr/>
+          <a:lstStyle/>
+          <a:p>
+            <a:fld id="{11DA82ED-F820-4319-BD97-F25880B325A1}" type="slidenum">
+              <a:rPr lang="en-US" smtClean="0"/>
+              <a:pPr/>
+              <a:t>14</a:t>
+            </a:fld>
+            <a:endParaRPr lang="en-US"/>
+          </a:p>
+        </p:txBody>
+      </p:sp>
+      <p:pic>
+        <p:nvPicPr>
+          <p:cNvPr id="1026" name="Picture 2"/>
+          <p:cNvPicPr>
+            <a:picLocks noChangeAspect="1" noChangeArrowheads="1"/>
+          </p:cNvPicPr>
+          <p:nvPr/>
+        </p:nvPicPr>
+        <p:blipFill>
+          <a:blip r:embed="rId3">
+            <a:extLst>
+              <a:ext uri="{28A0092B-C50C-407E-A947-70E740481C1C}">
+                <a14:useLocalDpi xmlns:a14="http://schemas.microsoft.com/office/drawing/2010/main" val="0"/>
+              </a:ext>
+            </a:extLst>
+          </a:blip>
+          <a:srcRect/>
+          <a:stretch>
+            <a:fillRect/>
+          </a:stretch>
+        </p:blipFill>
+        <p:spPr bwMode="auto">
+          <a:xfrm>
+            <a:off x="1043608" y="1988840"/>
+            <a:ext cx="5823570" cy="1524370"/>
+          </a:xfrm>
+          <a:prstGeom prst="rect">
+            <a:avLst/>
+          </a:prstGeom>
+          <a:noFill/>
+          <a:ln>
+            <a:noFill/>
+          </a:ln>
+          <a:extLst>
+            <a:ext uri="{909E8E84-426E-40DD-AFC4-6F175D3DCCD1}">
+              <a14:hiddenFill xmlns:a14="http://schemas.microsoft.com/office/drawing/2010/main">
+                <a:solidFill>
+                  <a:schemeClr val="accent1"/>
+                </a:solidFill>
+              </a14:hiddenFill>
+            </a:ext>
+            <a:ext uri="{91240B29-F687-4F45-9708-019B960494DF}">
+              <a14:hiddenLine xmlns:a14="http://schemas.microsoft.com/office/drawing/2010/main" w="9525">
+                <a:solidFill>
+                  <a:schemeClr val="tx1"/>
+                </a:solidFill>
+                <a:miter lim="800000"/>
+                <a:headEnd/>
+                <a:tailEnd/>
+              </a14:hiddenLine>
+            </a:ext>
+          </a:extLst>
+        </p:spPr>
+      </p:pic>
+      <p:sp>
+        <p:nvSpPr>
+          <p:cNvPr id="6" name="Rektangel med rundade hörn 5"/>
+          <p:cNvSpPr/>
+          <p:nvPr/>
+        </p:nvSpPr>
+        <p:spPr>
+          <a:xfrm>
+            <a:off x="4716016" y="2492896"/>
+            <a:ext cx="2151162" cy="504056"/>
+          </a:xfrm>
+          <a:prstGeom prst="roundRect">
+            <a:avLst/>
+          </a:prstGeom>
+          <a:solidFill>
+            <a:schemeClr val="accent5">
+              <a:lumMod val="60000"/>
+              <a:lumOff val="40000"/>
+              <a:alpha val="44000"/>
+            </a:schemeClr>
+          </a:solidFill>
+          <a:ln>
+            <a:solidFill>
+              <a:srgbClr val="FF0000"/>
+            </a:solidFill>
+          </a:ln>
+        </p:spPr>
+        <p:style>
+          <a:lnRef idx="2">
+            <a:schemeClr val="accent1">
+              <a:shade val="50000"/>
+            </a:schemeClr>
+          </a:lnRef>
+          <a:fillRef idx="1">
+            <a:schemeClr val="accent1"/>
+          </a:fillRef>
+          <a:effectRef idx="0">
+            <a:schemeClr val="accent1"/>
+          </a:effectRef>
+          <a:fontRef idx="minor">
+            <a:schemeClr val="lt1"/>
+          </a:fontRef>
+        </p:style>
+        <p:txBody>
+          <a:bodyPr rtlCol="0" anchor="ctr"/>
+          <a:lstStyle/>
+          <a:p>
+            <a:pPr algn="ctr"/>
+            <a:endParaRPr lang="sv-SE"/>
+          </a:p>
+        </p:txBody>
+      </p:sp>
+      <p:pic>
+        <p:nvPicPr>
+          <p:cNvPr id="1027" name="Picture 3"/>
+          <p:cNvPicPr>
+            <a:picLocks noChangeAspect="1" noChangeArrowheads="1"/>
+          </p:cNvPicPr>
+          <p:nvPr/>
+        </p:nvPicPr>
+        <p:blipFill>
+          <a:blip r:embed="rId4" cstate="print">
+            <a:extLst>
+              <a:ext uri="{28A0092B-C50C-407E-A947-70E740481C1C}">
+                <a14:useLocalDpi xmlns:a14="http://schemas.microsoft.com/office/drawing/2010/main" val="0"/>
+              </a:ext>
+            </a:extLst>
+          </a:blip>
+          <a:srcRect/>
+          <a:stretch>
+            <a:fillRect/>
+          </a:stretch>
+        </p:blipFill>
+        <p:spPr bwMode="auto">
+          <a:xfrm>
+            <a:off x="4499992" y="3573016"/>
+            <a:ext cx="4104456" cy="2293487"/>
+          </a:xfrm>
+          <a:prstGeom prst="rect">
+            <a:avLst/>
+          </a:prstGeom>
+          <a:noFill/>
+          <a:ln>
+            <a:noFill/>
+          </a:ln>
+          <a:extLst>
+            <a:ext uri="{909E8E84-426E-40DD-AFC4-6F175D3DCCD1}">
+              <a14:hiddenFill xmlns:a14="http://schemas.microsoft.com/office/drawing/2010/main">
+                <a:solidFill>
+                  <a:schemeClr val="accent1"/>
+                </a:solidFill>
+              </a14:hiddenFill>
+            </a:ext>
+            <a:ext uri="{91240B29-F687-4F45-9708-019B960494DF}">
+              <a14:hiddenLine xmlns:a14="http://schemas.microsoft.com/office/drawing/2010/main" w="9525">
+                <a:solidFill>
+                  <a:schemeClr val="tx1"/>
+                </a:solidFill>
+                <a:miter lim="800000"/>
+                <a:headEnd/>
+                <a:tailEnd/>
+              </a14:hiddenLine>
+            </a:ext>
+          </a:extLst>
+        </p:spPr>
+      </p:pic>
+    </p:spTree>
+    <p:extLst>
+      <p:ext uri="{BB962C8B-B14F-4D97-AF65-F5344CB8AC3E}">
+        <p14:creationId xmlns:p14="http://schemas.microsoft.com/office/powerpoint/2010/main" val="3025900096"/>
+      </p:ext>
+    </p:extLst>
+  </p:cSld>
+  <p:clrMapOvr>
+    <a:masterClrMapping/>
+  </p:clrMapOvr>
+  <p:transition spd="slow">
+    <p:push dir="u"/>
+  </p:transition>
+</p:sld>
+</file>
+
+<file path=ppt/slides/slide15.xml><?xml version="1.0" encoding="utf-8"?>
+<p:sld xmlns:a="http://schemas.openxmlformats.org/drawingml/2006/main" xmlns:r="http://schemas.openxmlformats.org/officeDocument/2006/relationships" xmlns:p="http://schemas.openxmlformats.org/presentationml/2006/main">
+  <p:cSld>
+    <p:spTree>
+      <p:nvGrpSpPr>
+        <p:cNvPr id="1" name=""/>
+        <p:cNvGrpSpPr/>
+        <p:nvPr/>
+      </p:nvGrpSpPr>
+      <p:grpSpPr>
+        <a:xfrm>
+          <a:off x="0" y="0"/>
+          <a:ext cx="0" cy="0"/>
+          <a:chOff x="0" y="0"/>
+          <a:chExt cx="0" cy="0"/>
+        </a:xfrm>
+      </p:grpSpPr>
+      <p:sp>
+        <p:nvSpPr>
+          <p:cNvPr id="2" name="Rubrik 1"/>
+          <p:cNvSpPr>
+            <a:spLocks noGrp="1"/>
+          </p:cNvSpPr>
+          <p:nvPr>
+            <p:ph type="title"/>
+          </p:nvPr>
+        </p:nvSpPr>
+        <p:spPr/>
+        <p:txBody>
           <a:bodyPr>
             <a:normAutofit/>
           </a:bodyPr>
@@ -9500,7 +9594,7 @@
             <a:fld id="{11DA82ED-F820-4319-BD97-F25880B325A1}" type="slidenum">
               <a:rPr lang="en-US" smtClean="0"/>
               <a:pPr/>
-              <a:t>14</a:t>
+              <a:t>15</a:t>
             </a:fld>
             <a:endParaRPr lang="en-US"/>
           </a:p>
@@ -9789,7 +9883,7 @@
 </p:sld>
 </file>
 
-<file path=ppt/slides/slide15.xml><?xml version="1.0" encoding="utf-8"?>
+<file path=ppt/slides/slide16.xml><?xml version="1.0" encoding="utf-8"?>
 <p:sld xmlns:a="http://schemas.openxmlformats.org/drawingml/2006/main" xmlns:r="http://schemas.openxmlformats.org/officeDocument/2006/relationships" xmlns:p="http://schemas.openxmlformats.org/presentationml/2006/main">
   <p:cSld>
     <p:spTree>
@@ -9966,7 +10060,7 @@
             <a:fld id="{11DA82ED-F820-4319-BD97-F25880B325A1}" type="slidenum">
               <a:rPr lang="en-US" smtClean="0"/>
               <a:pPr/>
-              <a:t>15</a:t>
+              <a:t>16</a:t>
             </a:fld>
             <a:endParaRPr lang="en-US"/>
           </a:p>
@@ -10266,7 +10360,7 @@
 </p:sld>
 </file>
 
-<file path=ppt/slides/slide16.xml><?xml version="1.0" encoding="utf-8"?>
+<file path=ppt/slides/slide17.xml><?xml version="1.0" encoding="utf-8"?>
 <p:sld xmlns:a="http://schemas.openxmlformats.org/drawingml/2006/main" xmlns:r="http://schemas.openxmlformats.org/officeDocument/2006/relationships" xmlns:p="http://schemas.openxmlformats.org/presentationml/2006/main">
   <p:cSld>
     <p:spTree>
@@ -10495,7 +10589,7 @@
             <a:fld id="{11DA82ED-F820-4319-BD97-F25880B325A1}" type="slidenum">
               <a:rPr lang="en-US" smtClean="0"/>
               <a:pPr/>
-              <a:t>16</a:t>
+              <a:t>17</a:t>
             </a:fld>
             <a:endParaRPr lang="en-US"/>
           </a:p>
@@ -10691,7 +10785,7 @@
 </p:sld>
 </file>
 
-<file path=ppt/slides/slide17.xml><?xml version="1.0" encoding="utf-8"?>
+<file path=ppt/slides/slide18.xml><?xml version="1.0" encoding="utf-8"?>
 <p:sld xmlns:a="http://schemas.openxmlformats.org/drawingml/2006/main" xmlns:r="http://schemas.openxmlformats.org/officeDocument/2006/relationships" xmlns:p="http://schemas.openxmlformats.org/presentationml/2006/main">
   <p:cSld>
     <p:spTree>
@@ -11154,7 +11248,7 @@
 </p:sld>
 </file>
 
-<file path=ppt/slides/slide18.xml><?xml version="1.0" encoding="utf-8"?>
+<file path=ppt/slides/slide19.xml><?xml version="1.0" encoding="utf-8"?>
 <p:sld xmlns:a="http://schemas.openxmlformats.org/drawingml/2006/main" xmlns:r="http://schemas.openxmlformats.org/officeDocument/2006/relationships" xmlns:p="http://schemas.openxmlformats.org/presentationml/2006/main">
   <p:cSld>
     <p:spTree>
@@ -11232,7 +11326,7 @@
             <a:fld id="{11DA82ED-F820-4319-BD97-F25880B325A1}" type="slidenum">
               <a:rPr lang="en-US" smtClean="0"/>
               <a:pPr/>
-              <a:t>18</a:t>
+              <a:t>19</a:t>
             </a:fld>
             <a:endParaRPr lang="en-US"/>
           </a:p>
@@ -11257,660 +11351,6 @@
         <p:cTn id="1" dur="indefinite" restart="never" nodeType="tmRoot"/>
       </p:par>
     </p:tnLst>
-  </p:timing>
-</p:sld>
-</file>
-
-<file path=ppt/slides/slide19.xml><?xml version="1.0" encoding="utf-8"?>
-<p:sld xmlns:a="http://schemas.openxmlformats.org/drawingml/2006/main" xmlns:r="http://schemas.openxmlformats.org/officeDocument/2006/relationships" xmlns:p="http://schemas.openxmlformats.org/presentationml/2006/main">
-  <p:cSld>
-    <p:spTree>
-      <p:nvGrpSpPr>
-        <p:cNvPr id="1" name=""/>
-        <p:cNvGrpSpPr/>
-        <p:nvPr/>
-      </p:nvGrpSpPr>
-      <p:grpSpPr>
-        <a:xfrm>
-          <a:off x="0" y="0"/>
-          <a:ext cx="0" cy="0"/>
-          <a:chOff x="0" y="0"/>
-          <a:chExt cx="0" cy="0"/>
-        </a:xfrm>
-      </p:grpSpPr>
-      <p:sp>
-        <p:nvSpPr>
-          <p:cNvPr id="2" name="Title 1"/>
-          <p:cNvSpPr>
-            <a:spLocks noGrp="1"/>
-          </p:cNvSpPr>
-          <p:nvPr>
-            <p:ph type="title"/>
-          </p:nvPr>
-        </p:nvSpPr>
-        <p:spPr/>
-        <p:txBody>
-          <a:bodyPr>
-            <a:normAutofit/>
-          </a:bodyPr>
-          <a:lstStyle/>
-          <a:p>
-            <a:r>
-              <a:rPr lang="en-US" sz="1800" dirty="0" smtClean="0"/>
-              <a:t>GIT GUI clients</a:t>
-            </a:r>
-            <a:endParaRPr lang="en-US" sz="1800" dirty="0"/>
-          </a:p>
-        </p:txBody>
-      </p:sp>
-      <p:sp>
-        <p:nvSpPr>
-          <p:cNvPr id="3" name="Content Placeholder 2"/>
-          <p:cNvSpPr>
-            <a:spLocks noGrp="1"/>
-          </p:cNvSpPr>
-          <p:nvPr>
-            <p:ph sz="half" idx="1"/>
-          </p:nvPr>
-        </p:nvSpPr>
-        <p:spPr>
-          <a:xfrm>
-            <a:off x="395288" y="1341438"/>
-            <a:ext cx="3888000" cy="5039889"/>
-          </a:xfrm>
-        </p:spPr>
-        <p:txBody>
-          <a:bodyPr>
-            <a:normAutofit/>
-          </a:bodyPr>
-          <a:lstStyle/>
-          <a:p>
-            <a:r>
-              <a:rPr lang="en-US" sz="3200" b="1" dirty="0" err="1" smtClean="0"/>
-              <a:t>GIThub</a:t>
-            </a:r>
-            <a:r>
-              <a:rPr lang="en-US" sz="3200" b="1" dirty="0" smtClean="0"/>
-              <a:t> for MAC </a:t>
-            </a:r>
-          </a:p>
-          <a:p>
-            <a:r>
-              <a:rPr lang="en-US" sz="3200" b="1" dirty="0" smtClean="0"/>
-              <a:t>Tower </a:t>
-            </a:r>
-          </a:p>
-          <a:p>
-            <a:r>
-              <a:rPr lang="en-US" sz="3200" b="1" dirty="0" err="1" smtClean="0"/>
-              <a:t>GITbox</a:t>
-            </a:r>
-            <a:endParaRPr lang="en-US" sz="3200" b="1" dirty="0"/>
-          </a:p>
-          <a:p>
-            <a:r>
-              <a:rPr lang="en-US" sz="3200" b="1" dirty="0" err="1" smtClean="0"/>
-              <a:t>Atlassian</a:t>
-            </a:r>
-            <a:r>
-              <a:rPr lang="en-US" sz="3200" b="1" dirty="0" smtClean="0"/>
-              <a:t> </a:t>
-            </a:r>
-            <a:r>
-              <a:rPr lang="en-US" sz="3200" b="1" dirty="0" err="1" smtClean="0"/>
-              <a:t>Sourcetree</a:t>
-            </a:r>
-            <a:r>
-              <a:rPr lang="en-US" sz="3200" b="1" dirty="0" smtClean="0"/>
-              <a:t>	</a:t>
-            </a:r>
-          </a:p>
-          <a:p>
-            <a:r>
-              <a:rPr lang="en-US" sz="3200" b="1" dirty="0" err="1" smtClean="0"/>
-              <a:t>Git</a:t>
-            </a:r>
-            <a:r>
-              <a:rPr lang="en-US" sz="3200" b="1" dirty="0" smtClean="0"/>
-              <a:t> cola </a:t>
-            </a:r>
-          </a:p>
-          <a:p>
-            <a:r>
-              <a:rPr lang="en-US" sz="3200" b="1" dirty="0" err="1" smtClean="0"/>
-              <a:t>Gitg</a:t>
-            </a:r>
-            <a:endParaRPr lang="en-US" sz="3200" b="1" dirty="0"/>
-          </a:p>
-        </p:txBody>
-      </p:sp>
-      <p:sp>
-        <p:nvSpPr>
-          <p:cNvPr id="4" name="Content Placeholder 3"/>
-          <p:cNvSpPr>
-            <a:spLocks noGrp="1"/>
-          </p:cNvSpPr>
-          <p:nvPr>
-            <p:ph sz="half" idx="2"/>
-          </p:nvPr>
-        </p:nvSpPr>
-        <p:spPr/>
-        <p:txBody>
-          <a:bodyPr/>
-          <a:lstStyle/>
-          <a:p>
-            <a:r>
-              <a:rPr lang="en-US" sz="1800" dirty="0" smtClean="0"/>
-              <a:t>Find and use the one you are most comfortable with</a:t>
-            </a:r>
-          </a:p>
-          <a:p>
-            <a:r>
-              <a:rPr lang="sv-SE" sz="1800" dirty="0" err="1" smtClean="0"/>
-              <a:t>Download</a:t>
-            </a:r>
-            <a:r>
-              <a:rPr lang="sv-SE" sz="1800" dirty="0" smtClean="0"/>
-              <a:t> </a:t>
-            </a:r>
-            <a:r>
-              <a:rPr lang="sv-SE" sz="1800" dirty="0" err="1" smtClean="0"/>
-              <a:t>link</a:t>
-            </a:r>
-            <a:r>
-              <a:rPr lang="sv-SE" sz="1800" dirty="0" smtClean="0"/>
-              <a:t>: </a:t>
-            </a:r>
-            <a:br>
-              <a:rPr lang="sv-SE" sz="1800" dirty="0" smtClean="0"/>
-            </a:br>
-            <a:r>
-              <a:rPr lang="pl-PL" dirty="0" smtClean="0">
-                <a:hlinkClick r:id="rId2"/>
-              </a:rPr>
-              <a:t>http:/</a:t>
-            </a:r>
-            <a:r>
-              <a:rPr lang="pl-PL" dirty="0">
-                <a:hlinkClick r:id="rId2"/>
-              </a:rPr>
-              <a:t>/git-scm.com/download/gui/</a:t>
-            </a:r>
-            <a:r>
-              <a:rPr lang="pl-PL" dirty="0" smtClean="0">
-                <a:hlinkClick r:id="rId2"/>
-              </a:rPr>
-              <a:t>linux</a:t>
-            </a:r>
-            <a:endParaRPr lang="pl-PL" dirty="0" smtClean="0"/>
-          </a:p>
-          <a:p>
-            <a:endParaRPr lang="en-US" dirty="0" smtClean="0"/>
-          </a:p>
-        </p:txBody>
-      </p:sp>
-      <p:sp>
-        <p:nvSpPr>
-          <p:cNvPr id="5" name="Slide Number Placeholder 4"/>
-          <p:cNvSpPr>
-            <a:spLocks noGrp="1"/>
-          </p:cNvSpPr>
-          <p:nvPr>
-            <p:ph type="sldNum" sz="quarter" idx="12"/>
-          </p:nvPr>
-        </p:nvSpPr>
-        <p:spPr/>
-        <p:txBody>
-          <a:bodyPr/>
-          <a:lstStyle/>
-          <a:p>
-            <a:fld id="{11DA82ED-F820-4319-BD97-F25880B325A1}" type="slidenum">
-              <a:rPr lang="en-US" smtClean="0"/>
-              <a:pPr/>
-              <a:t>19</a:t>
-            </a:fld>
-            <a:endParaRPr lang="en-US"/>
-          </a:p>
-        </p:txBody>
-      </p:sp>
-    </p:spTree>
-    <p:extLst>
-      <p:ext uri="{BB962C8B-B14F-4D97-AF65-F5344CB8AC3E}">
-        <p14:creationId xmlns:p14="http://schemas.microsoft.com/office/powerpoint/2010/main" val="1745436384"/>
-      </p:ext>
-    </p:extLst>
-  </p:cSld>
-  <p:clrMapOvr>
-    <a:masterClrMapping/>
-  </p:clrMapOvr>
-  <p:transition spd="slow">
-    <p:push dir="u"/>
-  </p:transition>
-  <p:timing>
-    <p:tnLst>
-      <p:par>
-        <p:cTn id="1" dur="indefinite" restart="never" nodeType="tmRoot">
-          <p:childTnLst>
-            <p:seq concurrent="1" nextAc="seek">
-              <p:cTn id="2" dur="indefinite" nodeType="mainSeq">
-                <p:childTnLst>
-                  <p:par>
-                    <p:cTn id="3" fill="hold">
-                      <p:stCondLst>
-                        <p:cond delay="indefinite"/>
-                      </p:stCondLst>
-                      <p:childTnLst>
-                        <p:par>
-                          <p:cTn id="4" fill="hold">
-                            <p:stCondLst>
-                              <p:cond delay="0"/>
-                            </p:stCondLst>
-                            <p:childTnLst>
-                              <p:par>
-                                <p:cTn id="5" presetID="1" presetClass="entr" presetSubtype="0" fill="hold" grpId="0" nodeType="clickEffect">
-                                  <p:stCondLst>
-                                    <p:cond delay="0"/>
-                                  </p:stCondLst>
-                                  <p:childTnLst>
-                                    <p:set>
-                                      <p:cBhvr>
-                                        <p:cTn id="6" dur="1" fill="hold">
-                                          <p:stCondLst>
-                                            <p:cond delay="0"/>
-                                          </p:stCondLst>
-                                        </p:cTn>
-                                        <p:tgtEl>
-                                          <p:spTgt spid="3">
-                                            <p:txEl>
-                                              <p:pRg st="0" end="0"/>
-                                            </p:txEl>
-                                          </p:spTgt>
-                                        </p:tgtEl>
-                                        <p:attrNameLst>
-                                          <p:attrName>style.visibility</p:attrName>
-                                        </p:attrNameLst>
-                                      </p:cBhvr>
-                                      <p:to>
-                                        <p:strVal val="visible"/>
-                                      </p:to>
-                                    </p:set>
-                                  </p:childTnLst>
-                                </p:cTn>
-                              </p:par>
-                            </p:childTnLst>
-                          </p:cTn>
-                        </p:par>
-                      </p:childTnLst>
-                    </p:cTn>
-                  </p:par>
-                  <p:par>
-                    <p:cTn id="7" fill="hold">
-                      <p:stCondLst>
-                        <p:cond delay="indefinite"/>
-                      </p:stCondLst>
-                      <p:childTnLst>
-                        <p:par>
-                          <p:cTn id="8" fill="hold">
-                            <p:stCondLst>
-                              <p:cond delay="0"/>
-                            </p:stCondLst>
-                            <p:childTnLst>
-                              <p:par>
-                                <p:cTn id="9" presetID="1" presetClass="entr" presetSubtype="0" fill="hold" grpId="0" nodeType="clickEffect">
-                                  <p:stCondLst>
-                                    <p:cond delay="0"/>
-                                  </p:stCondLst>
-                                  <p:childTnLst>
-                                    <p:set>
-                                      <p:cBhvr>
-                                        <p:cTn id="10" dur="1" fill="hold">
-                                          <p:stCondLst>
-                                            <p:cond delay="0"/>
-                                          </p:stCondLst>
-                                        </p:cTn>
-                                        <p:tgtEl>
-                                          <p:spTgt spid="3">
-                                            <p:txEl>
-                                              <p:pRg st="1" end="1"/>
-                                            </p:txEl>
-                                          </p:spTgt>
-                                        </p:tgtEl>
-                                        <p:attrNameLst>
-                                          <p:attrName>style.visibility</p:attrName>
-                                        </p:attrNameLst>
-                                      </p:cBhvr>
-                                      <p:to>
-                                        <p:strVal val="visible"/>
-                                      </p:to>
-                                    </p:set>
-                                  </p:childTnLst>
-                                </p:cTn>
-                              </p:par>
-                            </p:childTnLst>
-                          </p:cTn>
-                        </p:par>
-                      </p:childTnLst>
-                    </p:cTn>
-                  </p:par>
-                  <p:par>
-                    <p:cTn id="11" fill="hold">
-                      <p:stCondLst>
-                        <p:cond delay="indefinite"/>
-                      </p:stCondLst>
-                      <p:childTnLst>
-                        <p:par>
-                          <p:cTn id="12" fill="hold">
-                            <p:stCondLst>
-                              <p:cond delay="0"/>
-                            </p:stCondLst>
-                            <p:childTnLst>
-                              <p:par>
-                                <p:cTn id="13" presetID="1" presetClass="entr" presetSubtype="0" fill="hold" grpId="0" nodeType="clickEffect">
-                                  <p:stCondLst>
-                                    <p:cond delay="0"/>
-                                  </p:stCondLst>
-                                  <p:childTnLst>
-                                    <p:set>
-                                      <p:cBhvr>
-                                        <p:cTn id="14" dur="1" fill="hold">
-                                          <p:stCondLst>
-                                            <p:cond delay="0"/>
-                                          </p:stCondLst>
-                                        </p:cTn>
-                                        <p:tgtEl>
-                                          <p:spTgt spid="3">
-                                            <p:txEl>
-                                              <p:pRg st="2" end="2"/>
-                                            </p:txEl>
-                                          </p:spTgt>
-                                        </p:tgtEl>
-                                        <p:attrNameLst>
-                                          <p:attrName>style.visibility</p:attrName>
-                                        </p:attrNameLst>
-                                      </p:cBhvr>
-                                      <p:to>
-                                        <p:strVal val="visible"/>
-                                      </p:to>
-                                    </p:set>
-                                  </p:childTnLst>
-                                </p:cTn>
-                              </p:par>
-                            </p:childTnLst>
-                          </p:cTn>
-                        </p:par>
-                      </p:childTnLst>
-                    </p:cTn>
-                  </p:par>
-                  <p:par>
-                    <p:cTn id="15" fill="hold">
-                      <p:stCondLst>
-                        <p:cond delay="indefinite"/>
-                      </p:stCondLst>
-                      <p:childTnLst>
-                        <p:par>
-                          <p:cTn id="16" fill="hold">
-                            <p:stCondLst>
-                              <p:cond delay="0"/>
-                            </p:stCondLst>
-                            <p:childTnLst>
-                              <p:par>
-                                <p:cTn id="17" presetID="1" presetClass="entr" presetSubtype="0" fill="hold" grpId="0" nodeType="clickEffect">
-                                  <p:stCondLst>
-                                    <p:cond delay="0"/>
-                                  </p:stCondLst>
-                                  <p:childTnLst>
-                                    <p:set>
-                                      <p:cBhvr>
-                                        <p:cTn id="18" dur="1" fill="hold">
-                                          <p:stCondLst>
-                                            <p:cond delay="0"/>
-                                          </p:stCondLst>
-                                        </p:cTn>
-                                        <p:tgtEl>
-                                          <p:spTgt spid="3">
-                                            <p:txEl>
-                                              <p:pRg st="3" end="3"/>
-                                            </p:txEl>
-                                          </p:spTgt>
-                                        </p:tgtEl>
-                                        <p:attrNameLst>
-                                          <p:attrName>style.visibility</p:attrName>
-                                        </p:attrNameLst>
-                                      </p:cBhvr>
-                                      <p:to>
-                                        <p:strVal val="visible"/>
-                                      </p:to>
-                                    </p:set>
-                                  </p:childTnLst>
-                                </p:cTn>
-                              </p:par>
-                            </p:childTnLst>
-                          </p:cTn>
-                        </p:par>
-                      </p:childTnLst>
-                    </p:cTn>
-                  </p:par>
-                  <p:par>
-                    <p:cTn id="19" fill="hold">
-                      <p:stCondLst>
-                        <p:cond delay="indefinite"/>
-                      </p:stCondLst>
-                      <p:childTnLst>
-                        <p:par>
-                          <p:cTn id="20" fill="hold">
-                            <p:stCondLst>
-                              <p:cond delay="0"/>
-                            </p:stCondLst>
-                            <p:childTnLst>
-                              <p:par>
-                                <p:cTn id="21" presetID="1" presetClass="entr" presetSubtype="0" fill="hold" grpId="0" nodeType="clickEffect">
-                                  <p:stCondLst>
-                                    <p:cond delay="0"/>
-                                  </p:stCondLst>
-                                  <p:childTnLst>
-                                    <p:set>
-                                      <p:cBhvr>
-                                        <p:cTn id="22" dur="1" fill="hold">
-                                          <p:stCondLst>
-                                            <p:cond delay="0"/>
-                                          </p:stCondLst>
-                                        </p:cTn>
-                                        <p:tgtEl>
-                                          <p:spTgt spid="3">
-                                            <p:txEl>
-                                              <p:pRg st="4" end="4"/>
-                                            </p:txEl>
-                                          </p:spTgt>
-                                        </p:tgtEl>
-                                        <p:attrNameLst>
-                                          <p:attrName>style.visibility</p:attrName>
-                                        </p:attrNameLst>
-                                      </p:cBhvr>
-                                      <p:to>
-                                        <p:strVal val="visible"/>
-                                      </p:to>
-                                    </p:set>
-                                  </p:childTnLst>
-                                </p:cTn>
-                              </p:par>
-                            </p:childTnLst>
-                          </p:cTn>
-                        </p:par>
-                      </p:childTnLst>
-                    </p:cTn>
-                  </p:par>
-                  <p:par>
-                    <p:cTn id="23" fill="hold">
-                      <p:stCondLst>
-                        <p:cond delay="indefinite"/>
-                      </p:stCondLst>
-                      <p:childTnLst>
-                        <p:par>
-                          <p:cTn id="24" fill="hold">
-                            <p:stCondLst>
-                              <p:cond delay="0"/>
-                            </p:stCondLst>
-                            <p:childTnLst>
-                              <p:par>
-                                <p:cTn id="25" presetID="1" presetClass="entr" presetSubtype="0" fill="hold" grpId="0" nodeType="clickEffect">
-                                  <p:stCondLst>
-                                    <p:cond delay="0"/>
-                                  </p:stCondLst>
-                                  <p:childTnLst>
-                                    <p:set>
-                                      <p:cBhvr>
-                                        <p:cTn id="26" dur="1" fill="hold">
-                                          <p:stCondLst>
-                                            <p:cond delay="0"/>
-                                          </p:stCondLst>
-                                        </p:cTn>
-                                        <p:tgtEl>
-                                          <p:spTgt spid="3">
-                                            <p:txEl>
-                                              <p:pRg st="5" end="5"/>
-                                            </p:txEl>
-                                          </p:spTgt>
-                                        </p:tgtEl>
-                                        <p:attrNameLst>
-                                          <p:attrName>style.visibility</p:attrName>
-                                        </p:attrNameLst>
-                                      </p:cBhvr>
-                                      <p:to>
-                                        <p:strVal val="visible"/>
-                                      </p:to>
-                                    </p:set>
-                                  </p:childTnLst>
-                                </p:cTn>
-                              </p:par>
-                            </p:childTnLst>
-                          </p:cTn>
-                        </p:par>
-                      </p:childTnLst>
-                    </p:cTn>
-                  </p:par>
-                  <p:par>
-                    <p:cTn id="27" fill="hold">
-                      <p:stCondLst>
-                        <p:cond delay="indefinite"/>
-                      </p:stCondLst>
-                      <p:childTnLst>
-                        <p:par>
-                          <p:cTn id="28" fill="hold">
-                            <p:stCondLst>
-                              <p:cond delay="0"/>
-                            </p:stCondLst>
-                            <p:childTnLst>
-                              <p:par>
-                                <p:cTn id="29" presetID="1" presetClass="entr" presetSubtype="0" fill="hold" grpId="0" nodeType="clickEffect">
-                                  <p:stCondLst>
-                                    <p:cond delay="0"/>
-                                  </p:stCondLst>
-                                  <p:childTnLst>
-                                    <p:set>
-                                      <p:cBhvr>
-                                        <p:cTn id="30" dur="1" fill="hold">
-                                          <p:stCondLst>
-                                            <p:cond delay="0"/>
-                                          </p:stCondLst>
-                                        </p:cTn>
-                                        <p:tgtEl>
-                                          <p:spTgt spid="4">
-                                            <p:txEl>
-                                              <p:pRg st="0" end="0"/>
-                                            </p:txEl>
-                                          </p:spTgt>
-                                        </p:tgtEl>
-                                        <p:attrNameLst>
-                                          <p:attrName>style.visibility</p:attrName>
-                                        </p:attrNameLst>
-                                      </p:cBhvr>
-                                      <p:to>
-                                        <p:strVal val="visible"/>
-                                      </p:to>
-                                    </p:set>
-                                  </p:childTnLst>
-                                </p:cTn>
-                              </p:par>
-                            </p:childTnLst>
-                          </p:cTn>
-                        </p:par>
-                      </p:childTnLst>
-                    </p:cTn>
-                  </p:par>
-                  <p:par>
-                    <p:cTn id="31" fill="hold">
-                      <p:stCondLst>
-                        <p:cond delay="indefinite"/>
-                      </p:stCondLst>
-                      <p:childTnLst>
-                        <p:par>
-                          <p:cTn id="32" fill="hold">
-                            <p:stCondLst>
-                              <p:cond delay="0"/>
-                            </p:stCondLst>
-                            <p:childTnLst>
-                              <p:par>
-                                <p:cTn id="33" presetID="1" presetClass="entr" presetSubtype="0" fill="hold" grpId="0" nodeType="clickEffect">
-                                  <p:stCondLst>
-                                    <p:cond delay="0"/>
-                                  </p:stCondLst>
-                                  <p:childTnLst>
-                                    <p:set>
-                                      <p:cBhvr>
-                                        <p:cTn id="34" dur="1" fill="hold">
-                                          <p:stCondLst>
-                                            <p:cond delay="0"/>
-                                          </p:stCondLst>
-                                        </p:cTn>
-                                        <p:tgtEl>
-                                          <p:spTgt spid="4">
-                                            <p:txEl>
-                                              <p:pRg st="1" end="1"/>
-                                            </p:txEl>
-                                          </p:spTgt>
-                                        </p:tgtEl>
-                                        <p:attrNameLst>
-                                          <p:attrName>style.visibility</p:attrName>
-                                        </p:attrNameLst>
-                                      </p:cBhvr>
-                                      <p:to>
-                                        <p:strVal val="visible"/>
-                                      </p:to>
-                                    </p:set>
-                                  </p:childTnLst>
-                                </p:cTn>
-                              </p:par>
-                            </p:childTnLst>
-                          </p:cTn>
-                        </p:par>
-                      </p:childTnLst>
-                    </p:cTn>
-                  </p:par>
-                </p:childTnLst>
-              </p:cTn>
-              <p:prevCondLst>
-                <p:cond evt="onPrev" delay="0">
-                  <p:tgtEl>
-                    <p:sldTgt/>
-                  </p:tgtEl>
-                </p:cond>
-              </p:prevCondLst>
-              <p:nextCondLst>
-                <p:cond evt="onNext" delay="0">
-                  <p:tgtEl>
-                    <p:sldTgt/>
-                  </p:tgtEl>
-                </p:cond>
-              </p:nextCondLst>
-            </p:seq>
-          </p:childTnLst>
-        </p:cTn>
-      </p:par>
-    </p:tnLst>
-    <p:bldLst>
-      <p:bldP spid="3" grpId="0" build="p"/>
-      <p:bldP spid="4" grpId="0" build="p"/>
-    </p:bldLst>
   </p:timing>
 </p:sld>
 </file>
@@ -12113,7 +11553,7 @@
           </a:prstGeom>
           <a:extLst>
             <a:ext uri="{FAA26D3D-D897-4be2-8F04-BA451C77F1D7}">
-              <ma14:placeholderFlag xmlns:lc="http://schemas.openxmlformats.org/drawingml/2006/lockedCanvas" xmlns:ve="http://schemas.openxmlformats.org/markup-compatibility/2006" xmlns:ma14="http://schemas.microsoft.com/office/mac/drawingml/2011/main" xmlns:w="http://schemas.openxmlformats.org/wordprocessingml/2006/main" xmlns:w10="urn:schemas-microsoft-com:office:word" xmlns:v="urn:schemas-microsoft-com:vml" xmlns:o="urn:schemas-microsoft-com:office:office" xmlns:mv="urn:schemas-microsoft-com:mac:vml" xmlns:mo="http://schemas.microsoft.com/office/mac/office/2008/main" xmlns="" xmlns:pic="http://schemas.openxmlformats.org/drawingml/2006/picture" xmlns:wps="http://schemas.microsoft.com/office/word/2010/wordprocessingShape" xmlns:wne="http://schemas.microsoft.com/office/word/2006/wordml" xmlns:wpi="http://schemas.microsoft.com/office/word/2010/wordprocessingInk" xmlns:wpg="http://schemas.microsoft.com/office/word/2010/wordprocessingGroup" xmlns:w14="http://schemas.microsoft.com/office/word/2010/wordml" xmlns:wp="http://schemas.openxmlformats.org/drawingml/2006/wordprocessingDrawing" xmlns:wp14="http://schemas.microsoft.com/office/word/2010/wordprocessingDrawing" xmlns:m="http://schemas.openxmlformats.org/officeDocument/2006/math" xmlns:mc="http://schemas.openxmlformats.org/markup-compatibility/2006" xmlns:wpc="http://schemas.microsoft.com/office/word/2010/wordprocessingCanvas"/>
+              <ma14:placeholderFlag xmlns:wpc="http://schemas.microsoft.com/office/word/2010/wordprocessingCanvas" xmlns:mc="http://schemas.openxmlformats.org/markup-compatibility/2006" xmlns:m="http://schemas.openxmlformats.org/officeDocument/2006/math" xmlns:wp14="http://schemas.microsoft.com/office/word/2010/wordprocessingDrawing" xmlns:wp="http://schemas.openxmlformats.org/drawingml/2006/wordprocessingDrawing" xmlns:w14="http://schemas.microsoft.com/office/word/2010/wordml" xmlns:wpg="http://schemas.microsoft.com/office/word/2010/wordprocessingGroup" xmlns:wpi="http://schemas.microsoft.com/office/word/2010/wordprocessingInk" xmlns:wne="http://schemas.microsoft.com/office/word/2006/wordml" xmlns:wps="http://schemas.microsoft.com/office/word/2010/wordprocessingShape" xmlns:pic="http://schemas.openxmlformats.org/drawingml/2006/picture" xmlns="" xmlns:mo="http://schemas.microsoft.com/office/mac/office/2008/main" xmlns:mv="urn:schemas-microsoft-com:mac:vml" xmlns:o="urn:schemas-microsoft-com:office:office" xmlns:v="urn:schemas-microsoft-com:vml" xmlns:w10="urn:schemas-microsoft-com:office:word" xmlns:w="http://schemas.openxmlformats.org/wordprocessingml/2006/main" xmlns:ma14="http://schemas.microsoft.com/office/mac/drawingml/2011/main" xmlns:ve="http://schemas.openxmlformats.org/markup-compatibility/2006" xmlns:lc="http://schemas.openxmlformats.org/drawingml/2006/lockedCanvas"/>
             </a:ext>
           </a:extLst>
         </p:spPr>
@@ -12977,6 +12417,660 @@
       </p:grpSpPr>
       <p:sp>
         <p:nvSpPr>
+          <p:cNvPr id="2" name="Title 1"/>
+          <p:cNvSpPr>
+            <a:spLocks noGrp="1"/>
+          </p:cNvSpPr>
+          <p:nvPr>
+            <p:ph type="title"/>
+          </p:nvPr>
+        </p:nvSpPr>
+        <p:spPr/>
+        <p:txBody>
+          <a:bodyPr>
+            <a:normAutofit/>
+          </a:bodyPr>
+          <a:lstStyle/>
+          <a:p>
+            <a:r>
+              <a:rPr lang="en-US" sz="1800" dirty="0" smtClean="0"/>
+              <a:t>GIT GUI clients</a:t>
+            </a:r>
+            <a:endParaRPr lang="en-US" sz="1800" dirty="0"/>
+          </a:p>
+        </p:txBody>
+      </p:sp>
+      <p:sp>
+        <p:nvSpPr>
+          <p:cNvPr id="3" name="Content Placeholder 2"/>
+          <p:cNvSpPr>
+            <a:spLocks noGrp="1"/>
+          </p:cNvSpPr>
+          <p:nvPr>
+            <p:ph sz="half" idx="1"/>
+          </p:nvPr>
+        </p:nvSpPr>
+        <p:spPr>
+          <a:xfrm>
+            <a:off x="395288" y="1341438"/>
+            <a:ext cx="3888000" cy="5039889"/>
+          </a:xfrm>
+        </p:spPr>
+        <p:txBody>
+          <a:bodyPr>
+            <a:normAutofit/>
+          </a:bodyPr>
+          <a:lstStyle/>
+          <a:p>
+            <a:r>
+              <a:rPr lang="en-US" sz="3200" b="1" dirty="0" err="1" smtClean="0"/>
+              <a:t>GIThub</a:t>
+            </a:r>
+            <a:r>
+              <a:rPr lang="en-US" sz="3200" b="1" dirty="0" smtClean="0"/>
+              <a:t> for MAC </a:t>
+            </a:r>
+          </a:p>
+          <a:p>
+            <a:r>
+              <a:rPr lang="en-US" sz="3200" b="1" dirty="0" smtClean="0"/>
+              <a:t>Tower </a:t>
+            </a:r>
+          </a:p>
+          <a:p>
+            <a:r>
+              <a:rPr lang="en-US" sz="3200" b="1" dirty="0" err="1" smtClean="0"/>
+              <a:t>GITbox</a:t>
+            </a:r>
+            <a:endParaRPr lang="en-US" sz="3200" b="1" dirty="0"/>
+          </a:p>
+          <a:p>
+            <a:r>
+              <a:rPr lang="en-US" sz="3200" b="1" dirty="0" err="1" smtClean="0"/>
+              <a:t>Atlassian</a:t>
+            </a:r>
+            <a:r>
+              <a:rPr lang="en-US" sz="3200" b="1" dirty="0" smtClean="0"/>
+              <a:t> </a:t>
+            </a:r>
+            <a:r>
+              <a:rPr lang="en-US" sz="3200" b="1" dirty="0" err="1" smtClean="0"/>
+              <a:t>Sourcetree</a:t>
+            </a:r>
+            <a:r>
+              <a:rPr lang="en-US" sz="3200" b="1" dirty="0" smtClean="0"/>
+              <a:t>	</a:t>
+            </a:r>
+          </a:p>
+          <a:p>
+            <a:r>
+              <a:rPr lang="en-US" sz="3200" b="1" dirty="0" err="1" smtClean="0"/>
+              <a:t>Git</a:t>
+            </a:r>
+            <a:r>
+              <a:rPr lang="en-US" sz="3200" b="1" dirty="0" smtClean="0"/>
+              <a:t> cola </a:t>
+            </a:r>
+          </a:p>
+          <a:p>
+            <a:r>
+              <a:rPr lang="en-US" sz="3200" b="1" dirty="0" err="1" smtClean="0"/>
+              <a:t>Gitg</a:t>
+            </a:r>
+            <a:endParaRPr lang="en-US" sz="3200" b="1" dirty="0"/>
+          </a:p>
+        </p:txBody>
+      </p:sp>
+      <p:sp>
+        <p:nvSpPr>
+          <p:cNvPr id="4" name="Content Placeholder 3"/>
+          <p:cNvSpPr>
+            <a:spLocks noGrp="1"/>
+          </p:cNvSpPr>
+          <p:nvPr>
+            <p:ph sz="half" idx="2"/>
+          </p:nvPr>
+        </p:nvSpPr>
+        <p:spPr/>
+        <p:txBody>
+          <a:bodyPr/>
+          <a:lstStyle/>
+          <a:p>
+            <a:r>
+              <a:rPr lang="en-US" sz="1800" dirty="0" smtClean="0"/>
+              <a:t>Find and use the one you are most comfortable with</a:t>
+            </a:r>
+          </a:p>
+          <a:p>
+            <a:r>
+              <a:rPr lang="sv-SE" sz="1800" dirty="0" err="1" smtClean="0"/>
+              <a:t>Download</a:t>
+            </a:r>
+            <a:r>
+              <a:rPr lang="sv-SE" sz="1800" dirty="0" smtClean="0"/>
+              <a:t> </a:t>
+            </a:r>
+            <a:r>
+              <a:rPr lang="sv-SE" sz="1800" dirty="0" err="1" smtClean="0"/>
+              <a:t>link</a:t>
+            </a:r>
+            <a:r>
+              <a:rPr lang="sv-SE" sz="1800" dirty="0" smtClean="0"/>
+              <a:t>: </a:t>
+            </a:r>
+            <a:br>
+              <a:rPr lang="sv-SE" sz="1800" dirty="0" smtClean="0"/>
+            </a:br>
+            <a:r>
+              <a:rPr lang="pl-PL" dirty="0" smtClean="0">
+                <a:hlinkClick r:id="rId2"/>
+              </a:rPr>
+              <a:t>http:/</a:t>
+            </a:r>
+            <a:r>
+              <a:rPr lang="pl-PL" dirty="0">
+                <a:hlinkClick r:id="rId2"/>
+              </a:rPr>
+              <a:t>/git-scm.com/download/gui/</a:t>
+            </a:r>
+            <a:r>
+              <a:rPr lang="pl-PL" dirty="0" smtClean="0">
+                <a:hlinkClick r:id="rId2"/>
+              </a:rPr>
+              <a:t>linux</a:t>
+            </a:r>
+            <a:endParaRPr lang="pl-PL" dirty="0" smtClean="0"/>
+          </a:p>
+          <a:p>
+            <a:endParaRPr lang="en-US" dirty="0" smtClean="0"/>
+          </a:p>
+        </p:txBody>
+      </p:sp>
+      <p:sp>
+        <p:nvSpPr>
+          <p:cNvPr id="5" name="Slide Number Placeholder 4"/>
+          <p:cNvSpPr>
+            <a:spLocks noGrp="1"/>
+          </p:cNvSpPr>
+          <p:nvPr>
+            <p:ph type="sldNum" sz="quarter" idx="12"/>
+          </p:nvPr>
+        </p:nvSpPr>
+        <p:spPr/>
+        <p:txBody>
+          <a:bodyPr/>
+          <a:lstStyle/>
+          <a:p>
+            <a:fld id="{11DA82ED-F820-4319-BD97-F25880B325A1}" type="slidenum">
+              <a:rPr lang="en-US" smtClean="0"/>
+              <a:pPr/>
+              <a:t>20</a:t>
+            </a:fld>
+            <a:endParaRPr lang="en-US"/>
+          </a:p>
+        </p:txBody>
+      </p:sp>
+    </p:spTree>
+    <p:extLst>
+      <p:ext uri="{BB962C8B-B14F-4D97-AF65-F5344CB8AC3E}">
+        <p14:creationId xmlns:p14="http://schemas.microsoft.com/office/powerpoint/2010/main" val="1745436384"/>
+      </p:ext>
+    </p:extLst>
+  </p:cSld>
+  <p:clrMapOvr>
+    <a:masterClrMapping/>
+  </p:clrMapOvr>
+  <p:transition spd="slow">
+    <p:push dir="u"/>
+  </p:transition>
+  <p:timing>
+    <p:tnLst>
+      <p:par>
+        <p:cTn id="1" dur="indefinite" restart="never" nodeType="tmRoot">
+          <p:childTnLst>
+            <p:seq concurrent="1" nextAc="seek">
+              <p:cTn id="2" dur="indefinite" nodeType="mainSeq">
+                <p:childTnLst>
+                  <p:par>
+                    <p:cTn id="3" fill="hold">
+                      <p:stCondLst>
+                        <p:cond delay="indefinite"/>
+                      </p:stCondLst>
+                      <p:childTnLst>
+                        <p:par>
+                          <p:cTn id="4" fill="hold">
+                            <p:stCondLst>
+                              <p:cond delay="0"/>
+                            </p:stCondLst>
+                            <p:childTnLst>
+                              <p:par>
+                                <p:cTn id="5" presetID="1" presetClass="entr" presetSubtype="0" fill="hold" grpId="0" nodeType="clickEffect">
+                                  <p:stCondLst>
+                                    <p:cond delay="0"/>
+                                  </p:stCondLst>
+                                  <p:childTnLst>
+                                    <p:set>
+                                      <p:cBhvr>
+                                        <p:cTn id="6" dur="1" fill="hold">
+                                          <p:stCondLst>
+                                            <p:cond delay="0"/>
+                                          </p:stCondLst>
+                                        </p:cTn>
+                                        <p:tgtEl>
+                                          <p:spTgt spid="3">
+                                            <p:txEl>
+                                              <p:pRg st="0" end="0"/>
+                                            </p:txEl>
+                                          </p:spTgt>
+                                        </p:tgtEl>
+                                        <p:attrNameLst>
+                                          <p:attrName>style.visibility</p:attrName>
+                                        </p:attrNameLst>
+                                      </p:cBhvr>
+                                      <p:to>
+                                        <p:strVal val="visible"/>
+                                      </p:to>
+                                    </p:set>
+                                  </p:childTnLst>
+                                </p:cTn>
+                              </p:par>
+                            </p:childTnLst>
+                          </p:cTn>
+                        </p:par>
+                      </p:childTnLst>
+                    </p:cTn>
+                  </p:par>
+                  <p:par>
+                    <p:cTn id="7" fill="hold">
+                      <p:stCondLst>
+                        <p:cond delay="indefinite"/>
+                      </p:stCondLst>
+                      <p:childTnLst>
+                        <p:par>
+                          <p:cTn id="8" fill="hold">
+                            <p:stCondLst>
+                              <p:cond delay="0"/>
+                            </p:stCondLst>
+                            <p:childTnLst>
+                              <p:par>
+                                <p:cTn id="9" presetID="1" presetClass="entr" presetSubtype="0" fill="hold" grpId="0" nodeType="clickEffect">
+                                  <p:stCondLst>
+                                    <p:cond delay="0"/>
+                                  </p:stCondLst>
+                                  <p:childTnLst>
+                                    <p:set>
+                                      <p:cBhvr>
+                                        <p:cTn id="10" dur="1" fill="hold">
+                                          <p:stCondLst>
+                                            <p:cond delay="0"/>
+                                          </p:stCondLst>
+                                        </p:cTn>
+                                        <p:tgtEl>
+                                          <p:spTgt spid="3">
+                                            <p:txEl>
+                                              <p:pRg st="1" end="1"/>
+                                            </p:txEl>
+                                          </p:spTgt>
+                                        </p:tgtEl>
+                                        <p:attrNameLst>
+                                          <p:attrName>style.visibility</p:attrName>
+                                        </p:attrNameLst>
+                                      </p:cBhvr>
+                                      <p:to>
+                                        <p:strVal val="visible"/>
+                                      </p:to>
+                                    </p:set>
+                                  </p:childTnLst>
+                                </p:cTn>
+                              </p:par>
+                            </p:childTnLst>
+                          </p:cTn>
+                        </p:par>
+                      </p:childTnLst>
+                    </p:cTn>
+                  </p:par>
+                  <p:par>
+                    <p:cTn id="11" fill="hold">
+                      <p:stCondLst>
+                        <p:cond delay="indefinite"/>
+                      </p:stCondLst>
+                      <p:childTnLst>
+                        <p:par>
+                          <p:cTn id="12" fill="hold">
+                            <p:stCondLst>
+                              <p:cond delay="0"/>
+                            </p:stCondLst>
+                            <p:childTnLst>
+                              <p:par>
+                                <p:cTn id="13" presetID="1" presetClass="entr" presetSubtype="0" fill="hold" grpId="0" nodeType="clickEffect">
+                                  <p:stCondLst>
+                                    <p:cond delay="0"/>
+                                  </p:stCondLst>
+                                  <p:childTnLst>
+                                    <p:set>
+                                      <p:cBhvr>
+                                        <p:cTn id="14" dur="1" fill="hold">
+                                          <p:stCondLst>
+                                            <p:cond delay="0"/>
+                                          </p:stCondLst>
+                                        </p:cTn>
+                                        <p:tgtEl>
+                                          <p:spTgt spid="3">
+                                            <p:txEl>
+                                              <p:pRg st="2" end="2"/>
+                                            </p:txEl>
+                                          </p:spTgt>
+                                        </p:tgtEl>
+                                        <p:attrNameLst>
+                                          <p:attrName>style.visibility</p:attrName>
+                                        </p:attrNameLst>
+                                      </p:cBhvr>
+                                      <p:to>
+                                        <p:strVal val="visible"/>
+                                      </p:to>
+                                    </p:set>
+                                  </p:childTnLst>
+                                </p:cTn>
+                              </p:par>
+                            </p:childTnLst>
+                          </p:cTn>
+                        </p:par>
+                      </p:childTnLst>
+                    </p:cTn>
+                  </p:par>
+                  <p:par>
+                    <p:cTn id="15" fill="hold">
+                      <p:stCondLst>
+                        <p:cond delay="indefinite"/>
+                      </p:stCondLst>
+                      <p:childTnLst>
+                        <p:par>
+                          <p:cTn id="16" fill="hold">
+                            <p:stCondLst>
+                              <p:cond delay="0"/>
+                            </p:stCondLst>
+                            <p:childTnLst>
+                              <p:par>
+                                <p:cTn id="17" presetID="1" presetClass="entr" presetSubtype="0" fill="hold" grpId="0" nodeType="clickEffect">
+                                  <p:stCondLst>
+                                    <p:cond delay="0"/>
+                                  </p:stCondLst>
+                                  <p:childTnLst>
+                                    <p:set>
+                                      <p:cBhvr>
+                                        <p:cTn id="18" dur="1" fill="hold">
+                                          <p:stCondLst>
+                                            <p:cond delay="0"/>
+                                          </p:stCondLst>
+                                        </p:cTn>
+                                        <p:tgtEl>
+                                          <p:spTgt spid="3">
+                                            <p:txEl>
+                                              <p:pRg st="3" end="3"/>
+                                            </p:txEl>
+                                          </p:spTgt>
+                                        </p:tgtEl>
+                                        <p:attrNameLst>
+                                          <p:attrName>style.visibility</p:attrName>
+                                        </p:attrNameLst>
+                                      </p:cBhvr>
+                                      <p:to>
+                                        <p:strVal val="visible"/>
+                                      </p:to>
+                                    </p:set>
+                                  </p:childTnLst>
+                                </p:cTn>
+                              </p:par>
+                            </p:childTnLst>
+                          </p:cTn>
+                        </p:par>
+                      </p:childTnLst>
+                    </p:cTn>
+                  </p:par>
+                  <p:par>
+                    <p:cTn id="19" fill="hold">
+                      <p:stCondLst>
+                        <p:cond delay="indefinite"/>
+                      </p:stCondLst>
+                      <p:childTnLst>
+                        <p:par>
+                          <p:cTn id="20" fill="hold">
+                            <p:stCondLst>
+                              <p:cond delay="0"/>
+                            </p:stCondLst>
+                            <p:childTnLst>
+                              <p:par>
+                                <p:cTn id="21" presetID="1" presetClass="entr" presetSubtype="0" fill="hold" grpId="0" nodeType="clickEffect">
+                                  <p:stCondLst>
+                                    <p:cond delay="0"/>
+                                  </p:stCondLst>
+                                  <p:childTnLst>
+                                    <p:set>
+                                      <p:cBhvr>
+                                        <p:cTn id="22" dur="1" fill="hold">
+                                          <p:stCondLst>
+                                            <p:cond delay="0"/>
+                                          </p:stCondLst>
+                                        </p:cTn>
+                                        <p:tgtEl>
+                                          <p:spTgt spid="3">
+                                            <p:txEl>
+                                              <p:pRg st="4" end="4"/>
+                                            </p:txEl>
+                                          </p:spTgt>
+                                        </p:tgtEl>
+                                        <p:attrNameLst>
+                                          <p:attrName>style.visibility</p:attrName>
+                                        </p:attrNameLst>
+                                      </p:cBhvr>
+                                      <p:to>
+                                        <p:strVal val="visible"/>
+                                      </p:to>
+                                    </p:set>
+                                  </p:childTnLst>
+                                </p:cTn>
+                              </p:par>
+                            </p:childTnLst>
+                          </p:cTn>
+                        </p:par>
+                      </p:childTnLst>
+                    </p:cTn>
+                  </p:par>
+                  <p:par>
+                    <p:cTn id="23" fill="hold">
+                      <p:stCondLst>
+                        <p:cond delay="indefinite"/>
+                      </p:stCondLst>
+                      <p:childTnLst>
+                        <p:par>
+                          <p:cTn id="24" fill="hold">
+                            <p:stCondLst>
+                              <p:cond delay="0"/>
+                            </p:stCondLst>
+                            <p:childTnLst>
+                              <p:par>
+                                <p:cTn id="25" presetID="1" presetClass="entr" presetSubtype="0" fill="hold" grpId="0" nodeType="clickEffect">
+                                  <p:stCondLst>
+                                    <p:cond delay="0"/>
+                                  </p:stCondLst>
+                                  <p:childTnLst>
+                                    <p:set>
+                                      <p:cBhvr>
+                                        <p:cTn id="26" dur="1" fill="hold">
+                                          <p:stCondLst>
+                                            <p:cond delay="0"/>
+                                          </p:stCondLst>
+                                        </p:cTn>
+                                        <p:tgtEl>
+                                          <p:spTgt spid="3">
+                                            <p:txEl>
+                                              <p:pRg st="5" end="5"/>
+                                            </p:txEl>
+                                          </p:spTgt>
+                                        </p:tgtEl>
+                                        <p:attrNameLst>
+                                          <p:attrName>style.visibility</p:attrName>
+                                        </p:attrNameLst>
+                                      </p:cBhvr>
+                                      <p:to>
+                                        <p:strVal val="visible"/>
+                                      </p:to>
+                                    </p:set>
+                                  </p:childTnLst>
+                                </p:cTn>
+                              </p:par>
+                            </p:childTnLst>
+                          </p:cTn>
+                        </p:par>
+                      </p:childTnLst>
+                    </p:cTn>
+                  </p:par>
+                  <p:par>
+                    <p:cTn id="27" fill="hold">
+                      <p:stCondLst>
+                        <p:cond delay="indefinite"/>
+                      </p:stCondLst>
+                      <p:childTnLst>
+                        <p:par>
+                          <p:cTn id="28" fill="hold">
+                            <p:stCondLst>
+                              <p:cond delay="0"/>
+                            </p:stCondLst>
+                            <p:childTnLst>
+                              <p:par>
+                                <p:cTn id="29" presetID="1" presetClass="entr" presetSubtype="0" fill="hold" grpId="0" nodeType="clickEffect">
+                                  <p:stCondLst>
+                                    <p:cond delay="0"/>
+                                  </p:stCondLst>
+                                  <p:childTnLst>
+                                    <p:set>
+                                      <p:cBhvr>
+                                        <p:cTn id="30" dur="1" fill="hold">
+                                          <p:stCondLst>
+                                            <p:cond delay="0"/>
+                                          </p:stCondLst>
+                                        </p:cTn>
+                                        <p:tgtEl>
+                                          <p:spTgt spid="4">
+                                            <p:txEl>
+                                              <p:pRg st="0" end="0"/>
+                                            </p:txEl>
+                                          </p:spTgt>
+                                        </p:tgtEl>
+                                        <p:attrNameLst>
+                                          <p:attrName>style.visibility</p:attrName>
+                                        </p:attrNameLst>
+                                      </p:cBhvr>
+                                      <p:to>
+                                        <p:strVal val="visible"/>
+                                      </p:to>
+                                    </p:set>
+                                  </p:childTnLst>
+                                </p:cTn>
+                              </p:par>
+                            </p:childTnLst>
+                          </p:cTn>
+                        </p:par>
+                      </p:childTnLst>
+                    </p:cTn>
+                  </p:par>
+                  <p:par>
+                    <p:cTn id="31" fill="hold">
+                      <p:stCondLst>
+                        <p:cond delay="indefinite"/>
+                      </p:stCondLst>
+                      <p:childTnLst>
+                        <p:par>
+                          <p:cTn id="32" fill="hold">
+                            <p:stCondLst>
+                              <p:cond delay="0"/>
+                            </p:stCondLst>
+                            <p:childTnLst>
+                              <p:par>
+                                <p:cTn id="33" presetID="1" presetClass="entr" presetSubtype="0" fill="hold" grpId="0" nodeType="clickEffect">
+                                  <p:stCondLst>
+                                    <p:cond delay="0"/>
+                                  </p:stCondLst>
+                                  <p:childTnLst>
+                                    <p:set>
+                                      <p:cBhvr>
+                                        <p:cTn id="34" dur="1" fill="hold">
+                                          <p:stCondLst>
+                                            <p:cond delay="0"/>
+                                          </p:stCondLst>
+                                        </p:cTn>
+                                        <p:tgtEl>
+                                          <p:spTgt spid="4">
+                                            <p:txEl>
+                                              <p:pRg st="1" end="1"/>
+                                            </p:txEl>
+                                          </p:spTgt>
+                                        </p:tgtEl>
+                                        <p:attrNameLst>
+                                          <p:attrName>style.visibility</p:attrName>
+                                        </p:attrNameLst>
+                                      </p:cBhvr>
+                                      <p:to>
+                                        <p:strVal val="visible"/>
+                                      </p:to>
+                                    </p:set>
+                                  </p:childTnLst>
+                                </p:cTn>
+                              </p:par>
+                            </p:childTnLst>
+                          </p:cTn>
+                        </p:par>
+                      </p:childTnLst>
+                    </p:cTn>
+                  </p:par>
+                </p:childTnLst>
+              </p:cTn>
+              <p:prevCondLst>
+                <p:cond evt="onPrev" delay="0">
+                  <p:tgtEl>
+                    <p:sldTgt/>
+                  </p:tgtEl>
+                </p:cond>
+              </p:prevCondLst>
+              <p:nextCondLst>
+                <p:cond evt="onNext" delay="0">
+                  <p:tgtEl>
+                    <p:sldTgt/>
+                  </p:tgtEl>
+                </p:cond>
+              </p:nextCondLst>
+            </p:seq>
+          </p:childTnLst>
+        </p:cTn>
+      </p:par>
+    </p:tnLst>
+    <p:bldLst>
+      <p:bldP spid="3" grpId="0" build="p"/>
+      <p:bldP spid="4" grpId="0" build="p"/>
+    </p:bldLst>
+  </p:timing>
+</p:sld>
+</file>
+
+<file path=ppt/slides/slide21.xml><?xml version="1.0" encoding="utf-8"?>
+<p:sld xmlns:a="http://schemas.openxmlformats.org/drawingml/2006/main" xmlns:r="http://schemas.openxmlformats.org/officeDocument/2006/relationships" xmlns:p="http://schemas.openxmlformats.org/presentationml/2006/main">
+  <p:cSld>
+    <p:spTree>
+      <p:nvGrpSpPr>
+        <p:cNvPr id="1" name=""/>
+        <p:cNvGrpSpPr/>
+        <p:nvPr/>
+      </p:nvGrpSpPr>
+      <p:grpSpPr>
+        <a:xfrm>
+          <a:off x="0" y="0"/>
+          <a:ext cx="0" cy="0"/>
+          <a:chOff x="0" y="0"/>
+          <a:chExt cx="0" cy="0"/>
+        </a:xfrm>
+      </p:grpSpPr>
+      <p:sp>
+        <p:nvSpPr>
           <p:cNvPr id="2" name="Date Placeholder 1"/>
           <p:cNvSpPr>
             <a:spLocks noGrp="1"/>
@@ -13015,7 +13109,7 @@
           <a:p>
             <a:fld id="{FBD926E4-2B13-4465-A5B0-7D9EB9E6EE0C}" type="slidenum">
               <a:rPr lang="sv-SE" smtClean="0"/>
-              <a:t>20</a:t>
+              <a:t>21</a:t>
             </a:fld>
             <a:endParaRPr lang="sv-SE" dirty="0"/>
           </a:p>
@@ -15441,186 +15535,6 @@
 </p:sld>
 </file>
 
-<file path=ppt/slides/slide21.xml><?xml version="1.0" encoding="utf-8"?>
-<p:sld xmlns:a="http://schemas.openxmlformats.org/drawingml/2006/main" xmlns:r="http://schemas.openxmlformats.org/officeDocument/2006/relationships" xmlns:p="http://schemas.openxmlformats.org/presentationml/2006/main">
-  <p:cSld>
-    <p:spTree>
-      <p:nvGrpSpPr>
-        <p:cNvPr id="1" name=""/>
-        <p:cNvGrpSpPr/>
-        <p:nvPr/>
-      </p:nvGrpSpPr>
-      <p:grpSpPr>
-        <a:xfrm>
-          <a:off x="0" y="0"/>
-          <a:ext cx="0" cy="0"/>
-          <a:chOff x="0" y="0"/>
-          <a:chExt cx="0" cy="0"/>
-        </a:xfrm>
-      </p:grpSpPr>
-      <p:sp>
-        <p:nvSpPr>
-          <p:cNvPr id="2" name="Slide Number Placeholder 1"/>
-          <p:cNvSpPr>
-            <a:spLocks noGrp="1"/>
-          </p:cNvSpPr>
-          <p:nvPr>
-            <p:ph type="sldNum" sz="quarter" idx="12"/>
-          </p:nvPr>
-        </p:nvSpPr>
-        <p:spPr/>
-        <p:txBody>
-          <a:bodyPr/>
-          <a:lstStyle/>
-          <a:p>
-            <a:fld id="{FBD926E4-2B13-4465-A5B0-7D9EB9E6EE0C}" type="slidenum">
-              <a:rPr lang="sv-SE" smtClean="0"/>
-              <a:t>21</a:t>
-            </a:fld>
-            <a:endParaRPr lang="sv-SE" dirty="0"/>
-          </a:p>
-        </p:txBody>
-      </p:sp>
-      <p:sp>
-        <p:nvSpPr>
-          <p:cNvPr id="3" name="Title 2"/>
-          <p:cNvSpPr>
-            <a:spLocks noGrp="1"/>
-          </p:cNvSpPr>
-          <p:nvPr>
-            <p:ph type="title"/>
-          </p:nvPr>
-        </p:nvSpPr>
-        <p:spPr/>
-        <p:txBody>
-          <a:bodyPr>
-            <a:normAutofit/>
-          </a:bodyPr>
-          <a:lstStyle/>
-          <a:p>
-            <a:r>
-              <a:rPr lang="en-US" sz="1800" b="1" dirty="0" smtClean="0"/>
-              <a:t>Merging tool - Kdiff3</a:t>
-            </a:r>
-            <a:endParaRPr lang="en-US" sz="1800" b="1" dirty="0"/>
-          </a:p>
-        </p:txBody>
-      </p:sp>
-      <p:sp>
-        <p:nvSpPr>
-          <p:cNvPr id="4" name="Content Placeholder 3"/>
-          <p:cNvSpPr>
-            <a:spLocks noGrp="1"/>
-          </p:cNvSpPr>
-          <p:nvPr>
-            <p:ph sz="quarter" idx="13"/>
-          </p:nvPr>
-        </p:nvSpPr>
-        <p:spPr>
-          <a:xfrm>
-            <a:off x="539750" y="1340769"/>
-            <a:ext cx="8136706" cy="4584510"/>
-          </a:xfrm>
-        </p:spPr>
-        <p:txBody>
-          <a:bodyPr/>
-          <a:lstStyle/>
-          <a:p>
-            <a:pPr marL="285750" indent="-285750">
-              <a:buFont typeface="Arial"/>
-              <a:buChar char="•"/>
-            </a:pPr>
-            <a:r>
-              <a:rPr lang="en-US" sz="1800" dirty="0"/>
-              <a:t>Merging is necessary when several people work on the same files in a project. </a:t>
-            </a:r>
-          </a:p>
-          <a:p>
-            <a:pPr marL="285750" indent="-285750">
-              <a:buFont typeface="Arial"/>
-              <a:buChar char="•"/>
-            </a:pPr>
-            <a:endParaRPr lang="en-US" sz="1800" dirty="0"/>
-          </a:p>
-          <a:p>
-            <a:pPr marL="285750" indent="-285750">
-              <a:buFont typeface="Arial"/>
-              <a:buChar char="•"/>
-            </a:pPr>
-            <a:r>
-              <a:rPr lang="en-US" sz="1800" dirty="0"/>
-              <a:t>Kdiff3 can be used to merge two or three input files  by selecting the buttons A/B/C from the button bar and choose the source that should be used.</a:t>
-            </a:r>
-          </a:p>
-          <a:p>
-            <a:pPr marL="285750" indent="-285750">
-              <a:buFont typeface="Arial"/>
-              <a:buChar char="•"/>
-            </a:pPr>
-            <a:endParaRPr lang="en-US" sz="1800" dirty="0"/>
-          </a:p>
-          <a:p>
-            <a:pPr marL="285750" indent="-285750">
-              <a:buFont typeface="Arial"/>
-              <a:buChar char="•"/>
-            </a:pPr>
-            <a:r>
-              <a:rPr lang="en-US" sz="1800" dirty="0"/>
-              <a:t>Saving is disabled until all conflicts are resolved. </a:t>
-            </a:r>
-          </a:p>
-          <a:p>
-            <a:pPr marL="285750" indent="-285750">
-              <a:buFont typeface="Arial"/>
-              <a:buChar char="•"/>
-            </a:pPr>
-            <a:endParaRPr lang="en-US" sz="1800" dirty="0"/>
-          </a:p>
-          <a:p>
-            <a:pPr marL="285750" indent="-285750">
-              <a:buFont typeface="Arial"/>
-              <a:buChar char="•"/>
-            </a:pPr>
-            <a:r>
-              <a:rPr lang="en-US" sz="1800" dirty="0"/>
-              <a:t> Merge case– either B or input C changed but not both then change source automatically will be selected; if both has changed in the same line the conflict occurs and need to be resolved; B,C the same but not A then C is selected.</a:t>
-            </a:r>
-          </a:p>
-          <a:p>
-            <a:pPr marL="285750" indent="-285750">
-              <a:buFont typeface="Arial"/>
-              <a:buChar char="•"/>
-            </a:pPr>
-            <a:endParaRPr lang="en-US" sz="1800" dirty="0"/>
-          </a:p>
-          <a:p>
-            <a:endParaRPr lang="en-US" dirty="0"/>
-          </a:p>
-        </p:txBody>
-      </p:sp>
-    </p:spTree>
-    <p:extLst>
-      <p:ext uri="{BB962C8B-B14F-4D97-AF65-F5344CB8AC3E}">
-        <p14:creationId xmlns:p14="http://schemas.microsoft.com/office/powerpoint/2010/main" val="4066810392"/>
-      </p:ext>
-    </p:extLst>
-  </p:cSld>
-  <p:clrMapOvr>
-    <a:masterClrMapping/>
-  </p:clrMapOvr>
-  <p:transition spd="slow">
-    <p:push dir="u"/>
-  </p:transition>
-  <p:timing>
-    <p:tnLst>
-      <p:par>
-        <p:cTn id="1" dur="indefinite" restart="never" nodeType="tmRoot"/>
-      </p:par>
-    </p:tnLst>
-  </p:timing>
-</p:sld>
-</file>
-
 <file path=ppt/slides/slide22.xml><?xml version="1.0" encoding="utf-8"?>
 <p:sld xmlns:a="http://schemas.openxmlformats.org/drawingml/2006/main" xmlns:r="http://schemas.openxmlformats.org/officeDocument/2006/relationships" xmlns:p="http://schemas.openxmlformats.org/presentationml/2006/main">
   <p:cSld>
@@ -15656,6 +15570,186 @@
             <a:fld id="{FBD926E4-2B13-4465-A5B0-7D9EB9E6EE0C}" type="slidenum">
               <a:rPr lang="sv-SE" smtClean="0"/>
               <a:t>22</a:t>
+            </a:fld>
+            <a:endParaRPr lang="sv-SE" dirty="0"/>
+          </a:p>
+        </p:txBody>
+      </p:sp>
+      <p:sp>
+        <p:nvSpPr>
+          <p:cNvPr id="3" name="Title 2"/>
+          <p:cNvSpPr>
+            <a:spLocks noGrp="1"/>
+          </p:cNvSpPr>
+          <p:nvPr>
+            <p:ph type="title"/>
+          </p:nvPr>
+        </p:nvSpPr>
+        <p:spPr/>
+        <p:txBody>
+          <a:bodyPr>
+            <a:normAutofit/>
+          </a:bodyPr>
+          <a:lstStyle/>
+          <a:p>
+            <a:r>
+              <a:rPr lang="en-US" sz="1800" b="1" dirty="0" smtClean="0"/>
+              <a:t>Merging tool - Kdiff3</a:t>
+            </a:r>
+            <a:endParaRPr lang="en-US" sz="1800" b="1" dirty="0"/>
+          </a:p>
+        </p:txBody>
+      </p:sp>
+      <p:sp>
+        <p:nvSpPr>
+          <p:cNvPr id="4" name="Content Placeholder 3"/>
+          <p:cNvSpPr>
+            <a:spLocks noGrp="1"/>
+          </p:cNvSpPr>
+          <p:nvPr>
+            <p:ph sz="quarter" idx="13"/>
+          </p:nvPr>
+        </p:nvSpPr>
+        <p:spPr>
+          <a:xfrm>
+            <a:off x="539750" y="1340769"/>
+            <a:ext cx="8136706" cy="4584510"/>
+          </a:xfrm>
+        </p:spPr>
+        <p:txBody>
+          <a:bodyPr/>
+          <a:lstStyle/>
+          <a:p>
+            <a:pPr marL="285750" indent="-285750">
+              <a:buFont typeface="Arial"/>
+              <a:buChar char="•"/>
+            </a:pPr>
+            <a:r>
+              <a:rPr lang="en-US" sz="1800" dirty="0"/>
+              <a:t>Merging is necessary when several people work on the same files in a project. </a:t>
+            </a:r>
+          </a:p>
+          <a:p>
+            <a:pPr marL="285750" indent="-285750">
+              <a:buFont typeface="Arial"/>
+              <a:buChar char="•"/>
+            </a:pPr>
+            <a:endParaRPr lang="en-US" sz="1800" dirty="0"/>
+          </a:p>
+          <a:p>
+            <a:pPr marL="285750" indent="-285750">
+              <a:buFont typeface="Arial"/>
+              <a:buChar char="•"/>
+            </a:pPr>
+            <a:r>
+              <a:rPr lang="en-US" sz="1800" dirty="0"/>
+              <a:t>Kdiff3 can be used to merge two or three input files  by selecting the buttons A/B/C from the button bar and choose the source that should be used.</a:t>
+            </a:r>
+          </a:p>
+          <a:p>
+            <a:pPr marL="285750" indent="-285750">
+              <a:buFont typeface="Arial"/>
+              <a:buChar char="•"/>
+            </a:pPr>
+            <a:endParaRPr lang="en-US" sz="1800" dirty="0"/>
+          </a:p>
+          <a:p>
+            <a:pPr marL="285750" indent="-285750">
+              <a:buFont typeface="Arial"/>
+              <a:buChar char="•"/>
+            </a:pPr>
+            <a:r>
+              <a:rPr lang="en-US" sz="1800" dirty="0"/>
+              <a:t>Saving is disabled until all conflicts are resolved. </a:t>
+            </a:r>
+          </a:p>
+          <a:p>
+            <a:pPr marL="285750" indent="-285750">
+              <a:buFont typeface="Arial"/>
+              <a:buChar char="•"/>
+            </a:pPr>
+            <a:endParaRPr lang="en-US" sz="1800" dirty="0"/>
+          </a:p>
+          <a:p>
+            <a:pPr marL="285750" indent="-285750">
+              <a:buFont typeface="Arial"/>
+              <a:buChar char="•"/>
+            </a:pPr>
+            <a:r>
+              <a:rPr lang="en-US" sz="1800" dirty="0"/>
+              <a:t> Merge case– either B or input C changed but not both then change source automatically will be selected; if both has changed in the same line the conflict occurs and need to be resolved; B,C the same but not A then C is selected.</a:t>
+            </a:r>
+          </a:p>
+          <a:p>
+            <a:pPr marL="285750" indent="-285750">
+              <a:buFont typeface="Arial"/>
+              <a:buChar char="•"/>
+            </a:pPr>
+            <a:endParaRPr lang="en-US" sz="1800" dirty="0"/>
+          </a:p>
+          <a:p>
+            <a:endParaRPr lang="en-US" dirty="0"/>
+          </a:p>
+        </p:txBody>
+      </p:sp>
+    </p:spTree>
+    <p:extLst>
+      <p:ext uri="{BB962C8B-B14F-4D97-AF65-F5344CB8AC3E}">
+        <p14:creationId xmlns:p14="http://schemas.microsoft.com/office/powerpoint/2010/main" val="4066810392"/>
+      </p:ext>
+    </p:extLst>
+  </p:cSld>
+  <p:clrMapOvr>
+    <a:masterClrMapping/>
+  </p:clrMapOvr>
+  <p:transition spd="slow">
+    <p:push dir="u"/>
+  </p:transition>
+  <p:timing>
+    <p:tnLst>
+      <p:par>
+        <p:cTn id="1" dur="indefinite" restart="never" nodeType="tmRoot"/>
+      </p:par>
+    </p:tnLst>
+  </p:timing>
+</p:sld>
+</file>
+
+<file path=ppt/slides/slide23.xml><?xml version="1.0" encoding="utf-8"?>
+<p:sld xmlns:a="http://schemas.openxmlformats.org/drawingml/2006/main" xmlns:r="http://schemas.openxmlformats.org/officeDocument/2006/relationships" xmlns:p="http://schemas.openxmlformats.org/presentationml/2006/main">
+  <p:cSld>
+    <p:spTree>
+      <p:nvGrpSpPr>
+        <p:cNvPr id="1" name=""/>
+        <p:cNvGrpSpPr/>
+        <p:nvPr/>
+      </p:nvGrpSpPr>
+      <p:grpSpPr>
+        <a:xfrm>
+          <a:off x="0" y="0"/>
+          <a:ext cx="0" cy="0"/>
+          <a:chOff x="0" y="0"/>
+          <a:chExt cx="0" cy="0"/>
+        </a:xfrm>
+      </p:grpSpPr>
+      <p:sp>
+        <p:nvSpPr>
+          <p:cNvPr id="2" name="Slide Number Placeholder 1"/>
+          <p:cNvSpPr>
+            <a:spLocks noGrp="1"/>
+          </p:cNvSpPr>
+          <p:nvPr>
+            <p:ph type="sldNum" sz="quarter" idx="12"/>
+          </p:nvPr>
+        </p:nvSpPr>
+        <p:spPr/>
+        <p:txBody>
+          <a:bodyPr/>
+          <a:lstStyle/>
+          <a:p>
+            <a:fld id="{FBD926E4-2B13-4465-A5B0-7D9EB9E6EE0C}" type="slidenum">
+              <a:rPr lang="sv-SE" smtClean="0"/>
+              <a:t>23</a:t>
             </a:fld>
             <a:endParaRPr lang="sv-SE" dirty="0"/>
           </a:p>

--- a/Git-introduktion_Hermods_HiQ.pptx
+++ b/Git-introduktion_Hermods_HiQ.pptx
@@ -7,10 +7,10 @@
     <p:sldMasterId id="2147483667" r:id="rId3"/>
   </p:sldMasterIdLst>
   <p:notesMasterIdLst>
-    <p:notesMasterId r:id="rId27"/>
+    <p:notesMasterId r:id="rId29"/>
   </p:notesMasterIdLst>
   <p:handoutMasterIdLst>
-    <p:handoutMasterId r:id="rId28"/>
+    <p:handoutMasterId r:id="rId30"/>
   </p:handoutMasterIdLst>
   <p:sldIdLst>
     <p:sldId id="360" r:id="rId4"/>
@@ -22,13 +22,13 @@
     <p:sldId id="330" r:id="rId10"/>
     <p:sldId id="349" r:id="rId11"/>
     <p:sldId id="367" r:id="rId12"/>
-    <p:sldId id="361" r:id="rId13"/>
-    <p:sldId id="362" r:id="rId14"/>
-    <p:sldId id="363" r:id="rId15"/>
-    <p:sldId id="364" r:id="rId16"/>
-    <p:sldId id="368" r:id="rId17"/>
+    <p:sldId id="331" r:id="rId13"/>
+    <p:sldId id="361" r:id="rId14"/>
+    <p:sldId id="362" r:id="rId15"/>
+    <p:sldId id="363" r:id="rId16"/>
+    <p:sldId id="364" r:id="rId17"/>
     <p:sldId id="365" r:id="rId18"/>
-    <p:sldId id="331" r:id="rId19"/>
+    <p:sldId id="370" r:id="rId19"/>
     <p:sldId id="350" r:id="rId20"/>
     <p:sldId id="353" r:id="rId21"/>
     <p:sldId id="346" r:id="rId22"/>
@@ -36,6 +36,8 @@
     <p:sldId id="366" r:id="rId24"/>
     <p:sldId id="326" r:id="rId25"/>
     <p:sldId id="327" r:id="rId26"/>
+    <p:sldId id="369" r:id="rId27"/>
+    <p:sldId id="371" r:id="rId28"/>
   </p:sldIdLst>
   <p:sldSz cx="9144000" cy="6858000" type="screen4x3"/>
   <p:notesSz cx="6858000" cy="9144000"/>
@@ -220,7 +222,7 @@
             <a:fld id="{45CFCF10-915A-49F5-B6D7-514E231DCDF1}" type="datetimeFigureOut">
               <a:rPr lang="en-US" smtClean="0"/>
               <a:pPr/>
-              <a:t>2/17/2015</a:t>
+              <a:t>2/18/2015</a:t>
             </a:fld>
             <a:endParaRPr lang="en-US"/>
           </a:p>
@@ -387,7 +389,7 @@
             <a:fld id="{6FD0678E-F882-4F2D-B288-7FD22A23E63D}" type="datetimeFigureOut">
               <a:rPr lang="en-US" smtClean="0"/>
               <a:pPr/>
-              <a:t>2/17/2015</a:t>
+              <a:t>2/18/2015</a:t>
             </a:fld>
             <a:endParaRPr lang="en-US"/>
           </a:p>
@@ -805,7 +807,7 @@
           <a:p>
             <a:fld id="{B1A4C5B2-AF5A-3746-A64B-FA1AFB391F9D}" type="slidenum">
               <a:rPr lang="en-US" smtClean="0"/>
-              <a:t>11</a:t>
+              <a:t>12</a:t>
             </a:fld>
             <a:endParaRPr lang="en-US"/>
           </a:p>
@@ -889,7 +891,7 @@
           <a:p>
             <a:fld id="{B1A4C5B2-AF5A-3746-A64B-FA1AFB391F9D}" type="slidenum">
               <a:rPr lang="en-US" smtClean="0"/>
-              <a:t>12</a:t>
+              <a:t>13</a:t>
             </a:fld>
             <a:endParaRPr lang="en-US"/>
           </a:p>
@@ -934,7 +936,13 @@
           <p:nvPr userDrawn="1"/>
         </p:nvPicPr>
         <p:blipFill>
-          <a:blip r:embed="rId2" cstate="print"/>
+          <a:blip r:embed="rId2" cstate="screen">
+            <a:extLst>
+              <a:ext uri="{28A0092B-C50C-407E-A947-70E740481C1C}">
+                <a14:useLocalDpi xmlns:a14="http://schemas.microsoft.com/office/drawing/2010/main"/>
+              </a:ext>
+            </a:extLst>
+          </a:blip>
           <a:stretch>
             <a:fillRect/>
           </a:stretch>
@@ -1124,7 +1132,7 @@
             <a:fld id="{4612DF9C-874E-47D4-81D0-65C9DE5115B7}" type="datetime1">
               <a:rPr lang="en-US" smtClean="0"/>
               <a:pPr/>
-              <a:t>2/17/2015</a:t>
+              <a:t>2/18/2015</a:t>
             </a:fld>
             <a:endParaRPr lang="en-US"/>
           </a:p>
@@ -1182,7 +1190,7 @@
           <a:p>
             <a:fld id="{72F8B864-2A5B-4B57-9C52-476B6FC89539}" type="datetime1">
               <a:rPr lang="sv-SE" smtClean="0"/>
-              <a:t>2015-02-17</a:t>
+              <a:t>2015-02-18</a:t>
             </a:fld>
             <a:endParaRPr lang="sv-SE" dirty="0"/>
           </a:p>
@@ -1402,7 +1410,13 @@
           <p:nvPr userDrawn="1"/>
         </p:nvPicPr>
         <p:blipFill>
-          <a:blip r:embed="rId2" cstate="print"/>
+          <a:blip r:embed="rId2" cstate="screen">
+            <a:extLst>
+              <a:ext uri="{28A0092B-C50C-407E-A947-70E740481C1C}">
+                <a14:useLocalDpi xmlns:a14="http://schemas.microsoft.com/office/drawing/2010/main"/>
+              </a:ext>
+            </a:extLst>
+          </a:blip>
           <a:stretch>
             <a:fillRect/>
           </a:stretch>
@@ -1504,7 +1518,13 @@
           <p:nvPr userDrawn="1"/>
         </p:nvPicPr>
         <p:blipFill>
-          <a:blip r:embed="rId2" cstate="print"/>
+          <a:blip r:embed="rId2" cstate="screen">
+            <a:extLst>
+              <a:ext uri="{28A0092B-C50C-407E-A947-70E740481C1C}">
+                <a14:useLocalDpi xmlns:a14="http://schemas.microsoft.com/office/drawing/2010/main"/>
+              </a:ext>
+            </a:extLst>
+          </a:blip>
           <a:stretch>
             <a:fillRect/>
           </a:stretch>
@@ -1616,7 +1636,13 @@
           <p:nvPr userDrawn="1"/>
         </p:nvPicPr>
         <p:blipFill>
-          <a:blip r:embed="rId2" cstate="print"/>
+          <a:blip r:embed="rId2" cstate="screen">
+            <a:extLst>
+              <a:ext uri="{28A0092B-C50C-407E-A947-70E740481C1C}">
+                <a14:useLocalDpi xmlns:a14="http://schemas.microsoft.com/office/drawing/2010/main"/>
+              </a:ext>
+            </a:extLst>
+          </a:blip>
           <a:stretch>
             <a:fillRect/>
           </a:stretch>
@@ -1745,7 +1771,13 @@
           <p:nvPr userDrawn="1"/>
         </p:nvPicPr>
         <p:blipFill>
-          <a:blip r:embed="rId2" cstate="print"/>
+          <a:blip r:embed="rId2" cstate="screen">
+            <a:extLst>
+              <a:ext uri="{28A0092B-C50C-407E-A947-70E740481C1C}">
+                <a14:useLocalDpi xmlns:a14="http://schemas.microsoft.com/office/drawing/2010/main"/>
+              </a:ext>
+            </a:extLst>
+          </a:blip>
           <a:stretch>
             <a:fillRect/>
           </a:stretch>
@@ -2053,7 +2085,7 @@
             <a:fld id="{3000F0DF-1E7D-4DBD-833B-E7E7F0E29C0F}" type="datetime1">
               <a:rPr lang="en-US" smtClean="0"/>
               <a:pPr/>
-              <a:t>2/17/2015</a:t>
+              <a:t>2/18/2015</a:t>
             </a:fld>
             <a:endParaRPr lang="en-US"/>
           </a:p>
@@ -2228,7 +2260,7 @@
             <a:fld id="{F1F58A51-BF2E-42AC-8E65-C585A8BA80BA}" type="datetime1">
               <a:rPr lang="en-US" smtClean="0"/>
               <a:pPr/>
-              <a:t>2/17/2015</a:t>
+              <a:t>2/18/2015</a:t>
             </a:fld>
             <a:endParaRPr lang="en-US"/>
           </a:p>
@@ -2326,7 +2358,13 @@
           <p:nvPr userDrawn="1"/>
         </p:nvPicPr>
         <p:blipFill>
-          <a:blip r:embed="rId2" cstate="print"/>
+          <a:blip r:embed="rId2" cstate="screen">
+            <a:extLst>
+              <a:ext uri="{28A0092B-C50C-407E-A947-70E740481C1C}">
+                <a14:useLocalDpi xmlns:a14="http://schemas.microsoft.com/office/drawing/2010/main"/>
+              </a:ext>
+            </a:extLst>
+          </a:blip>
           <a:stretch>
             <a:fillRect/>
           </a:stretch>
@@ -2428,7 +2466,13 @@
           <p:nvPr userDrawn="1"/>
         </p:nvPicPr>
         <p:blipFill>
-          <a:blip r:embed="rId2" cstate="print"/>
+          <a:blip r:embed="rId2" cstate="screen">
+            <a:extLst>
+              <a:ext uri="{28A0092B-C50C-407E-A947-70E740481C1C}">
+                <a14:useLocalDpi xmlns:a14="http://schemas.microsoft.com/office/drawing/2010/main"/>
+              </a:ext>
+            </a:extLst>
+          </a:blip>
           <a:stretch>
             <a:fillRect/>
           </a:stretch>
@@ -2525,7 +2569,13 @@
           <p:nvPr userDrawn="1"/>
         </p:nvPicPr>
         <p:blipFill>
-          <a:blip r:embed="rId2" cstate="print"/>
+          <a:blip r:embed="rId2" cstate="screen">
+            <a:extLst>
+              <a:ext uri="{28A0092B-C50C-407E-A947-70E740481C1C}">
+                <a14:useLocalDpi xmlns:a14="http://schemas.microsoft.com/office/drawing/2010/main"/>
+              </a:ext>
+            </a:extLst>
+          </a:blip>
           <a:stretch>
             <a:fillRect/>
           </a:stretch>
@@ -2622,7 +2672,13 @@
           <p:nvPr userDrawn="1"/>
         </p:nvPicPr>
         <p:blipFill>
-          <a:blip r:embed="rId2" cstate="print"/>
+          <a:blip r:embed="rId2" cstate="screen">
+            <a:extLst>
+              <a:ext uri="{28A0092B-C50C-407E-A947-70E740481C1C}">
+                <a14:useLocalDpi xmlns:a14="http://schemas.microsoft.com/office/drawing/2010/main"/>
+              </a:ext>
+            </a:extLst>
+          </a:blip>
           <a:stretch>
             <a:fillRect/>
           </a:stretch>
@@ -2825,7 +2881,7 @@
             <a:fld id="{F1F58A51-BF2E-42AC-8E65-C585A8BA80BA}" type="datetime1">
               <a:rPr lang="en-US" smtClean="0"/>
               <a:pPr/>
-              <a:t>2/17/2015</a:t>
+              <a:t>2/18/2015</a:t>
             </a:fld>
             <a:endParaRPr lang="en-US"/>
           </a:p>
@@ -3124,7 +3180,7 @@
             <a:fld id="{3000F0DF-1E7D-4DBD-833B-E7E7F0E29C0F}" type="datetime1">
               <a:rPr lang="en-US" smtClean="0"/>
               <a:pPr/>
-              <a:t>2/17/2015</a:t>
+              <a:t>2/18/2015</a:t>
             </a:fld>
             <a:endParaRPr lang="en-US"/>
           </a:p>
@@ -3562,7 +3618,7 @@
             <a:fld id="{475D2F3D-312F-4B9D-A6D5-98FA0DBD9BEB}" type="datetime1">
               <a:rPr lang="en-US" smtClean="0"/>
               <a:pPr/>
-              <a:t>2/17/2015</a:t>
+              <a:t>2/18/2015</a:t>
             </a:fld>
             <a:endParaRPr lang="en-US"/>
           </a:p>
@@ -3680,7 +3736,7 @@
             <a:fld id="{1F2B999D-B673-4BF6-AFED-DE82BB78A551}" type="datetime1">
               <a:rPr lang="en-US" smtClean="0"/>
               <a:pPr/>
-              <a:t>2/17/2015</a:t>
+              <a:t>2/18/2015</a:t>
             </a:fld>
             <a:endParaRPr lang="en-US"/>
           </a:p>
@@ -3778,7 +3834,13 @@
           <p:nvPr/>
         </p:nvPicPr>
         <p:blipFill>
-          <a:blip r:embed="rId7" cstate="print"/>
+          <a:blip r:embed="rId7" cstate="screen">
+            <a:extLst>
+              <a:ext uri="{28A0092B-C50C-407E-A947-70E740481C1C}">
+                <a14:useLocalDpi xmlns:a14="http://schemas.microsoft.com/office/drawing/2010/main"/>
+              </a:ext>
+            </a:extLst>
+          </a:blip>
           <a:stretch>
             <a:fillRect/>
           </a:stretch>
@@ -3924,7 +3986,7 @@
             <a:fld id="{15EE75C9-4165-49D6-889E-AD319E617BC4}" type="datetime1">
               <a:rPr lang="en-US" smtClean="0"/>
               <a:pPr/>
-              <a:t>2/17/2015</a:t>
+              <a:t>2/18/2015</a:t>
             </a:fld>
             <a:endParaRPr lang="en-US"/>
           </a:p>
@@ -4326,7 +4388,13 @@
           <p:nvPr/>
         </p:nvPicPr>
         <p:blipFill>
-          <a:blip r:embed="rId8" cstate="print"/>
+          <a:blip r:embed="rId8" cstate="screen">
+            <a:extLst>
+              <a:ext uri="{28A0092B-C50C-407E-A947-70E740481C1C}">
+                <a14:useLocalDpi xmlns:a14="http://schemas.microsoft.com/office/drawing/2010/main"/>
+              </a:ext>
+            </a:extLst>
+          </a:blip>
           <a:stretch>
             <a:fillRect/>
           </a:stretch>
@@ -4351,7 +4419,13 @@
           <p:nvPr/>
         </p:nvPicPr>
         <p:blipFill>
-          <a:blip r:embed="rId9" cstate="print"/>
+          <a:blip r:embed="rId9" cstate="screen">
+            <a:extLst>
+              <a:ext uri="{28A0092B-C50C-407E-A947-70E740481C1C}">
+                <a14:useLocalDpi xmlns:a14="http://schemas.microsoft.com/office/drawing/2010/main"/>
+              </a:ext>
+            </a:extLst>
+          </a:blip>
           <a:stretch>
             <a:fillRect/>
           </a:stretch>
@@ -4497,7 +4571,7 @@
             <a:fld id="{A0D14760-8281-4D63-AA62-EE78DA6EC742}" type="datetime1">
               <a:rPr lang="en-US" smtClean="0"/>
               <a:pPr/>
-              <a:t>2/17/2015</a:t>
+              <a:t>2/18/2015</a:t>
             </a:fld>
             <a:endParaRPr lang="en-US"/>
           </a:p>
@@ -4901,7 +4975,13 @@
           <p:nvPr/>
         </p:nvPicPr>
         <p:blipFill>
-          <a:blip r:embed="rId9" cstate="print"/>
+          <a:blip r:embed="rId9" cstate="screen">
+            <a:extLst>
+              <a:ext uri="{28A0092B-C50C-407E-A947-70E740481C1C}">
+                <a14:useLocalDpi xmlns:a14="http://schemas.microsoft.com/office/drawing/2010/main"/>
+              </a:ext>
+            </a:extLst>
+          </a:blip>
           <a:stretch>
             <a:fillRect/>
           </a:stretch>
@@ -5047,7 +5127,7 @@
             <a:fld id="{4062407C-A2E4-4F88-9519-110C5AA102FA}" type="datetime1">
               <a:rPr lang="en-US" smtClean="0"/>
               <a:pPr/>
-              <a:t>2/17/2015</a:t>
+              <a:t>2/18/2015</a:t>
             </a:fld>
             <a:endParaRPr lang="en-US"/>
           </a:p>
@@ -5573,14 +5653,493 @@
           <a:lstStyle/>
           <a:p>
             <a:r>
-              <a:rPr lang="sv-SE" dirty="0" err="1" smtClean="0"/>
+              <a:rPr lang="sv-SE" b="1" dirty="0" smtClean="0"/>
+              <a:t>Public service </a:t>
+            </a:r>
+            <a:r>
+              <a:rPr lang="sv-SE" b="1" dirty="0" err="1" smtClean="0"/>
+              <a:t>announcement</a:t>
+            </a:r>
+            <a:endParaRPr lang="sv-SE" b="1" dirty="0"/>
+          </a:p>
+        </p:txBody>
+      </p:sp>
+      <p:sp>
+        <p:nvSpPr>
+          <p:cNvPr id="6" name="Platshållare för innehåll 5"/>
+          <p:cNvSpPr>
+            <a:spLocks noGrp="1"/>
+          </p:cNvSpPr>
+          <p:nvPr>
+            <p:ph idx="4294967295"/>
+          </p:nvPr>
+        </p:nvSpPr>
+        <p:spPr>
+          <a:xfrm>
+            <a:off x="323528" y="836713"/>
+            <a:ext cx="8640960" cy="3312368"/>
+          </a:xfrm>
+        </p:spPr>
+        <p:txBody>
+          <a:bodyPr>
+            <a:normAutofit/>
+          </a:bodyPr>
+          <a:lstStyle/>
+          <a:p>
+            <a:pPr marL="0" indent="0" algn="ctr">
+              <a:buNone/>
+            </a:pPr>
+            <a:r>
+              <a:rPr lang="en-US" sz="2200" b="1" dirty="0" smtClean="0"/>
+              <a:t>We can’t teach you all of </a:t>
+            </a:r>
+            <a:r>
+              <a:rPr lang="en-US" sz="2200" b="1" dirty="0" err="1" smtClean="0"/>
+              <a:t>Git</a:t>
+            </a:r>
+            <a:endParaRPr lang="en-US" sz="2200" b="1" dirty="0" smtClean="0"/>
+          </a:p>
+          <a:p>
+            <a:endParaRPr lang="en-US" sz="1800" b="1" dirty="0"/>
+          </a:p>
+          <a:p>
+            <a:r>
+              <a:rPr lang="en-US" sz="1800" dirty="0" smtClean="0"/>
+              <a:t>There's </a:t>
+            </a:r>
+            <a:r>
+              <a:rPr lang="en-US" sz="1800" dirty="0"/>
+              <a:t>so much, ...</a:t>
+            </a:r>
+          </a:p>
+          <a:p>
+            <a:r>
+              <a:rPr lang="en-US" sz="1800" dirty="0"/>
+              <a:t>We learnt it because we're curious and want to be </a:t>
+            </a:r>
+            <a:r>
+              <a:rPr lang="en-US" sz="1800" dirty="0" smtClean="0"/>
+              <a:t>helpful</a:t>
+            </a:r>
+          </a:p>
+          <a:p>
+            <a:r>
+              <a:rPr lang="en-US" sz="1800" dirty="0" smtClean="0"/>
+              <a:t>Cooperating in </a:t>
+            </a:r>
+            <a:r>
+              <a:rPr lang="en-US" sz="1800" dirty="0" err="1" smtClean="0"/>
+              <a:t>Git</a:t>
+            </a:r>
+            <a:r>
+              <a:rPr lang="en-US" sz="1800" dirty="0" smtClean="0"/>
+              <a:t> can be a great way to learn anyway!</a:t>
+            </a:r>
+          </a:p>
+          <a:p>
+            <a:endParaRPr lang="en-US" sz="1800" dirty="0"/>
+          </a:p>
+          <a:p>
+            <a:pPr marL="0" indent="0" algn="ctr">
+              <a:buNone/>
+            </a:pPr>
+            <a:r>
+              <a:rPr lang="en-US" sz="2200" b="1" dirty="0" err="1">
+                <a:latin typeface="Courier New" panose="02070309020205020404" pitchFamily="49" charset="0"/>
+                <a:cs typeface="Courier New" panose="02070309020205020404" pitchFamily="49" charset="0"/>
+              </a:rPr>
+              <a:t>g</a:t>
+            </a:r>
+            <a:r>
+              <a:rPr lang="en-US" sz="2200" b="1" dirty="0" err="1" smtClean="0">
+                <a:latin typeface="Courier New" panose="02070309020205020404" pitchFamily="49" charset="0"/>
+                <a:cs typeface="Courier New" panose="02070309020205020404" pitchFamily="49" charset="0"/>
+              </a:rPr>
+              <a:t>it</a:t>
+            </a:r>
+            <a:r>
+              <a:rPr lang="en-US" sz="2200" b="1" dirty="0" smtClean="0">
+                <a:latin typeface="Courier New" panose="02070309020205020404" pitchFamily="49" charset="0"/>
+                <a:cs typeface="Courier New" panose="02070309020205020404" pitchFamily="49" charset="0"/>
+              </a:rPr>
+              <a:t> </a:t>
+            </a:r>
+            <a:r>
+              <a:rPr lang="en-US" sz="2200" b="1" dirty="0">
+                <a:latin typeface="Courier New" panose="02070309020205020404" pitchFamily="49" charset="0"/>
+                <a:cs typeface="Courier New" panose="02070309020205020404" pitchFamily="49" charset="0"/>
+              </a:rPr>
+              <a:t>clone https://github.com/UncleCJ/hicollegegit.git</a:t>
+            </a:r>
+          </a:p>
+        </p:txBody>
+      </p:sp>
+      <p:sp>
+        <p:nvSpPr>
+          <p:cNvPr id="5" name="Platshållare för bildnummer 4"/>
+          <p:cNvSpPr>
+            <a:spLocks noGrp="1"/>
+          </p:cNvSpPr>
+          <p:nvPr>
+            <p:ph type="sldNum" sz="quarter" idx="4294967295"/>
+          </p:nvPr>
+        </p:nvSpPr>
+        <p:spPr>
+          <a:xfrm>
+            <a:off x="8855075" y="188913"/>
+            <a:ext cx="288925" cy="287337"/>
+          </a:xfrm>
+        </p:spPr>
+        <p:txBody>
+          <a:bodyPr/>
+          <a:lstStyle/>
+          <a:p>
+            <a:fld id="{11DA82ED-F820-4319-BD97-F25880B325A1}" type="slidenum">
+              <a:rPr lang="en-US" smtClean="0"/>
+              <a:pPr/>
+              <a:t>10</a:t>
+            </a:fld>
+            <a:endParaRPr lang="en-US"/>
+          </a:p>
+        </p:txBody>
+      </p:sp>
+    </p:spTree>
+    <p:extLst>
+      <p:ext uri="{BB962C8B-B14F-4D97-AF65-F5344CB8AC3E}">
+        <p14:creationId xmlns:p14="http://schemas.microsoft.com/office/powerpoint/2010/main" val="3635531313"/>
+      </p:ext>
+    </p:extLst>
+  </p:cSld>
+  <p:clrMapOvr>
+    <a:masterClrMapping/>
+  </p:clrMapOvr>
+  <p:transition spd="slow">
+    <p:pull/>
+  </p:transition>
+  <p:timing>
+    <p:tnLst>
+      <p:par>
+        <p:cTn id="1" dur="indefinite" restart="never" nodeType="tmRoot">
+          <p:childTnLst>
+            <p:seq concurrent="1" nextAc="seek">
+              <p:cTn id="2" dur="indefinite" nodeType="mainSeq">
+                <p:childTnLst>
+                  <p:par>
+                    <p:cTn id="3" fill="hold">
+                      <p:stCondLst>
+                        <p:cond delay="indefinite"/>
+                      </p:stCondLst>
+                      <p:childTnLst>
+                        <p:par>
+                          <p:cTn id="4" fill="hold">
+                            <p:stCondLst>
+                              <p:cond delay="0"/>
+                            </p:stCondLst>
+                            <p:childTnLst>
+                              <p:par>
+                                <p:cTn id="5" presetID="1" presetClass="entr" presetSubtype="0" fill="hold" grpId="0" nodeType="clickEffect">
+                                  <p:stCondLst>
+                                    <p:cond delay="0"/>
+                                  </p:stCondLst>
+                                  <p:childTnLst>
+                                    <p:set>
+                                      <p:cBhvr>
+                                        <p:cTn id="6" dur="1" fill="hold">
+                                          <p:stCondLst>
+                                            <p:cond delay="0"/>
+                                          </p:stCondLst>
+                                        </p:cTn>
+                                        <p:tgtEl>
+                                          <p:spTgt spid="6">
+                                            <p:txEl>
+                                              <p:pRg st="0" end="0"/>
+                                            </p:txEl>
+                                          </p:spTgt>
+                                        </p:tgtEl>
+                                        <p:attrNameLst>
+                                          <p:attrName>style.visibility</p:attrName>
+                                        </p:attrNameLst>
+                                      </p:cBhvr>
+                                      <p:to>
+                                        <p:strVal val="visible"/>
+                                      </p:to>
+                                    </p:set>
+                                  </p:childTnLst>
+                                </p:cTn>
+                              </p:par>
+                            </p:childTnLst>
+                          </p:cTn>
+                        </p:par>
+                      </p:childTnLst>
+                    </p:cTn>
+                  </p:par>
+                  <p:par>
+                    <p:cTn id="7" fill="hold">
+                      <p:stCondLst>
+                        <p:cond delay="indefinite"/>
+                      </p:stCondLst>
+                      <p:childTnLst>
+                        <p:par>
+                          <p:cTn id="8" fill="hold">
+                            <p:stCondLst>
+                              <p:cond delay="0"/>
+                            </p:stCondLst>
+                            <p:childTnLst>
+                              <p:par>
+                                <p:cTn id="9" presetID="1" presetClass="entr" presetSubtype="0" fill="hold" grpId="0" nodeType="clickEffect">
+                                  <p:stCondLst>
+                                    <p:cond delay="0"/>
+                                  </p:stCondLst>
+                                  <p:childTnLst>
+                                    <p:set>
+                                      <p:cBhvr>
+                                        <p:cTn id="10" dur="1" fill="hold">
+                                          <p:stCondLst>
+                                            <p:cond delay="0"/>
+                                          </p:stCondLst>
+                                        </p:cTn>
+                                        <p:tgtEl>
+                                          <p:spTgt spid="6">
+                                            <p:txEl>
+                                              <p:pRg st="2" end="2"/>
+                                            </p:txEl>
+                                          </p:spTgt>
+                                        </p:tgtEl>
+                                        <p:attrNameLst>
+                                          <p:attrName>style.visibility</p:attrName>
+                                        </p:attrNameLst>
+                                      </p:cBhvr>
+                                      <p:to>
+                                        <p:strVal val="visible"/>
+                                      </p:to>
+                                    </p:set>
+                                  </p:childTnLst>
+                                </p:cTn>
+                              </p:par>
+                            </p:childTnLst>
+                          </p:cTn>
+                        </p:par>
+                      </p:childTnLst>
+                    </p:cTn>
+                  </p:par>
+                  <p:par>
+                    <p:cTn id="11" fill="hold">
+                      <p:stCondLst>
+                        <p:cond delay="indefinite"/>
+                      </p:stCondLst>
+                      <p:childTnLst>
+                        <p:par>
+                          <p:cTn id="12" fill="hold">
+                            <p:stCondLst>
+                              <p:cond delay="0"/>
+                            </p:stCondLst>
+                            <p:childTnLst>
+                              <p:par>
+                                <p:cTn id="13" presetID="1" presetClass="entr" presetSubtype="0" fill="hold" grpId="0" nodeType="clickEffect">
+                                  <p:stCondLst>
+                                    <p:cond delay="0"/>
+                                  </p:stCondLst>
+                                  <p:childTnLst>
+                                    <p:set>
+                                      <p:cBhvr>
+                                        <p:cTn id="14" dur="1" fill="hold">
+                                          <p:stCondLst>
+                                            <p:cond delay="0"/>
+                                          </p:stCondLst>
+                                        </p:cTn>
+                                        <p:tgtEl>
+                                          <p:spTgt spid="6">
+                                            <p:txEl>
+                                              <p:pRg st="3" end="3"/>
+                                            </p:txEl>
+                                          </p:spTgt>
+                                        </p:tgtEl>
+                                        <p:attrNameLst>
+                                          <p:attrName>style.visibility</p:attrName>
+                                        </p:attrNameLst>
+                                      </p:cBhvr>
+                                      <p:to>
+                                        <p:strVal val="visible"/>
+                                      </p:to>
+                                    </p:set>
+                                  </p:childTnLst>
+                                </p:cTn>
+                              </p:par>
+                            </p:childTnLst>
+                          </p:cTn>
+                        </p:par>
+                      </p:childTnLst>
+                    </p:cTn>
+                  </p:par>
+                  <p:par>
+                    <p:cTn id="15" fill="hold">
+                      <p:stCondLst>
+                        <p:cond delay="indefinite"/>
+                      </p:stCondLst>
+                      <p:childTnLst>
+                        <p:par>
+                          <p:cTn id="16" fill="hold">
+                            <p:stCondLst>
+                              <p:cond delay="0"/>
+                            </p:stCondLst>
+                            <p:childTnLst>
+                              <p:par>
+                                <p:cTn id="17" presetID="1" presetClass="entr" presetSubtype="0" fill="hold" grpId="0" nodeType="clickEffect">
+                                  <p:stCondLst>
+                                    <p:cond delay="0"/>
+                                  </p:stCondLst>
+                                  <p:childTnLst>
+                                    <p:set>
+                                      <p:cBhvr>
+                                        <p:cTn id="18" dur="1" fill="hold">
+                                          <p:stCondLst>
+                                            <p:cond delay="0"/>
+                                          </p:stCondLst>
+                                        </p:cTn>
+                                        <p:tgtEl>
+                                          <p:spTgt spid="6">
+                                            <p:txEl>
+                                              <p:pRg st="4" end="4"/>
+                                            </p:txEl>
+                                          </p:spTgt>
+                                        </p:tgtEl>
+                                        <p:attrNameLst>
+                                          <p:attrName>style.visibility</p:attrName>
+                                        </p:attrNameLst>
+                                      </p:cBhvr>
+                                      <p:to>
+                                        <p:strVal val="visible"/>
+                                      </p:to>
+                                    </p:set>
+                                  </p:childTnLst>
+                                </p:cTn>
+                              </p:par>
+                            </p:childTnLst>
+                          </p:cTn>
+                        </p:par>
+                      </p:childTnLst>
+                    </p:cTn>
+                  </p:par>
+                  <p:par>
+                    <p:cTn id="19" fill="hold">
+                      <p:stCondLst>
+                        <p:cond delay="indefinite"/>
+                      </p:stCondLst>
+                      <p:childTnLst>
+                        <p:par>
+                          <p:cTn id="20" fill="hold">
+                            <p:stCondLst>
+                              <p:cond delay="0"/>
+                            </p:stCondLst>
+                            <p:childTnLst>
+                              <p:par>
+                                <p:cTn id="21" presetID="1" presetClass="entr" presetSubtype="0" fill="hold" grpId="0" nodeType="clickEffect">
+                                  <p:stCondLst>
+                                    <p:cond delay="0"/>
+                                  </p:stCondLst>
+                                  <p:childTnLst>
+                                    <p:set>
+                                      <p:cBhvr>
+                                        <p:cTn id="22" dur="1" fill="hold">
+                                          <p:stCondLst>
+                                            <p:cond delay="0"/>
+                                          </p:stCondLst>
+                                        </p:cTn>
+                                        <p:tgtEl>
+                                          <p:spTgt spid="6">
+                                            <p:txEl>
+                                              <p:pRg st="6" end="6"/>
+                                            </p:txEl>
+                                          </p:spTgt>
+                                        </p:tgtEl>
+                                        <p:attrNameLst>
+                                          <p:attrName>style.visibility</p:attrName>
+                                        </p:attrNameLst>
+                                      </p:cBhvr>
+                                      <p:to>
+                                        <p:strVal val="visible"/>
+                                      </p:to>
+                                    </p:set>
+                                  </p:childTnLst>
+                                </p:cTn>
+                              </p:par>
+                            </p:childTnLst>
+                          </p:cTn>
+                        </p:par>
+                      </p:childTnLst>
+                    </p:cTn>
+                  </p:par>
+                </p:childTnLst>
+              </p:cTn>
+              <p:prevCondLst>
+                <p:cond evt="onPrev" delay="0">
+                  <p:tgtEl>
+                    <p:sldTgt/>
+                  </p:tgtEl>
+                </p:cond>
+              </p:prevCondLst>
+              <p:nextCondLst>
+                <p:cond evt="onNext" delay="0">
+                  <p:tgtEl>
+                    <p:sldTgt/>
+                  </p:tgtEl>
+                </p:cond>
+              </p:nextCondLst>
+            </p:seq>
+          </p:childTnLst>
+        </p:cTn>
+      </p:par>
+    </p:tnLst>
+    <p:bldLst>
+      <p:bldP spid="6" grpId="0" build="p"/>
+    </p:bldLst>
+  </p:timing>
+</p:sld>
+</file>
+
+<file path=ppt/slides/slide11.xml><?xml version="1.0" encoding="utf-8"?>
+<p:sld xmlns:a="http://schemas.openxmlformats.org/drawingml/2006/main" xmlns:r="http://schemas.openxmlformats.org/officeDocument/2006/relationships" xmlns:p="http://schemas.openxmlformats.org/presentationml/2006/main">
+  <p:cSld>
+    <p:spTree>
+      <p:nvGrpSpPr>
+        <p:cNvPr id="1" name=""/>
+        <p:cNvGrpSpPr/>
+        <p:nvPr/>
+      </p:nvGrpSpPr>
+      <p:grpSpPr>
+        <a:xfrm>
+          <a:off x="0" y="0"/>
+          <a:ext cx="0" cy="0"/>
+          <a:chOff x="0" y="0"/>
+          <a:chExt cx="0" cy="0"/>
+        </a:xfrm>
+      </p:grpSpPr>
+      <p:sp>
+        <p:nvSpPr>
+          <p:cNvPr id="2" name="Rubrik 1"/>
+          <p:cNvSpPr>
+            <a:spLocks noGrp="1"/>
+          </p:cNvSpPr>
+          <p:nvPr>
+            <p:ph type="title"/>
+          </p:nvPr>
+        </p:nvSpPr>
+        <p:spPr/>
+        <p:txBody>
+          <a:bodyPr>
+            <a:normAutofit/>
+          </a:bodyPr>
+          <a:lstStyle/>
+          <a:p>
+            <a:r>
+              <a:rPr lang="sv-SE" sz="1800" b="1" dirty="0" err="1" smtClean="0"/>
               <a:t>What</a:t>
             </a:r>
             <a:r>
-              <a:rPr lang="sv-SE" dirty="0" smtClean="0"/>
+              <a:rPr lang="sv-SE" sz="1800" b="1" dirty="0" smtClean="0"/>
               <a:t> Git is</a:t>
             </a:r>
-            <a:endParaRPr lang="sv-SE" dirty="0"/>
+            <a:endParaRPr lang="sv-SE" sz="1800" b="1" dirty="0"/>
           </a:p>
         </p:txBody>
       </p:sp>
@@ -5826,7 +6385,7 @@
             <a:fld id="{11DA82ED-F820-4319-BD97-F25880B325A1}" type="slidenum">
               <a:rPr lang="en-US" smtClean="0"/>
               <a:pPr/>
-              <a:t>10</a:t>
+              <a:t>11</a:t>
             </a:fld>
             <a:endParaRPr lang="en-US"/>
           </a:p>
@@ -5844,7 +6403,7 @@
           <a:blip r:embed="rId2">
             <a:extLst>
               <a:ext uri="{28A0092B-C50C-407E-A947-70E740481C1C}">
-                <a14:useLocalDpi xmlns:a14="http://schemas.microsoft.com/office/drawing/2010/main" val="0"/>
+                <a14:useLocalDpi xmlns:a14="http://schemas.microsoft.com/office/drawing/2010/main"/>
               </a:ext>
             </a:extLst>
           </a:blip>
@@ -6118,7 +6677,7 @@
 </p:sld>
 </file>
 
-<file path=ppt/slides/slide11.xml><?xml version="1.0" encoding="utf-8"?>
+<file path=ppt/slides/slide12.xml><?xml version="1.0" encoding="utf-8"?>
 <p:sld xmlns:a="http://schemas.openxmlformats.org/drawingml/2006/main" xmlns:r="http://schemas.openxmlformats.org/officeDocument/2006/relationships" xmlns:p="http://schemas.openxmlformats.org/presentationml/2006/main">
   <p:cSld>
     <p:spTree>
@@ -6203,15 +6762,23 @@
               <a:t> (SHA-1) </a:t>
             </a:r>
             <a:r>
-              <a:rPr lang="sv-SE" sz="1800" dirty="0" err="1" smtClean="0"/>
-              <a:t>linked</a:t>
-            </a:r>
-            <a:r>
-              <a:rPr lang="sv-SE" sz="1800" dirty="0" smtClean="0"/>
+              <a:rPr lang="sv-SE" sz="1800" b="1" dirty="0" err="1" smtClean="0"/>
+              <a:t>directed</a:t>
+            </a:r>
+            <a:r>
+              <a:rPr lang="sv-SE" sz="1800" b="1" dirty="0" smtClean="0"/>
               <a:t> </a:t>
             </a:r>
             <a:r>
-              <a:rPr lang="sv-SE" sz="1800" dirty="0" err="1" smtClean="0"/>
+              <a:rPr lang="sv-SE" sz="1800" b="1" dirty="0" err="1" smtClean="0"/>
+              <a:t>acyclic</a:t>
+            </a:r>
+            <a:r>
+              <a:rPr lang="sv-SE" sz="1800" b="1" dirty="0" smtClean="0"/>
+              <a:t> </a:t>
+            </a:r>
+            <a:r>
+              <a:rPr lang="sv-SE" sz="1800" b="1" dirty="0" err="1" smtClean="0"/>
               <a:t>graph</a:t>
             </a:r>
             <a:r>
@@ -6466,10 +7033,10 @@
           <p:nvPr/>
         </p:nvPicPr>
         <p:blipFill>
-          <a:blip r:embed="rId3" cstate="print">
+          <a:blip r:embed="rId3" cstate="screen">
             <a:extLst>
               <a:ext uri="{28A0092B-C50C-407E-A947-70E740481C1C}">
-                <a14:useLocalDpi xmlns:a14="http://schemas.microsoft.com/office/drawing/2010/main" val="0"/>
+                <a14:useLocalDpi xmlns:a14="http://schemas.microsoft.com/office/drawing/2010/main"/>
               </a:ext>
             </a:extLst>
           </a:blip>
@@ -6572,6 +7139,111 @@
           </a:p>
         </p:txBody>
       </p:sp>
+      <p:grpSp>
+        <p:nvGrpSpPr>
+          <p:cNvPr id="5" name="Grupp 4"/>
+          <p:cNvGrpSpPr/>
+          <p:nvPr/>
+        </p:nvGrpSpPr>
+        <p:grpSpPr>
+          <a:xfrm>
+            <a:off x="5004048" y="133053"/>
+            <a:ext cx="3024336" cy="936104"/>
+            <a:chOff x="5004048" y="133053"/>
+            <a:chExt cx="3024336" cy="936104"/>
+          </a:xfrm>
+        </p:grpSpPr>
+        <p:sp>
+          <p:nvSpPr>
+            <p:cNvPr id="3" name="Explosion 1 2"/>
+            <p:cNvSpPr/>
+            <p:nvPr/>
+          </p:nvSpPr>
+          <p:spPr>
+            <a:xfrm>
+              <a:off x="5004048" y="133053"/>
+              <a:ext cx="3024336" cy="936104"/>
+            </a:xfrm>
+            <a:prstGeom prst="irregularSeal1">
+              <a:avLst/>
+            </a:prstGeom>
+          </p:spPr>
+          <p:style>
+            <a:lnRef idx="2">
+              <a:schemeClr val="accent5">
+                <a:shade val="50000"/>
+              </a:schemeClr>
+            </a:lnRef>
+            <a:fillRef idx="1">
+              <a:schemeClr val="accent5"/>
+            </a:fillRef>
+            <a:effectRef idx="0">
+              <a:schemeClr val="accent5"/>
+            </a:effectRef>
+            <a:fontRef idx="minor">
+              <a:schemeClr val="lt1"/>
+            </a:fontRef>
+          </p:style>
+          <p:txBody>
+            <a:bodyPr rtlCol="0" anchor="ctr"/>
+            <a:lstStyle/>
+            <a:p>
+              <a:pPr algn="ctr"/>
+              <a:endParaRPr lang="sv-SE"/>
+            </a:p>
+          </p:txBody>
+        </p:sp>
+        <p:sp>
+          <p:nvSpPr>
+            <p:cNvPr id="4" name="textruta 3"/>
+            <p:cNvSpPr txBox="1"/>
+            <p:nvPr/>
+          </p:nvSpPr>
+          <p:spPr bwMode="auto">
+            <a:xfrm>
+              <a:off x="5364088" y="395372"/>
+              <a:ext cx="2304256" cy="369332"/>
+            </a:xfrm>
+            <a:prstGeom prst="rect">
+              <a:avLst/>
+            </a:prstGeom>
+            <a:noFill/>
+            <a:ln>
+              <a:noFill/>
+              <a:headEnd/>
+              <a:tailEnd/>
+            </a:ln>
+          </p:spPr>
+          <p:style>
+            <a:lnRef idx="2">
+              <a:schemeClr val="accent6"/>
+            </a:lnRef>
+            <a:fillRef idx="1">
+              <a:schemeClr val="lt1"/>
+            </a:fillRef>
+            <a:effectRef idx="0">
+              <a:schemeClr val="accent6"/>
+            </a:effectRef>
+            <a:fontRef idx="minor">
+              <a:schemeClr val="dk1"/>
+            </a:fontRef>
+          </p:style>
+          <p:txBody>
+            <a:bodyPr wrap="square" rtlCol="0">
+              <a:spAutoFit/>
+            </a:bodyPr>
+            <a:lstStyle/>
+            <a:p>
+              <a:pPr algn="ctr" eaLnBrk="0" hangingPunct="0"/>
+              <a:r>
+                <a:rPr lang="sv-SE" b="1" dirty="0" smtClean="0"/>
+                <a:t>IMPORTANT!</a:t>
+              </a:r>
+              <a:endParaRPr lang="sv-SE" b="1" dirty="0"/>
+            </a:p>
+          </p:txBody>
+        </p:sp>
+      </p:grpSp>
     </p:spTree>
     <p:extLst>
       <p:ext uri="{BB962C8B-B14F-4D97-AF65-F5344CB8AC3E}">
@@ -6817,7 +7489,7 @@
 </p:sld>
 </file>
 
-<file path=ppt/slides/slide12.xml><?xml version="1.0" encoding="utf-8"?>
+<file path=ppt/slides/slide13.xml><?xml version="1.0" encoding="utf-8"?>
 <p:sld xmlns:a="http://schemas.openxmlformats.org/drawingml/2006/main" xmlns:r="http://schemas.openxmlformats.org/officeDocument/2006/relationships" xmlns:p="http://schemas.openxmlformats.org/presentationml/2006/main">
   <p:cSld>
     <p:spTree>
@@ -6857,10 +7529,10 @@
           <a:lstStyle/>
           <a:p>
             <a:r>
-              <a:rPr lang="en-US" sz="2800" dirty="0" smtClean="0"/>
+              <a:rPr lang="en-US" sz="1800" b="1" dirty="0" smtClean="0"/>
               <a:t>GIT state operation </a:t>
             </a:r>
-            <a:endParaRPr lang="en-US" sz="2800" dirty="0"/>
+            <a:endParaRPr lang="en-US" sz="1800" b="1" dirty="0"/>
           </a:p>
         </p:txBody>
       </p:sp>
@@ -7652,6 +8324,111 @@
                   <a:schemeClr val="bg1"/>
                 </a:solidFill>
               </a:endParaRPr>
+            </a:p>
+          </p:txBody>
+        </p:sp>
+      </p:grpSp>
+      <p:grpSp>
+        <p:nvGrpSpPr>
+          <p:cNvPr id="23" name="Grupp 22"/>
+          <p:cNvGrpSpPr/>
+          <p:nvPr/>
+        </p:nvGrpSpPr>
+        <p:grpSpPr>
+          <a:xfrm>
+            <a:off x="5004048" y="133053"/>
+            <a:ext cx="3024336" cy="936104"/>
+            <a:chOff x="5004048" y="133053"/>
+            <a:chExt cx="3024336" cy="936104"/>
+          </a:xfrm>
+        </p:grpSpPr>
+        <p:sp>
+          <p:nvSpPr>
+            <p:cNvPr id="24" name="Explosion 1 23"/>
+            <p:cNvSpPr/>
+            <p:nvPr/>
+          </p:nvSpPr>
+          <p:spPr>
+            <a:xfrm>
+              <a:off x="5004048" y="133053"/>
+              <a:ext cx="3024336" cy="936104"/>
+            </a:xfrm>
+            <a:prstGeom prst="irregularSeal1">
+              <a:avLst/>
+            </a:prstGeom>
+          </p:spPr>
+          <p:style>
+            <a:lnRef idx="2">
+              <a:schemeClr val="accent5">
+                <a:shade val="50000"/>
+              </a:schemeClr>
+            </a:lnRef>
+            <a:fillRef idx="1">
+              <a:schemeClr val="accent5"/>
+            </a:fillRef>
+            <a:effectRef idx="0">
+              <a:schemeClr val="accent5"/>
+            </a:effectRef>
+            <a:fontRef idx="minor">
+              <a:schemeClr val="lt1"/>
+            </a:fontRef>
+          </p:style>
+          <p:txBody>
+            <a:bodyPr rtlCol="0" anchor="ctr"/>
+            <a:lstStyle/>
+            <a:p>
+              <a:pPr algn="ctr"/>
+              <a:endParaRPr lang="sv-SE"/>
+            </a:p>
+          </p:txBody>
+        </p:sp>
+        <p:sp>
+          <p:nvSpPr>
+            <p:cNvPr id="25" name="textruta 24"/>
+            <p:cNvSpPr txBox="1"/>
+            <p:nvPr/>
+          </p:nvSpPr>
+          <p:spPr bwMode="auto">
+            <a:xfrm>
+              <a:off x="5364088" y="395372"/>
+              <a:ext cx="2304256" cy="369332"/>
+            </a:xfrm>
+            <a:prstGeom prst="rect">
+              <a:avLst/>
+            </a:prstGeom>
+            <a:noFill/>
+            <a:ln>
+              <a:noFill/>
+              <a:headEnd/>
+              <a:tailEnd/>
+            </a:ln>
+          </p:spPr>
+          <p:style>
+            <a:lnRef idx="2">
+              <a:schemeClr val="accent6"/>
+            </a:lnRef>
+            <a:fillRef idx="1">
+              <a:schemeClr val="lt1"/>
+            </a:fillRef>
+            <a:effectRef idx="0">
+              <a:schemeClr val="accent6"/>
+            </a:effectRef>
+            <a:fontRef idx="minor">
+              <a:schemeClr val="dk1"/>
+            </a:fontRef>
+          </p:style>
+          <p:txBody>
+            <a:bodyPr wrap="square" rtlCol="0">
+              <a:spAutoFit/>
+            </a:bodyPr>
+            <a:lstStyle/>
+            <a:p>
+              <a:pPr algn="ctr" eaLnBrk="0" hangingPunct="0"/>
+              <a:r>
+                <a:rPr lang="sv-SE" b="1" dirty="0" smtClean="0"/>
+                <a:t>IMPORTANT!</a:t>
+              </a:r>
+              <a:endParaRPr lang="sv-SE" b="1" dirty="0"/>
             </a:p>
           </p:txBody>
         </p:sp>
@@ -8253,7 +9030,7 @@
 </p:sld>
 </file>
 
-<file path=ppt/slides/slide13.xml><?xml version="1.0" encoding="utf-8"?>
+<file path=ppt/slides/slide14.xml><?xml version="1.0" encoding="utf-8"?>
 <p:sld xmlns:a="http://schemas.openxmlformats.org/drawingml/2006/main" xmlns:r="http://schemas.openxmlformats.org/officeDocument/2006/relationships" xmlns:p="http://schemas.openxmlformats.org/presentationml/2006/main">
   <p:cSld>
     <p:spTree>
@@ -8336,266 +9113,169 @@
         <p:spPr>
           <a:xfrm>
             <a:off x="395288" y="1341438"/>
-            <a:ext cx="2880567" cy="4319587"/>
+            <a:ext cx="3730172" cy="2375593"/>
           </a:xfrm>
         </p:spPr>
         <p:txBody>
-          <a:bodyPr/>
+          <a:bodyPr>
+            <a:noAutofit/>
+          </a:bodyPr>
           <a:lstStyle/>
           <a:p>
             <a:r>
-              <a:rPr lang="sv-SE" dirty="0" smtClean="0"/>
+              <a:rPr lang="sv-SE" sz="1800" dirty="0" smtClean="0"/>
               <a:t>Git </a:t>
             </a:r>
             <a:r>
-              <a:rPr lang="sv-SE" dirty="0" err="1" smtClean="0"/>
+              <a:rPr lang="sv-SE" sz="1800" dirty="0" err="1" smtClean="0"/>
               <a:t>doesn’t</a:t>
             </a:r>
             <a:r>
-              <a:rPr lang="sv-SE" dirty="0" smtClean="0"/>
+              <a:rPr lang="sv-SE" sz="1800" dirty="0" smtClean="0"/>
               <a:t> </a:t>
             </a:r>
             <a:r>
-              <a:rPr lang="sv-SE" dirty="0" err="1" smtClean="0"/>
+              <a:rPr lang="sv-SE" sz="1800" dirty="0" err="1" smtClean="0"/>
               <a:t>need</a:t>
             </a:r>
             <a:r>
-              <a:rPr lang="sv-SE" dirty="0" smtClean="0"/>
+              <a:rPr lang="sv-SE" sz="1800" dirty="0" smtClean="0"/>
               <a:t> the </a:t>
             </a:r>
             <a:r>
-              <a:rPr lang="sv-SE" dirty="0" err="1" smtClean="0"/>
+              <a:rPr lang="sv-SE" sz="1800" dirty="0" err="1" smtClean="0"/>
               <a:t>network</a:t>
             </a:r>
-            <a:endParaRPr lang="sv-SE" dirty="0"/>
-          </a:p>
-          <a:p>
-            <a:r>
-              <a:rPr lang="sv-SE" dirty="0" err="1" smtClean="0"/>
+            <a:endParaRPr lang="sv-SE" sz="1800" dirty="0"/>
+          </a:p>
+          <a:p>
+            <a:r>
+              <a:rPr lang="sv-SE" sz="1800" dirty="0" err="1" smtClean="0"/>
               <a:t>But</a:t>
             </a:r>
             <a:r>
-              <a:rPr lang="sv-SE" dirty="0" smtClean="0"/>
+              <a:rPr lang="sv-SE" sz="1800" dirty="0" smtClean="0"/>
               <a:t> </a:t>
             </a:r>
             <a:r>
-              <a:rPr lang="sv-SE" dirty="0" err="1" smtClean="0"/>
+              <a:rPr lang="sv-SE" sz="1800" dirty="0" err="1" smtClean="0"/>
               <a:t>there</a:t>
             </a:r>
             <a:r>
-              <a:rPr lang="sv-SE" dirty="0" smtClean="0"/>
+              <a:rPr lang="sv-SE" sz="1800" dirty="0" smtClean="0"/>
               <a:t> </a:t>
             </a:r>
             <a:r>
-              <a:rPr lang="sv-SE" dirty="0" err="1" smtClean="0"/>
+              <a:rPr lang="sv-SE" sz="1800" dirty="0" err="1" smtClean="0"/>
               <a:t>are</a:t>
             </a:r>
             <a:r>
-              <a:rPr lang="sv-SE" dirty="0" smtClean="0"/>
+              <a:rPr lang="sv-SE" sz="1800" dirty="0" smtClean="0"/>
               <a:t> </a:t>
             </a:r>
             <a:r>
-              <a:rPr lang="sv-SE" dirty="0" err="1" smtClean="0"/>
+              <a:rPr lang="sv-SE" sz="1800" dirty="0" err="1" smtClean="0"/>
               <a:t>many</a:t>
             </a:r>
             <a:r>
-              <a:rPr lang="sv-SE" dirty="0" smtClean="0"/>
+              <a:rPr lang="sv-SE" sz="1800" dirty="0" smtClean="0"/>
               <a:t> </a:t>
             </a:r>
             <a:r>
-              <a:rPr lang="sv-SE" dirty="0" err="1" smtClean="0"/>
+              <a:rPr lang="sv-SE" sz="1800" dirty="0" err="1" smtClean="0"/>
               <a:t>ways</a:t>
             </a:r>
             <a:r>
-              <a:rPr lang="sv-SE" dirty="0" smtClean="0"/>
+              <a:rPr lang="sv-SE" sz="1800" dirty="0" smtClean="0"/>
               <a:t> </a:t>
             </a:r>
             <a:r>
-              <a:rPr lang="sv-SE" dirty="0" err="1" smtClean="0"/>
+              <a:rPr lang="sv-SE" sz="1800" dirty="0" err="1" smtClean="0"/>
               <a:t>to</a:t>
             </a:r>
             <a:r>
-              <a:rPr lang="sv-SE" dirty="0" smtClean="0"/>
+              <a:rPr lang="sv-SE" sz="1800" dirty="0" smtClean="0"/>
               <a:t> </a:t>
             </a:r>
             <a:r>
-              <a:rPr lang="sv-SE" dirty="0" err="1" smtClean="0"/>
+              <a:rPr lang="sv-SE" sz="1800" dirty="0" err="1" smtClean="0"/>
               <a:t>collaborate</a:t>
             </a:r>
             <a:r>
-              <a:rPr lang="sv-SE" dirty="0" smtClean="0"/>
+              <a:rPr lang="sv-SE" sz="1800" dirty="0" smtClean="0"/>
               <a:t>:</a:t>
             </a:r>
           </a:p>
           <a:p>
             <a:pPr lvl="1"/>
             <a:r>
-              <a:rPr lang="sv-SE" dirty="0" err="1" smtClean="0"/>
+              <a:rPr lang="sv-SE" sz="1800" dirty="0" err="1" smtClean="0"/>
               <a:t>Patches</a:t>
             </a:r>
             <a:r>
-              <a:rPr lang="sv-SE" dirty="0" smtClean="0"/>
+              <a:rPr lang="sv-SE" sz="1800" dirty="0" smtClean="0"/>
               <a:t> / </a:t>
             </a:r>
             <a:r>
-              <a:rPr lang="sv-SE" dirty="0" err="1" smtClean="0"/>
+              <a:rPr lang="sv-SE" sz="1800" dirty="0" err="1" smtClean="0"/>
               <a:t>bundles</a:t>
             </a:r>
-            <a:endParaRPr lang="sv-SE" dirty="0" smtClean="0"/>
+            <a:endParaRPr lang="sv-SE" sz="1800" dirty="0" smtClean="0"/>
           </a:p>
           <a:p>
             <a:pPr lvl="1"/>
             <a:r>
-              <a:rPr lang="sv-SE" dirty="0" smtClean="0"/>
+              <a:rPr lang="sv-SE" sz="1800" dirty="0" smtClean="0"/>
               <a:t>SSH / </a:t>
             </a:r>
             <a:r>
-              <a:rPr lang="sv-SE" dirty="0" err="1" smtClean="0"/>
+              <a:rPr lang="sv-SE" sz="1800" dirty="0" err="1" smtClean="0"/>
               <a:t>network</a:t>
             </a:r>
             <a:r>
-              <a:rPr lang="sv-SE" dirty="0" smtClean="0"/>
+              <a:rPr lang="sv-SE" sz="1800" dirty="0" smtClean="0"/>
               <a:t> </a:t>
             </a:r>
             <a:r>
-              <a:rPr lang="sv-SE" dirty="0" err="1" smtClean="0"/>
+              <a:rPr lang="sv-SE" sz="1800" dirty="0" err="1" smtClean="0"/>
               <a:t>share</a:t>
             </a:r>
-            <a:endParaRPr lang="sv-SE" dirty="0" smtClean="0"/>
+            <a:endParaRPr lang="sv-SE" sz="1800" dirty="0" smtClean="0"/>
           </a:p>
           <a:p>
             <a:pPr lvl="1"/>
             <a:r>
-              <a:rPr lang="sv-SE" dirty="0" err="1" smtClean="0"/>
+              <a:rPr lang="sv-SE" sz="1800" dirty="0" err="1" smtClean="0"/>
               <a:t>Gitosis</a:t>
             </a:r>
             <a:r>
-              <a:rPr lang="sv-SE" dirty="0" smtClean="0"/>
+              <a:rPr lang="sv-SE" sz="1800" dirty="0" smtClean="0"/>
               <a:t> server</a:t>
             </a:r>
           </a:p>
           <a:p>
             <a:pPr lvl="1"/>
             <a:r>
-              <a:rPr lang="sv-SE" dirty="0" err="1" smtClean="0"/>
+              <a:rPr lang="sv-SE" sz="1800" dirty="0" err="1" smtClean="0"/>
               <a:t>Github</a:t>
             </a:r>
             <a:r>
-              <a:rPr lang="sv-SE" dirty="0" smtClean="0"/>
+              <a:rPr lang="sv-SE" sz="1800" dirty="0" smtClean="0"/>
               <a:t> / </a:t>
             </a:r>
             <a:r>
-              <a:rPr lang="sv-SE" dirty="0" err="1" smtClean="0"/>
+              <a:rPr lang="sv-SE" sz="1800" dirty="0" err="1" smtClean="0"/>
               <a:t>Bitbucket</a:t>
             </a:r>
             <a:r>
-              <a:rPr lang="sv-SE" dirty="0" smtClean="0"/>
+              <a:rPr lang="sv-SE" sz="1800" dirty="0" smtClean="0"/>
               <a:t> / </a:t>
             </a:r>
             <a:r>
-              <a:rPr lang="sv-SE" dirty="0" err="1" smtClean="0"/>
+              <a:rPr lang="sv-SE" sz="1800" dirty="0" err="1" smtClean="0"/>
               <a:t>other</a:t>
             </a:r>
-            <a:endParaRPr lang="sv-SE" dirty="0" smtClean="0"/>
-          </a:p>
-          <a:p>
-            <a:r>
-              <a:rPr lang="sv-SE" dirty="0" err="1" smtClean="0"/>
-              <a:t>This</a:t>
-            </a:r>
-            <a:r>
-              <a:rPr lang="sv-SE" dirty="0" smtClean="0"/>
-              <a:t> focus </a:t>
-            </a:r>
-            <a:r>
-              <a:rPr lang="sv-SE" dirty="0" err="1" smtClean="0"/>
-              <a:t>to</a:t>
-            </a:r>
-            <a:r>
-              <a:rPr lang="sv-SE" dirty="0" smtClean="0"/>
-              <a:t> do </a:t>
-            </a:r>
-            <a:r>
-              <a:rPr lang="sv-SE" dirty="0" err="1" smtClean="0"/>
-              <a:t>only</a:t>
-            </a:r>
-            <a:r>
-              <a:rPr lang="sv-SE" dirty="0" smtClean="0"/>
-              <a:t> CM and do it right and </a:t>
-            </a:r>
-            <a:r>
-              <a:rPr lang="sv-SE" dirty="0" err="1" smtClean="0"/>
-              <a:t>reliably</a:t>
-            </a:r>
-            <a:r>
-              <a:rPr lang="sv-SE" dirty="0" smtClean="0"/>
-              <a:t> has </a:t>
-            </a:r>
-            <a:r>
-              <a:rPr lang="sv-SE" dirty="0" err="1" smtClean="0"/>
-              <a:t>contributed</a:t>
-            </a:r>
-            <a:r>
-              <a:rPr lang="sv-SE" dirty="0" smtClean="0"/>
-              <a:t> </a:t>
-            </a:r>
-            <a:r>
-              <a:rPr lang="sv-SE" dirty="0" err="1" smtClean="0"/>
-              <a:t>to</a:t>
-            </a:r>
-            <a:r>
-              <a:rPr lang="sv-SE" dirty="0" smtClean="0"/>
-              <a:t> the </a:t>
-            </a:r>
-            <a:r>
-              <a:rPr lang="sv-SE" dirty="0" err="1" smtClean="0"/>
-              <a:t>popularity</a:t>
-            </a:r>
-            <a:r>
-              <a:rPr lang="sv-SE" dirty="0" smtClean="0"/>
-              <a:t> </a:t>
-            </a:r>
-            <a:r>
-              <a:rPr lang="sv-SE" dirty="0" err="1" smtClean="0"/>
-              <a:t>of</a:t>
-            </a:r>
-            <a:r>
-              <a:rPr lang="sv-SE" dirty="0" smtClean="0"/>
-              <a:t> Git and </a:t>
-            </a:r>
-            <a:r>
-              <a:rPr lang="sv-SE" dirty="0" err="1" smtClean="0"/>
-              <a:t>Github</a:t>
-            </a:r>
-            <a:r>
-              <a:rPr lang="sv-SE" dirty="0" smtClean="0"/>
-              <a:t>:</a:t>
-            </a:r>
-            <a:br>
-              <a:rPr lang="sv-SE" dirty="0" smtClean="0"/>
-            </a:br>
-            <a:r>
-              <a:rPr lang="sv-SE" dirty="0" smtClean="0">
-                <a:hlinkClick r:id="rId2"/>
-              </a:rPr>
-              <a:t>http</a:t>
-            </a:r>
-            <a:r>
-              <a:rPr lang="sv-SE" dirty="0">
-                <a:hlinkClick r:id="rId2"/>
-              </a:rPr>
-              <a:t>://www.wired.com/2012/02/github-2/all</a:t>
-            </a:r>
-            <a:r>
-              <a:rPr lang="sv-SE" dirty="0" smtClean="0">
-                <a:hlinkClick r:id="rId2"/>
-              </a:rPr>
-              <a:t>/</a:t>
-            </a:r>
-            <a:r>
-              <a:rPr lang="sv-SE" dirty="0" smtClean="0"/>
-              <a:t> </a:t>
-            </a:r>
+            <a:endParaRPr lang="sv-SE" sz="1800" dirty="0" smtClean="0"/>
           </a:p>
         </p:txBody>
       </p:sp>
@@ -8617,7 +9297,7 @@
             <a:fld id="{11DA82ED-F820-4319-BD97-F25880B325A1}" type="slidenum">
               <a:rPr lang="en-US" smtClean="0"/>
               <a:pPr/>
-              <a:t>13</a:t>
+              <a:t>14</a:t>
             </a:fld>
             <a:endParaRPr lang="en-US"/>
           </a:p>
@@ -8632,10 +9312,10 @@
           <p:nvPr/>
         </p:nvPicPr>
         <p:blipFill>
-          <a:blip r:embed="rId3">
+          <a:blip r:embed="rId2" cstate="screen">
             <a:extLst>
               <a:ext uri="{28A0092B-C50C-407E-A947-70E740481C1C}">
-                <a14:useLocalDpi xmlns:a14="http://schemas.microsoft.com/office/drawing/2010/main" val="0"/>
+                <a14:useLocalDpi xmlns:a14="http://schemas.microsoft.com/office/drawing/2010/main"/>
               </a:ext>
             </a:extLst>
           </a:blip>
@@ -8646,8 +9326,8 @@
         </p:blipFill>
         <p:spPr bwMode="auto">
           <a:xfrm>
-            <a:off x="3491880" y="1546146"/>
-            <a:ext cx="4968552" cy="3683054"/>
+            <a:off x="376587" y="3717032"/>
+            <a:ext cx="3691357" cy="2736304"/>
           </a:xfrm>
           <a:prstGeom prst="rect">
             <a:avLst/>
@@ -8664,6 +9344,306 @@
           </a:extLst>
         </p:spPr>
       </p:pic>
+      <p:sp>
+        <p:nvSpPr>
+          <p:cNvPr id="4" name="Rektangel 3"/>
+          <p:cNvSpPr/>
+          <p:nvPr/>
+        </p:nvSpPr>
+        <p:spPr>
+          <a:xfrm>
+            <a:off x="4427984" y="1340768"/>
+            <a:ext cx="4208508" cy="1107996"/>
+          </a:xfrm>
+          <a:prstGeom prst="rect">
+            <a:avLst/>
+          </a:prstGeom>
+        </p:spPr>
+        <p:txBody>
+          <a:bodyPr wrap="square">
+            <a:spAutoFit/>
+          </a:bodyPr>
+          <a:lstStyle/>
+          <a:p>
+            <a:pPr marL="285750" indent="-285750">
+              <a:buFont typeface="Arial" panose="020B0604020202020204" pitchFamily="34" charset="0"/>
+              <a:buChar char="•"/>
+            </a:pPr>
+            <a:r>
+              <a:rPr lang="sv-SE" dirty="0" smtClean="0"/>
+              <a:t>The focus </a:t>
+            </a:r>
+            <a:r>
+              <a:rPr lang="sv-SE" dirty="0" err="1"/>
+              <a:t>to</a:t>
+            </a:r>
+            <a:r>
+              <a:rPr lang="sv-SE" dirty="0"/>
+              <a:t> do </a:t>
+            </a:r>
+            <a:r>
+              <a:rPr lang="sv-SE" dirty="0" err="1"/>
+              <a:t>only</a:t>
+            </a:r>
+            <a:r>
+              <a:rPr lang="sv-SE" dirty="0"/>
+              <a:t> CM and do it right and </a:t>
+            </a:r>
+            <a:r>
+              <a:rPr lang="sv-SE" dirty="0" err="1"/>
+              <a:t>reliably</a:t>
+            </a:r>
+            <a:r>
+              <a:rPr lang="sv-SE" dirty="0"/>
+              <a:t> has </a:t>
+            </a:r>
+            <a:r>
+              <a:rPr lang="sv-SE" dirty="0" err="1"/>
+              <a:t>contributed</a:t>
+            </a:r>
+            <a:r>
+              <a:rPr lang="sv-SE" dirty="0"/>
+              <a:t> </a:t>
+            </a:r>
+            <a:r>
+              <a:rPr lang="sv-SE" dirty="0" err="1"/>
+              <a:t>to</a:t>
+            </a:r>
+            <a:r>
+              <a:rPr lang="sv-SE" dirty="0"/>
+              <a:t> the </a:t>
+            </a:r>
+            <a:r>
+              <a:rPr lang="sv-SE" dirty="0" err="1"/>
+              <a:t>popularity</a:t>
+            </a:r>
+            <a:r>
+              <a:rPr lang="sv-SE" dirty="0"/>
+              <a:t> </a:t>
+            </a:r>
+            <a:r>
+              <a:rPr lang="sv-SE" dirty="0" err="1"/>
+              <a:t>of</a:t>
+            </a:r>
+            <a:r>
+              <a:rPr lang="sv-SE" dirty="0"/>
+              <a:t> Git and </a:t>
+            </a:r>
+            <a:r>
+              <a:rPr lang="sv-SE" dirty="0" err="1"/>
+              <a:t>Github</a:t>
+            </a:r>
+            <a:r>
+              <a:rPr lang="sv-SE" dirty="0"/>
+              <a:t>:</a:t>
+            </a:r>
+            <a:br>
+              <a:rPr lang="sv-SE" dirty="0"/>
+            </a:br>
+            <a:r>
+              <a:rPr lang="sv-SE" sz="1200" dirty="0">
+                <a:hlinkClick r:id="rId3"/>
+              </a:rPr>
+              <a:t>http://www.wired.com/2012/02/github-2/all/</a:t>
+            </a:r>
+            <a:r>
+              <a:rPr lang="sv-SE" sz="1200" dirty="0"/>
+              <a:t> </a:t>
+            </a:r>
+          </a:p>
+        </p:txBody>
+      </p:sp>
+      <p:grpSp>
+        <p:nvGrpSpPr>
+          <p:cNvPr id="10" name="Grupp 9"/>
+          <p:cNvGrpSpPr/>
+          <p:nvPr/>
+        </p:nvGrpSpPr>
+        <p:grpSpPr>
+          <a:xfrm>
+            <a:off x="4575452" y="4221088"/>
+            <a:ext cx="4173012" cy="1440160"/>
+            <a:chOff x="4575452" y="4221088"/>
+            <a:chExt cx="4173012" cy="1440160"/>
+          </a:xfrm>
+        </p:grpSpPr>
+        <p:grpSp>
+          <p:nvGrpSpPr>
+            <p:cNvPr id="3" name="Grupp 2"/>
+            <p:cNvGrpSpPr/>
+            <p:nvPr/>
+          </p:nvGrpSpPr>
+          <p:grpSpPr>
+            <a:xfrm>
+              <a:off x="4575452" y="4221088"/>
+              <a:ext cx="4173012" cy="1092322"/>
+              <a:chOff x="1043608" y="1988840"/>
+              <a:chExt cx="5823570" cy="1524370"/>
+            </a:xfrm>
+          </p:grpSpPr>
+          <p:pic>
+            <p:nvPicPr>
+              <p:cNvPr id="7" name="Picture 2"/>
+              <p:cNvPicPr>
+                <a:picLocks noChangeAspect="1" noChangeArrowheads="1"/>
+              </p:cNvPicPr>
+              <p:nvPr/>
+            </p:nvPicPr>
+            <p:blipFill>
+              <a:blip r:embed="rId4" cstate="screen">
+                <a:extLst>
+                  <a:ext uri="{28A0092B-C50C-407E-A947-70E740481C1C}">
+                    <a14:useLocalDpi xmlns:a14="http://schemas.microsoft.com/office/drawing/2010/main"/>
+                  </a:ext>
+                </a:extLst>
+              </a:blip>
+              <a:srcRect/>
+              <a:stretch>
+                <a:fillRect/>
+              </a:stretch>
+            </p:blipFill>
+            <p:spPr bwMode="auto">
+              <a:xfrm>
+                <a:off x="1043608" y="1988840"/>
+                <a:ext cx="5823570" cy="1524370"/>
+              </a:xfrm>
+              <a:prstGeom prst="rect">
+                <a:avLst/>
+              </a:prstGeom>
+              <a:noFill/>
+              <a:ln>
+                <a:noFill/>
+              </a:ln>
+              <a:extLst>
+                <a:ext uri="{909E8E84-426E-40DD-AFC4-6F175D3DCCD1}">
+                  <a14:hiddenFill xmlns:a14="http://schemas.microsoft.com/office/drawing/2010/main">
+                    <a:solidFill>
+                      <a:schemeClr val="accent1"/>
+                    </a:solidFill>
+                  </a14:hiddenFill>
+                </a:ext>
+                <a:ext uri="{91240B29-F687-4F45-9708-019B960494DF}">
+                  <a14:hiddenLine xmlns:a14="http://schemas.microsoft.com/office/drawing/2010/main" w="9525">
+                    <a:solidFill>
+                      <a:schemeClr val="tx1"/>
+                    </a:solidFill>
+                    <a:miter lim="800000"/>
+                    <a:headEnd/>
+                    <a:tailEnd/>
+                  </a14:hiddenLine>
+                </a:ext>
+              </a:extLst>
+            </p:spPr>
+          </p:pic>
+          <p:sp>
+            <p:nvSpPr>
+              <p:cNvPr id="8" name="Rektangel med rundade hörn 7"/>
+              <p:cNvSpPr/>
+              <p:nvPr/>
+            </p:nvSpPr>
+            <p:spPr>
+              <a:xfrm>
+                <a:off x="4661228" y="2506706"/>
+                <a:ext cx="2151162" cy="504056"/>
+              </a:xfrm>
+              <a:prstGeom prst="roundRect">
+                <a:avLst/>
+              </a:prstGeom>
+              <a:solidFill>
+                <a:schemeClr val="accent5">
+                  <a:lumMod val="60000"/>
+                  <a:lumOff val="40000"/>
+                  <a:alpha val="44000"/>
+                </a:schemeClr>
+              </a:solidFill>
+              <a:ln>
+                <a:solidFill>
+                  <a:srgbClr val="FF0000"/>
+                </a:solidFill>
+              </a:ln>
+            </p:spPr>
+            <p:style>
+              <a:lnRef idx="2">
+                <a:schemeClr val="accent1">
+                  <a:shade val="50000"/>
+                </a:schemeClr>
+              </a:lnRef>
+              <a:fillRef idx="1">
+                <a:schemeClr val="accent1"/>
+              </a:fillRef>
+              <a:effectRef idx="0">
+                <a:schemeClr val="accent1"/>
+              </a:effectRef>
+              <a:fontRef idx="minor">
+                <a:schemeClr val="lt1"/>
+              </a:fontRef>
+            </p:style>
+            <p:txBody>
+              <a:bodyPr rtlCol="0" anchor="ctr"/>
+              <a:lstStyle/>
+              <a:p>
+                <a:pPr algn="ctr"/>
+                <a:endParaRPr lang="sv-SE"/>
+              </a:p>
+            </p:txBody>
+          </p:sp>
+        </p:grpSp>
+        <p:sp>
+          <p:nvSpPr>
+            <p:cNvPr id="9" name="textruta 8"/>
+            <p:cNvSpPr txBox="1"/>
+            <p:nvPr/>
+          </p:nvSpPr>
+          <p:spPr bwMode="auto">
+            <a:xfrm>
+              <a:off x="5796136" y="5384249"/>
+              <a:ext cx="2880320" cy="276999"/>
+            </a:xfrm>
+            <a:prstGeom prst="rect">
+              <a:avLst/>
+            </a:prstGeom>
+            <a:noFill/>
+            <a:ln>
+              <a:noFill/>
+              <a:headEnd/>
+              <a:tailEnd/>
+            </a:ln>
+          </p:spPr>
+          <p:style>
+            <a:lnRef idx="2">
+              <a:schemeClr val="accent6"/>
+            </a:lnRef>
+            <a:fillRef idx="1">
+              <a:schemeClr val="lt1"/>
+            </a:fillRef>
+            <a:effectRef idx="0">
+              <a:schemeClr val="accent6"/>
+            </a:effectRef>
+            <a:fontRef idx="minor">
+              <a:schemeClr val="dk1"/>
+            </a:fontRef>
+          </p:style>
+          <p:txBody>
+            <a:bodyPr wrap="square" rtlCol="0">
+              <a:spAutoFit/>
+            </a:bodyPr>
+            <a:lstStyle/>
+            <a:p>
+              <a:pPr algn="r" eaLnBrk="0" hangingPunct="0"/>
+              <a:r>
+                <a:rPr lang="sv-SE" sz="1200" dirty="0">
+                  <a:hlinkClick r:id="rId5"/>
+                </a:rPr>
+                <a:t>https://github.com/Azure/azure-content</a:t>
+              </a:r>
+              <a:r>
+                <a:rPr lang="sv-SE" sz="1200" dirty="0"/>
+                <a:t> </a:t>
+              </a:r>
+            </a:p>
+          </p:txBody>
+        </p:sp>
+      </p:grpSp>
     </p:spTree>
     <p:extLst>
       <p:ext uri="{BB962C8B-B14F-4D97-AF65-F5344CB8AC3E}">
@@ -9005,11 +9985,34 @@
                                           </p:stCondLst>
                                         </p:cTn>
                                         <p:tgtEl>
-                                          <p:spTgt spid="6">
-                                            <p:txEl>
-                                              <p:pRg st="6" end="6"/>
-                                            </p:txEl>
-                                          </p:spTgt>
+                                          <p:spTgt spid="4"/>
+                                        </p:tgtEl>
+                                        <p:attrNameLst>
+                                          <p:attrName>style.visibility</p:attrName>
+                                        </p:attrNameLst>
+                                      </p:cBhvr>
+                                      <p:to>
+                                        <p:strVal val="visible"/>
+                                      </p:to>
+                                    </p:set>
+                                  </p:childTnLst>
+                                </p:cTn>
+                              </p:par>
+                              <p:par>
+                                <p:cTn id="31" presetID="1" presetClass="entr" presetSubtype="0" fill="hold" nodeType="withEffect">
+                                  <p:stCondLst>
+                                    <p:cond delay="0"/>
+                                  </p:stCondLst>
+                                  <p:childTnLst>
+                                    <p:set>
+                                      <p:cBhvr>
+                                        <p:cTn id="32" dur="1" fill="hold">
+                                          <p:stCondLst>
+                                            <p:cond delay="0"/>
+                                          </p:stCondLst>
+                                        </p:cTn>
+                                        <p:tgtEl>
+                                          <p:spTgt spid="10"/>
                                         </p:tgtEl>
                                         <p:attrNameLst>
                                           <p:attrName>style.visibility</p:attrName>
@@ -9051,298 +10054,9 @@
     </p:tnLst>
     <p:bldLst>
       <p:bldP spid="6" grpId="0" build="p"/>
+      <p:bldP spid="4" grpId="0"/>
     </p:bldLst>
   </p:timing>
-</p:sld>
-</file>
-
-<file path=ppt/slides/slide14.xml><?xml version="1.0" encoding="utf-8"?>
-<p:sld xmlns:a="http://schemas.openxmlformats.org/drawingml/2006/main" xmlns:r="http://schemas.openxmlformats.org/officeDocument/2006/relationships" xmlns:p="http://schemas.openxmlformats.org/presentationml/2006/main">
-  <p:cSld>
-    <p:spTree>
-      <p:nvGrpSpPr>
-        <p:cNvPr id="1" name=""/>
-        <p:cNvGrpSpPr/>
-        <p:nvPr/>
-      </p:nvGrpSpPr>
-      <p:grpSpPr>
-        <a:xfrm>
-          <a:off x="0" y="0"/>
-          <a:ext cx="0" cy="0"/>
-          <a:chOff x="0" y="0"/>
-          <a:chExt cx="0" cy="0"/>
-        </a:xfrm>
-      </p:grpSpPr>
-      <p:sp>
-        <p:nvSpPr>
-          <p:cNvPr id="2" name="Rubrik 1"/>
-          <p:cNvSpPr>
-            <a:spLocks noGrp="1"/>
-          </p:cNvSpPr>
-          <p:nvPr>
-            <p:ph type="title"/>
-          </p:nvPr>
-        </p:nvSpPr>
-        <p:spPr/>
-        <p:txBody>
-          <a:bodyPr/>
-          <a:lstStyle/>
-          <a:p>
-            <a:endParaRPr lang="sv-SE"/>
-          </a:p>
-        </p:txBody>
-      </p:sp>
-      <p:sp>
-        <p:nvSpPr>
-          <p:cNvPr id="3" name="Platshållare för innehåll 2"/>
-          <p:cNvSpPr>
-            <a:spLocks noGrp="1"/>
-          </p:cNvSpPr>
-          <p:nvPr>
-            <p:ph sz="half" idx="1"/>
-          </p:nvPr>
-        </p:nvSpPr>
-        <p:spPr/>
-        <p:txBody>
-          <a:bodyPr/>
-          <a:lstStyle/>
-          <a:p>
-            <a:r>
-              <a:rPr lang="sv-SE" dirty="0">
-                <a:hlinkClick r:id="rId2"/>
-              </a:rPr>
-              <a:t>https://</a:t>
-            </a:r>
-            <a:r>
-              <a:rPr lang="sv-SE" dirty="0" smtClean="0">
-                <a:hlinkClick r:id="rId2"/>
-              </a:rPr>
-              <a:t>github.com/Azure/azure-content</a:t>
-            </a:r>
-            <a:r>
-              <a:rPr lang="sv-SE" dirty="0" smtClean="0"/>
-              <a:t> </a:t>
-            </a:r>
-            <a:endParaRPr lang="sv-SE" dirty="0"/>
-          </a:p>
-        </p:txBody>
-      </p:sp>
-      <p:sp>
-        <p:nvSpPr>
-          <p:cNvPr id="4" name="Platshållare för innehåll 3"/>
-          <p:cNvSpPr>
-            <a:spLocks noGrp="1"/>
-          </p:cNvSpPr>
-          <p:nvPr>
-            <p:ph sz="half" idx="2"/>
-          </p:nvPr>
-        </p:nvSpPr>
-        <p:spPr/>
-        <p:txBody>
-          <a:bodyPr/>
-          <a:lstStyle/>
-          <a:p>
-            <a:endParaRPr lang="sv-SE" dirty="0"/>
-          </a:p>
-        </p:txBody>
-      </p:sp>
-      <p:sp>
-        <p:nvSpPr>
-          <p:cNvPr id="5" name="Platshållare för bildnummer 4"/>
-          <p:cNvSpPr>
-            <a:spLocks noGrp="1"/>
-          </p:cNvSpPr>
-          <p:nvPr>
-            <p:ph type="sldNum" sz="quarter" idx="12"/>
-          </p:nvPr>
-        </p:nvSpPr>
-        <p:spPr/>
-        <p:txBody>
-          <a:bodyPr/>
-          <a:lstStyle/>
-          <a:p>
-            <a:fld id="{11DA82ED-F820-4319-BD97-F25880B325A1}" type="slidenum">
-              <a:rPr lang="en-US" smtClean="0"/>
-              <a:pPr/>
-              <a:t>14</a:t>
-            </a:fld>
-            <a:endParaRPr lang="en-US"/>
-          </a:p>
-        </p:txBody>
-      </p:sp>
-      <p:pic>
-        <p:nvPicPr>
-          <p:cNvPr id="1026" name="Picture 2"/>
-          <p:cNvPicPr>
-            <a:picLocks noChangeAspect="1" noChangeArrowheads="1"/>
-          </p:cNvPicPr>
-          <p:nvPr/>
-        </p:nvPicPr>
-        <p:blipFill>
-          <a:blip r:embed="rId3">
-            <a:extLst>
-              <a:ext uri="{28A0092B-C50C-407E-A947-70E740481C1C}">
-                <a14:useLocalDpi xmlns:a14="http://schemas.microsoft.com/office/drawing/2010/main" val="0"/>
-              </a:ext>
-            </a:extLst>
-          </a:blip>
-          <a:srcRect/>
-          <a:stretch>
-            <a:fillRect/>
-          </a:stretch>
-        </p:blipFill>
-        <p:spPr bwMode="auto">
-          <a:xfrm>
-            <a:off x="1043608" y="1988840"/>
-            <a:ext cx="5823570" cy="1524370"/>
-          </a:xfrm>
-          <a:prstGeom prst="rect">
-            <a:avLst/>
-          </a:prstGeom>
-          <a:noFill/>
-          <a:ln>
-            <a:noFill/>
-          </a:ln>
-          <a:extLst>
-            <a:ext uri="{909E8E84-426E-40DD-AFC4-6F175D3DCCD1}">
-              <a14:hiddenFill xmlns:a14="http://schemas.microsoft.com/office/drawing/2010/main">
-                <a:solidFill>
-                  <a:schemeClr val="accent1"/>
-                </a:solidFill>
-              </a14:hiddenFill>
-            </a:ext>
-            <a:ext uri="{91240B29-F687-4F45-9708-019B960494DF}">
-              <a14:hiddenLine xmlns:a14="http://schemas.microsoft.com/office/drawing/2010/main" w="9525">
-                <a:solidFill>
-                  <a:schemeClr val="tx1"/>
-                </a:solidFill>
-                <a:miter lim="800000"/>
-                <a:headEnd/>
-                <a:tailEnd/>
-              </a14:hiddenLine>
-            </a:ext>
-          </a:extLst>
-        </p:spPr>
-      </p:pic>
-      <p:sp>
-        <p:nvSpPr>
-          <p:cNvPr id="6" name="Rektangel med rundade hörn 5"/>
-          <p:cNvSpPr/>
-          <p:nvPr/>
-        </p:nvSpPr>
-        <p:spPr>
-          <a:xfrm>
-            <a:off x="4716016" y="2492896"/>
-            <a:ext cx="2151162" cy="504056"/>
-          </a:xfrm>
-          <a:prstGeom prst="roundRect">
-            <a:avLst/>
-          </a:prstGeom>
-          <a:solidFill>
-            <a:schemeClr val="accent5">
-              <a:lumMod val="60000"/>
-              <a:lumOff val="40000"/>
-              <a:alpha val="44000"/>
-            </a:schemeClr>
-          </a:solidFill>
-          <a:ln>
-            <a:solidFill>
-              <a:srgbClr val="FF0000"/>
-            </a:solidFill>
-          </a:ln>
-        </p:spPr>
-        <p:style>
-          <a:lnRef idx="2">
-            <a:schemeClr val="accent1">
-              <a:shade val="50000"/>
-            </a:schemeClr>
-          </a:lnRef>
-          <a:fillRef idx="1">
-            <a:schemeClr val="accent1"/>
-          </a:fillRef>
-          <a:effectRef idx="0">
-            <a:schemeClr val="accent1"/>
-          </a:effectRef>
-          <a:fontRef idx="minor">
-            <a:schemeClr val="lt1"/>
-          </a:fontRef>
-        </p:style>
-        <p:txBody>
-          <a:bodyPr rtlCol="0" anchor="ctr"/>
-          <a:lstStyle/>
-          <a:p>
-            <a:pPr algn="ctr"/>
-            <a:endParaRPr lang="sv-SE"/>
-          </a:p>
-        </p:txBody>
-      </p:sp>
-      <p:pic>
-        <p:nvPicPr>
-          <p:cNvPr id="1027" name="Picture 3"/>
-          <p:cNvPicPr>
-            <a:picLocks noChangeAspect="1" noChangeArrowheads="1"/>
-          </p:cNvPicPr>
-          <p:nvPr/>
-        </p:nvPicPr>
-        <p:blipFill>
-          <a:blip r:embed="rId4" cstate="print">
-            <a:extLst>
-              <a:ext uri="{28A0092B-C50C-407E-A947-70E740481C1C}">
-                <a14:useLocalDpi xmlns:a14="http://schemas.microsoft.com/office/drawing/2010/main" val="0"/>
-              </a:ext>
-            </a:extLst>
-          </a:blip>
-          <a:srcRect/>
-          <a:stretch>
-            <a:fillRect/>
-          </a:stretch>
-        </p:blipFill>
-        <p:spPr bwMode="auto">
-          <a:xfrm>
-            <a:off x="4499992" y="3573016"/>
-            <a:ext cx="4104456" cy="2293487"/>
-          </a:xfrm>
-          <a:prstGeom prst="rect">
-            <a:avLst/>
-          </a:prstGeom>
-          <a:noFill/>
-          <a:ln>
-            <a:noFill/>
-          </a:ln>
-          <a:extLst>
-            <a:ext uri="{909E8E84-426E-40DD-AFC4-6F175D3DCCD1}">
-              <a14:hiddenFill xmlns:a14="http://schemas.microsoft.com/office/drawing/2010/main">
-                <a:solidFill>
-                  <a:schemeClr val="accent1"/>
-                </a:solidFill>
-              </a14:hiddenFill>
-            </a:ext>
-            <a:ext uri="{91240B29-F687-4F45-9708-019B960494DF}">
-              <a14:hiddenLine xmlns:a14="http://schemas.microsoft.com/office/drawing/2010/main" w="9525">
-                <a:solidFill>
-                  <a:schemeClr val="tx1"/>
-                </a:solidFill>
-                <a:miter lim="800000"/>
-                <a:headEnd/>
-                <a:tailEnd/>
-              </a14:hiddenLine>
-            </a:ext>
-          </a:extLst>
-        </p:spPr>
-      </p:pic>
-    </p:spTree>
-    <p:extLst>
-      <p:ext uri="{BB962C8B-B14F-4D97-AF65-F5344CB8AC3E}">
-        <p14:creationId xmlns:p14="http://schemas.microsoft.com/office/powerpoint/2010/main" val="3025900096"/>
-      </p:ext>
-    </p:extLst>
-  </p:cSld>
-  <p:clrMapOvr>
-    <a:masterClrMapping/>
-  </p:clrMapOvr>
-  <p:transition spd="slow">
-    <p:push dir="u"/>
-  </p:transition>
 </p:sld>
 </file>
 
@@ -9609,10 +10323,10 @@
           <p:nvPr/>
         </p:nvPicPr>
         <p:blipFill>
-          <a:blip r:embed="rId2" cstate="print">
+          <a:blip r:embed="rId2" cstate="screen">
             <a:extLst>
               <a:ext uri="{28A0092B-C50C-407E-A947-70E740481C1C}">
-                <a14:useLocalDpi xmlns:a14="http://schemas.microsoft.com/office/drawing/2010/main" val="0"/>
+                <a14:useLocalDpi xmlns:a14="http://schemas.microsoft.com/office/drawing/2010/main"/>
               </a:ext>
             </a:extLst>
           </a:blip>
@@ -9641,6 +10355,121 @@
           </a:extLst>
         </p:spPr>
       </p:pic>
+      <p:sp>
+        <p:nvSpPr>
+          <p:cNvPr id="3" name="textruta 2"/>
+          <p:cNvSpPr txBox="1"/>
+          <p:nvPr/>
+        </p:nvSpPr>
+        <p:spPr bwMode="auto">
+          <a:xfrm>
+            <a:off x="3059832" y="6021288"/>
+            <a:ext cx="4464496" cy="507831"/>
+          </a:xfrm>
+          <a:prstGeom prst="rect">
+            <a:avLst/>
+          </a:prstGeom>
+          <a:ln>
+            <a:headEnd/>
+            <a:tailEnd/>
+          </a:ln>
+        </p:spPr>
+        <p:style>
+          <a:lnRef idx="2">
+            <a:schemeClr val="accent6"/>
+          </a:lnRef>
+          <a:fillRef idx="1">
+            <a:schemeClr val="lt1"/>
+          </a:fillRef>
+          <a:effectRef idx="0">
+            <a:schemeClr val="accent6"/>
+          </a:effectRef>
+          <a:fontRef idx="minor">
+            <a:schemeClr val="dk1"/>
+          </a:fontRef>
+        </p:style>
+        <p:txBody>
+          <a:bodyPr wrap="square" rtlCol="0">
+            <a:spAutoFit/>
+          </a:bodyPr>
+          <a:lstStyle/>
+          <a:p>
+            <a:pPr algn="r" eaLnBrk="0" hangingPunct="0"/>
+            <a:r>
+              <a:rPr lang="sv-SE" sz="900" dirty="0">
+                <a:solidFill>
+                  <a:schemeClr val="tx1"/>
+                </a:solidFill>
+                <a:hlinkClick r:id="rId3"/>
+              </a:rPr>
+              <a:t>http://nvie.com/posts/a-successful-git-branching-model</a:t>
+            </a:r>
+            <a:r>
+              <a:rPr lang="sv-SE" sz="900" dirty="0" smtClean="0">
+                <a:solidFill>
+                  <a:schemeClr val="tx1"/>
+                </a:solidFill>
+                <a:hlinkClick r:id="rId3"/>
+              </a:rPr>
+              <a:t>/</a:t>
+            </a:r>
+            <a:r>
+              <a:rPr lang="sv-SE" sz="900" dirty="0" smtClean="0">
+                <a:solidFill>
+                  <a:schemeClr val="tx1"/>
+                </a:solidFill>
+              </a:rPr>
+              <a:t/>
+            </a:r>
+            <a:br>
+              <a:rPr lang="sv-SE" sz="900" dirty="0" smtClean="0">
+                <a:solidFill>
+                  <a:schemeClr val="tx1"/>
+                </a:solidFill>
+              </a:rPr>
+            </a:br>
+            <a:endParaRPr lang="sv-SE" sz="900" dirty="0" smtClean="0">
+              <a:solidFill>
+                <a:schemeClr val="tx1"/>
+              </a:solidFill>
+            </a:endParaRPr>
+          </a:p>
+          <a:p>
+            <a:pPr algn="r" eaLnBrk="0" hangingPunct="0"/>
+            <a:r>
+              <a:rPr lang="sv-SE" sz="900" dirty="0">
+                <a:solidFill>
+                  <a:schemeClr val="tx1"/>
+                </a:solidFill>
+                <a:hlinkClick r:id="rId4"/>
+              </a:rPr>
+              <a:t>https://</a:t>
+            </a:r>
+            <a:r>
+              <a:rPr lang="sv-SE" sz="900" dirty="0" smtClean="0">
+                <a:solidFill>
+                  <a:schemeClr val="tx1"/>
+                </a:solidFill>
+                <a:hlinkClick r:id="rId4"/>
+              </a:rPr>
+              <a:t>www.atlassian.com/git/tutorials/comparing-workflows/gitflow-workflow</a:t>
+            </a:r>
+            <a:r>
+              <a:rPr lang="sv-SE" sz="900" dirty="0" smtClean="0">
+                <a:solidFill>
+                  <a:schemeClr val="tx1"/>
+                </a:solidFill>
+              </a:rPr>
+              <a:t> </a:t>
+            </a:r>
+            <a:endParaRPr lang="sv-SE" sz="900" dirty="0">
+              <a:solidFill>
+                <a:schemeClr val="tx1"/>
+              </a:solidFill>
+            </a:endParaRPr>
+          </a:p>
+        </p:txBody>
+      </p:sp>
     </p:spTree>
     <p:extLst>
       <p:ext uri="{BB962C8B-B14F-4D97-AF65-F5344CB8AC3E}">
@@ -9912,18 +10741,24 @@
         </p:nvSpPr>
         <p:spPr/>
         <p:txBody>
-          <a:bodyPr/>
+          <a:bodyPr>
+            <a:normAutofit/>
+          </a:bodyPr>
           <a:lstStyle/>
           <a:p>
             <a:r>
-              <a:rPr lang="sv-SE" b="1" dirty="0" smtClean="0"/>
-              <a:t>Public service </a:t>
-            </a:r>
-            <a:r>
-              <a:rPr lang="sv-SE" b="1" dirty="0" err="1" smtClean="0"/>
-              <a:t>announcement</a:t>
-            </a:r>
-            <a:endParaRPr lang="sv-SE" b="1" dirty="0"/>
+              <a:rPr lang="sv-SE" sz="1800" b="1" dirty="0" smtClean="0"/>
+              <a:t>Git ”</a:t>
+            </a:r>
+            <a:r>
+              <a:rPr lang="sv-SE" sz="1800" b="1" dirty="0" err="1" smtClean="0"/>
+              <a:t>gotchas</a:t>
+            </a:r>
+            <a:r>
+              <a:rPr lang="sv-SE" sz="1800" b="1" dirty="0" smtClean="0"/>
+              <a:t>”</a:t>
+            </a:r>
+            <a:endParaRPr lang="sv-SE" sz="1800" b="1" dirty="0"/>
           </a:p>
         </p:txBody>
       </p:sp>
@@ -9934,105 +10769,270 @@
             <a:spLocks noGrp="1"/>
           </p:cNvSpPr>
           <p:nvPr>
-            <p:ph idx="4294967295"/>
+            <p:ph idx="1"/>
           </p:nvPr>
         </p:nvSpPr>
-        <p:spPr>
-          <a:xfrm>
-            <a:off x="323528" y="836713"/>
-            <a:ext cx="8640960" cy="3312368"/>
-          </a:xfrm>
-        </p:spPr>
+        <p:spPr/>
         <p:txBody>
           <a:bodyPr>
             <a:normAutofit/>
           </a:bodyPr>
           <a:lstStyle/>
           <a:p>
-            <a:pPr marL="0" indent="0" algn="ctr">
-              <a:buNone/>
-            </a:pPr>
-            <a:r>
-              <a:rPr lang="en-US" sz="2200" b="1" dirty="0" smtClean="0"/>
-              <a:t>We can’t teach you all of </a:t>
-            </a:r>
-            <a:r>
-              <a:rPr lang="en-US" sz="2200" b="1" dirty="0" err="1" smtClean="0"/>
-              <a:t>Git</a:t>
-            </a:r>
-            <a:endParaRPr lang="en-US" sz="2200" b="1" dirty="0" smtClean="0"/>
-          </a:p>
-          <a:p>
-            <a:endParaRPr lang="en-US" sz="1800" b="1" dirty="0"/>
-          </a:p>
-          <a:p>
-            <a:r>
-              <a:rPr lang="en-US" sz="1800" dirty="0" smtClean="0"/>
-              <a:t>There's </a:t>
-            </a:r>
-            <a:r>
-              <a:rPr lang="en-US" sz="1800" dirty="0"/>
-              <a:t>so much, ...</a:t>
-            </a:r>
-          </a:p>
-          <a:p>
-            <a:r>
-              <a:rPr lang="en-US" sz="1800" dirty="0"/>
-              <a:t>We learnt it because we're curious and want to be </a:t>
-            </a:r>
-            <a:r>
-              <a:rPr lang="en-US" sz="1800" dirty="0" smtClean="0"/>
-              <a:t>helpful</a:t>
-            </a:r>
-          </a:p>
-          <a:p>
-            <a:r>
-              <a:rPr lang="en-US" sz="1800" dirty="0" smtClean="0"/>
-              <a:t>Cooperating in </a:t>
-            </a:r>
-            <a:r>
-              <a:rPr lang="en-US" sz="1800" dirty="0" err="1" smtClean="0"/>
-              <a:t>Git</a:t>
-            </a:r>
-            <a:r>
-              <a:rPr lang="en-US" sz="1800" dirty="0" smtClean="0"/>
-              <a:t> can be a great way to learn anyway!</a:t>
-            </a:r>
-          </a:p>
-          <a:p>
-            <a:endParaRPr lang="en-US" sz="1800" dirty="0"/>
-          </a:p>
-          <a:p>
-            <a:pPr marL="0" indent="0" algn="ctr">
-              <a:buNone/>
-            </a:pPr>
-            <a:r>
-              <a:rPr lang="en-US" sz="2200" b="1" dirty="0" err="1">
-                <a:latin typeface="Courier New" panose="02070309020205020404" pitchFamily="49" charset="0"/>
-                <a:cs typeface="Courier New" panose="02070309020205020404" pitchFamily="49" charset="0"/>
-              </a:rPr>
-              <a:t>g</a:t>
-            </a:r>
-            <a:r>
-              <a:rPr lang="en-US" sz="2200" b="1" dirty="0" err="1" smtClean="0">
-                <a:latin typeface="Courier New" panose="02070309020205020404" pitchFamily="49" charset="0"/>
-                <a:cs typeface="Courier New" panose="02070309020205020404" pitchFamily="49" charset="0"/>
-              </a:rPr>
-              <a:t>it</a:t>
-            </a:r>
-            <a:r>
-              <a:rPr lang="en-US" sz="2200" b="1" dirty="0" smtClean="0">
-                <a:latin typeface="Courier New" panose="02070309020205020404" pitchFamily="49" charset="0"/>
-                <a:cs typeface="Courier New" panose="02070309020205020404" pitchFamily="49" charset="0"/>
-              </a:rPr>
+            <a:r>
+              <a:rPr lang="sv-SE" sz="2400" dirty="0" err="1" smtClean="0"/>
+              <a:t>Structure</a:t>
+            </a:r>
+            <a:r>
+              <a:rPr lang="sv-SE" sz="2400" dirty="0" smtClean="0"/>
               <a:t> </a:t>
             </a:r>
             <a:r>
-              <a:rPr lang="en-US" sz="2200" b="1" dirty="0">
-                <a:latin typeface="Courier New" panose="02070309020205020404" pitchFamily="49" charset="0"/>
-                <a:cs typeface="Courier New" panose="02070309020205020404" pitchFamily="49" charset="0"/>
-              </a:rPr>
-              <a:t>clone https://github.com/UncleCJ/hicollegegit.git</a:t>
+              <a:rPr lang="sv-SE" sz="2400" dirty="0" err="1" smtClean="0"/>
+              <a:t>your</a:t>
+            </a:r>
+            <a:r>
+              <a:rPr lang="sv-SE" sz="2400" dirty="0" smtClean="0"/>
+              <a:t> </a:t>
+            </a:r>
+            <a:r>
+              <a:rPr lang="sv-SE" sz="2400" dirty="0" err="1" smtClean="0"/>
+              <a:t>repositories</a:t>
+            </a:r>
+            <a:r>
+              <a:rPr lang="sv-SE" sz="2400" dirty="0" smtClean="0"/>
+              <a:t> / </a:t>
+            </a:r>
+            <a:r>
+              <a:rPr lang="sv-SE" sz="2400" dirty="0" err="1" smtClean="0"/>
+              <a:t>submodules</a:t>
+            </a:r>
+            <a:r>
+              <a:rPr lang="sv-SE" sz="2400" dirty="0" smtClean="0"/>
+              <a:t> </a:t>
+            </a:r>
+            <a:r>
+              <a:rPr lang="sv-SE" sz="2400" dirty="0" err="1" smtClean="0"/>
+              <a:t>well</a:t>
+            </a:r>
+            <a:endParaRPr lang="sv-SE" sz="2400" dirty="0" smtClean="0"/>
+          </a:p>
+          <a:p>
+            <a:r>
+              <a:rPr lang="sv-SE" sz="2400" dirty="0" smtClean="0"/>
+              <a:t>Set a standard for </a:t>
+            </a:r>
+            <a:r>
+              <a:rPr lang="sv-SE" sz="2400" dirty="0" err="1" smtClean="0"/>
+              <a:t>line</a:t>
+            </a:r>
+            <a:r>
+              <a:rPr lang="sv-SE" sz="2400" dirty="0" smtClean="0"/>
+              <a:t> </a:t>
+            </a:r>
+            <a:r>
+              <a:rPr lang="sv-SE" sz="2400" dirty="0" err="1" smtClean="0"/>
+              <a:t>endings</a:t>
+            </a:r>
+            <a:r>
+              <a:rPr lang="sv-SE" sz="2400" dirty="0" smtClean="0"/>
+              <a:t> (CR/LF), text </a:t>
+            </a:r>
+            <a:r>
+              <a:rPr lang="sv-SE" sz="2400" dirty="0" err="1" smtClean="0"/>
+              <a:t>coding</a:t>
+            </a:r>
+            <a:r>
+              <a:rPr lang="sv-SE" sz="2400" dirty="0" smtClean="0"/>
+              <a:t> (UTF-8, no BOM) and accepted </a:t>
+            </a:r>
+            <a:r>
+              <a:rPr lang="sv-SE" sz="2400" dirty="0" err="1" smtClean="0"/>
+              <a:t>file</a:t>
+            </a:r>
+            <a:r>
+              <a:rPr lang="sv-SE" sz="2400" dirty="0" smtClean="0"/>
+              <a:t> </a:t>
+            </a:r>
+            <a:r>
+              <a:rPr lang="sv-SE" sz="2400" dirty="0" err="1" smtClean="0"/>
+              <a:t>names</a:t>
+            </a:r>
+            <a:r>
+              <a:rPr lang="sv-SE" sz="2400" dirty="0" smtClean="0"/>
+              <a:t> - </a:t>
+            </a:r>
+            <a:r>
+              <a:rPr lang="sv-SE" sz="2400" dirty="0" err="1" smtClean="0"/>
+              <a:t>validate</a:t>
+            </a:r>
+            <a:r>
+              <a:rPr lang="sv-SE" sz="2400" dirty="0" smtClean="0"/>
+              <a:t> </a:t>
+            </a:r>
+            <a:r>
+              <a:rPr lang="sv-SE" sz="2400" dirty="0" err="1" smtClean="0"/>
+              <a:t>them</a:t>
+            </a:r>
+            <a:r>
+              <a:rPr lang="sv-SE" sz="2400" dirty="0" smtClean="0"/>
+              <a:t> </a:t>
+            </a:r>
+            <a:r>
+              <a:rPr lang="sv-SE" sz="2400" dirty="0" err="1" smtClean="0"/>
+              <a:t>with</a:t>
+            </a:r>
+            <a:r>
+              <a:rPr lang="sv-SE" sz="2400" dirty="0" smtClean="0"/>
+              <a:t> hook scripts</a:t>
+            </a:r>
+          </a:p>
+          <a:p>
+            <a:r>
+              <a:rPr lang="sv-SE" sz="2400" dirty="0" smtClean="0"/>
+              <a:t>Set a </a:t>
+            </a:r>
+            <a:r>
+              <a:rPr lang="sv-SE" sz="2400" dirty="0" err="1" smtClean="0"/>
+              <a:t>branching</a:t>
+            </a:r>
+            <a:r>
+              <a:rPr lang="sv-SE" sz="2400" dirty="0" smtClean="0"/>
+              <a:t> </a:t>
+            </a:r>
+            <a:r>
+              <a:rPr lang="sv-SE" sz="2400" dirty="0" err="1" smtClean="0"/>
+              <a:t>strategy</a:t>
+            </a:r>
+            <a:r>
+              <a:rPr lang="sv-SE" sz="2400" dirty="0" smtClean="0"/>
+              <a:t> (for common </a:t>
+            </a:r>
+            <a:r>
+              <a:rPr lang="sv-SE" sz="2400" dirty="0" err="1" smtClean="0"/>
+              <a:t>baselines</a:t>
+            </a:r>
+            <a:r>
+              <a:rPr lang="sv-SE" sz="2400" dirty="0" smtClean="0"/>
+              <a:t>, integration </a:t>
+            </a:r>
+            <a:r>
+              <a:rPr lang="sv-SE" sz="2400" dirty="0" err="1" smtClean="0"/>
+              <a:t>merging</a:t>
+            </a:r>
+            <a:r>
+              <a:rPr lang="sv-SE" sz="2400" dirty="0" smtClean="0"/>
+              <a:t>, releases, </a:t>
+            </a:r>
+            <a:r>
+              <a:rPr lang="sv-SE" sz="2400" dirty="0" err="1" smtClean="0"/>
+              <a:t>fixes</a:t>
+            </a:r>
+            <a:r>
+              <a:rPr lang="sv-SE" sz="2400" dirty="0" smtClean="0"/>
+              <a:t> and </a:t>
+            </a:r>
+            <a:r>
+              <a:rPr lang="sv-SE" sz="2400" dirty="0" err="1" smtClean="0"/>
+              <a:t>easy</a:t>
+            </a:r>
+            <a:r>
+              <a:rPr lang="sv-SE" sz="2400" dirty="0" smtClean="0"/>
+              <a:t> </a:t>
+            </a:r>
+            <a:r>
+              <a:rPr lang="sv-SE" sz="2400" dirty="0" err="1" smtClean="0"/>
+              <a:t>collaboration</a:t>
+            </a:r>
+            <a:r>
+              <a:rPr lang="sv-SE" sz="2400" dirty="0" smtClean="0"/>
+              <a:t>)</a:t>
+            </a:r>
+          </a:p>
+          <a:p>
+            <a:r>
+              <a:rPr lang="sv-SE" sz="2400" dirty="0" smtClean="0"/>
+              <a:t>Set CM </a:t>
+            </a:r>
+            <a:r>
+              <a:rPr lang="sv-SE" sz="2400" dirty="0" err="1" smtClean="0"/>
+              <a:t>rules</a:t>
+            </a:r>
+            <a:r>
+              <a:rPr lang="sv-SE" sz="2400" dirty="0" smtClean="0"/>
+              <a:t> (</a:t>
+            </a:r>
+            <a:r>
+              <a:rPr lang="sv-SE" sz="2400" dirty="0" err="1" smtClean="0"/>
+              <a:t>such</a:t>
+            </a:r>
+            <a:r>
+              <a:rPr lang="sv-SE" sz="2400" dirty="0" smtClean="0"/>
+              <a:t> as </a:t>
+            </a:r>
+            <a:r>
+              <a:rPr lang="sv-SE" sz="2400" dirty="0" err="1" smtClean="0"/>
+              <a:t>rebase</a:t>
+            </a:r>
+            <a:r>
+              <a:rPr lang="sv-SE" sz="2400" dirty="0" smtClean="0"/>
+              <a:t> </a:t>
+            </a:r>
+            <a:r>
+              <a:rPr lang="sv-SE" sz="2400" dirty="0" err="1" smtClean="0"/>
+              <a:t>before</a:t>
+            </a:r>
+            <a:r>
+              <a:rPr lang="sv-SE" sz="2400" dirty="0" smtClean="0"/>
+              <a:t> publishing </a:t>
+            </a:r>
+            <a:r>
+              <a:rPr lang="sv-SE" sz="2400" dirty="0" err="1" smtClean="0"/>
+              <a:t>to</a:t>
+            </a:r>
+            <a:r>
+              <a:rPr lang="sv-SE" sz="2400" dirty="0" smtClean="0"/>
+              <a:t> </a:t>
+            </a:r>
+            <a:r>
+              <a:rPr lang="sv-SE" sz="2400" dirty="0" err="1" smtClean="0"/>
+              <a:t>keep</a:t>
+            </a:r>
+            <a:r>
+              <a:rPr lang="sv-SE" sz="2400" dirty="0" smtClean="0"/>
+              <a:t> </a:t>
+            </a:r>
+            <a:r>
+              <a:rPr lang="sv-SE" sz="2400" dirty="0" err="1" smtClean="0"/>
+              <a:t>branches</a:t>
+            </a:r>
+            <a:r>
+              <a:rPr lang="sv-SE" sz="2400" dirty="0" smtClean="0"/>
+              <a:t> </a:t>
+            </a:r>
+            <a:r>
+              <a:rPr lang="sv-SE" sz="2400" dirty="0" err="1" smtClean="0"/>
+              <a:t>linear</a:t>
+            </a:r>
+            <a:r>
+              <a:rPr lang="sv-SE" sz="2400" dirty="0" smtClean="0"/>
+              <a:t>, </a:t>
+            </a:r>
+            <a:r>
+              <a:rPr lang="sv-SE" sz="2400" dirty="0" err="1" smtClean="0"/>
+              <a:t>commit</a:t>
+            </a:r>
+            <a:r>
+              <a:rPr lang="sv-SE" sz="2400" dirty="0" smtClean="0"/>
+              <a:t> messages </a:t>
+            </a:r>
+            <a:r>
+              <a:rPr lang="sv-SE" sz="2400" dirty="0" err="1" smtClean="0"/>
+              <a:t>etc</a:t>
+            </a:r>
+            <a:r>
+              <a:rPr lang="sv-SE" sz="2400" dirty="0" smtClean="0"/>
+              <a:t>)</a:t>
             </a:r>
           </a:p>
         </p:txBody>
@@ -10044,15 +11044,10 @@
             <a:spLocks noGrp="1"/>
           </p:cNvSpPr>
           <p:nvPr>
-            <p:ph type="sldNum" sz="quarter" idx="4294967295"/>
+            <p:ph type="sldNum" sz="quarter" idx="12"/>
           </p:nvPr>
         </p:nvSpPr>
-        <p:spPr>
-          <a:xfrm>
-            <a:off x="8855075" y="188913"/>
-            <a:ext cx="288925" cy="287337"/>
-          </a:xfrm>
-        </p:spPr>
+        <p:spPr/>
         <p:txBody>
           <a:bodyPr/>
           <a:lstStyle/>
@@ -10069,7 +11064,7 @@
     </p:spTree>
     <p:extLst>
       <p:ext uri="{BB962C8B-B14F-4D97-AF65-F5344CB8AC3E}">
-        <p14:creationId xmlns:p14="http://schemas.microsoft.com/office/powerpoint/2010/main" val="3635531313"/>
+        <p14:creationId xmlns:p14="http://schemas.microsoft.com/office/powerpoint/2010/main" val="2911014442"/>
       </p:ext>
     </p:extLst>
   </p:cSld>
@@ -10077,7 +11072,7 @@
     <a:masterClrMapping/>
   </p:clrMapOvr>
   <p:transition spd="slow">
-    <p:pull/>
+    <p:push dir="u"/>
   </p:transition>
   <p:timing>
     <p:tnLst>
@@ -10100,7 +11095,7 @@
                             </p:stCondLst>
                             <p:childTnLst>
                               <p:par>
-                                <p:cTn id="5" presetID="1" presetClass="entr" presetSubtype="0" fill="hold" grpId="0" nodeType="clickEffect">
+                                <p:cTn id="5" presetID="1" presetClass="entr" presetSubtype="0" fill="hold" nodeType="clickEffect">
                                   <p:stCondLst>
                                     <p:cond delay="0"/>
                                   </p:stCondLst>
@@ -10149,7 +11144,7 @@
                             </p:stCondLst>
                             <p:childTnLst>
                               <p:par>
-                                <p:cTn id="9" presetID="1" presetClass="entr" presetSubtype="0" fill="hold" grpId="0" nodeType="clickEffect">
+                                <p:cTn id="9" presetID="1" presetClass="entr" presetSubtype="0" fill="hold" nodeType="clickEffect">
                                   <p:stCondLst>
                                     <p:cond delay="0"/>
                                   </p:stCondLst>
@@ -10164,7 +11159,7 @@
                                         <p:tgtEl>
                                           <p:spTgt spid="6">
                                             <p:txEl>
-                                              <p:pRg st="2" end="2"/>
+                                              <p:pRg st="1" end="1"/>
                                             </p:txEl>
                                           </p:spTgt>
                                         </p:tgtEl>
@@ -10198,7 +11193,7 @@
                             </p:stCondLst>
                             <p:childTnLst>
                               <p:par>
-                                <p:cTn id="13" presetID="1" presetClass="entr" presetSubtype="0" fill="hold" grpId="0" nodeType="clickEffect">
+                                <p:cTn id="13" presetID="1" presetClass="entr" presetSubtype="0" fill="hold" nodeType="clickEffect">
                                   <p:stCondLst>
                                     <p:cond delay="0"/>
                                   </p:stCondLst>
@@ -10213,7 +11208,7 @@
                                         <p:tgtEl>
                                           <p:spTgt spid="6">
                                             <p:txEl>
-                                              <p:pRg st="3" end="3"/>
+                                              <p:pRg st="2" end="2"/>
                                             </p:txEl>
                                           </p:spTgt>
                                         </p:tgtEl>
@@ -10247,7 +11242,7 @@
                             </p:stCondLst>
                             <p:childTnLst>
                               <p:par>
-                                <p:cTn id="17" presetID="1" presetClass="entr" presetSubtype="0" fill="hold" grpId="0" nodeType="clickEffect">
+                                <p:cTn id="17" presetID="1" presetClass="entr" presetSubtype="0" fill="hold" nodeType="clickEffect">
                                   <p:stCondLst>
                                     <p:cond delay="0"/>
                                   </p:stCondLst>
@@ -10262,56 +11257,7 @@
                                         <p:tgtEl>
                                           <p:spTgt spid="6">
                                             <p:txEl>
-                                              <p:pRg st="4" end="4"/>
-                                            </p:txEl>
-                                          </p:spTgt>
-                                        </p:tgtEl>
-                                        <p:attrNameLst>
-                                          <p:attrName>style.visibility</p:attrName>
-                                        </p:attrNameLst>
-                                      </p:cBhvr>
-                                      <p:to>
-                                        <p:strVal val="visible"/>
-                                      </p:to>
-                                    </p:set>
-                                  </p:childTnLst>
-                                </p:cTn>
-                              </p:par>
-                            </p:childTnLst>
-                          </p:cTn>
-                        </p:par>
-                      </p:childTnLst>
-                    </p:cTn>
-                  </p:par>
-                  <p:par>
-                    <p:cTn id="19" fill="hold">
-                      <p:stCondLst>
-                        <p:cond delay="indefinite"/>
-                      </p:stCondLst>
-                      <p:childTnLst>
-                        <p:par>
-                          <p:cTn id="20" fill="hold">
-                            <p:stCondLst>
-                              <p:cond delay="0"/>
-                            </p:stCondLst>
-                            <p:childTnLst>
-                              <p:par>
-                                <p:cTn id="21" presetID="1" presetClass="entr" presetSubtype="0" fill="hold" grpId="0" nodeType="clickEffect">
-                                  <p:stCondLst>
-                                    <p:cond delay="0"/>
-                                  </p:stCondLst>
-                                  <p:childTnLst>
-                                    <p:set>
-                                      <p:cBhvr>
-                                        <p:cTn id="22" dur="1" fill="hold">
-                                          <p:stCondLst>
-                                            <p:cond delay="0"/>
-                                          </p:stCondLst>
-                                        </p:cTn>
-                                        <p:tgtEl>
-                                          <p:spTgt spid="6">
-                                            <p:txEl>
-                                              <p:pRg st="6" end="6"/>
+                                              <p:pRg st="3" end="3"/>
                                             </p:txEl>
                                           </p:spTgt>
                                         </p:tgtEl>
@@ -10353,9 +11299,6 @@
         </p:cTn>
       </p:par>
     </p:tnLst>
-    <p:bldLst>
-      <p:bldP spid="6" grpId="0" build="p"/>
-    </p:bldLst>
   </p:timing>
 </p:sld>
 </file>
@@ -10385,7 +11328,7 @@
         </p:nvGrpSpPr>
         <p:grpSpPr>
           <a:xfrm>
-            <a:off x="611560" y="404664"/>
+            <a:off x="323528" y="404664"/>
             <a:ext cx="3654869" cy="3748773"/>
             <a:chOff x="1115616" y="1484784"/>
             <a:chExt cx="5400600" cy="5539358"/>
@@ -10403,7 +11346,7 @@
             <a:blip r:embed="rId2">
               <a:extLst>
                 <a:ext uri="{28A0092B-C50C-407E-A947-70E740481C1C}">
-                  <a14:useLocalDpi xmlns:a14="http://schemas.microsoft.com/office/drawing/2010/main" val="0"/>
+                  <a14:useLocalDpi xmlns:a14="http://schemas.microsoft.com/office/drawing/2010/main"/>
                 </a:ext>
               </a:extLst>
             </a:blip>
@@ -10607,7 +11550,7 @@
           <a:blip r:embed="rId3">
             <a:extLst>
               <a:ext uri="{28A0092B-C50C-407E-A947-70E740481C1C}">
-                <a14:useLocalDpi xmlns:a14="http://schemas.microsoft.com/office/drawing/2010/main" val="0"/>
+                <a14:useLocalDpi xmlns:a14="http://schemas.microsoft.com/office/drawing/2010/main"/>
               </a:ext>
             </a:extLst>
           </a:blip>
@@ -10618,7 +11561,7 @@
         </p:blipFill>
         <p:spPr bwMode="auto">
           <a:xfrm>
-            <a:off x="2142741" y="1268760"/>
+            <a:off x="1854709" y="1268760"/>
             <a:ext cx="7128792" cy="1445200"/>
           </a:xfrm>
           <a:prstGeom prst="rect">
@@ -10858,10 +11801,10 @@
           <p:nvPr/>
         </p:nvPicPr>
         <p:blipFill>
-          <a:blip r:embed="rId2">
+          <a:blip r:embed="rId2" cstate="screen">
             <a:extLst>
               <a:ext uri="{28A0092B-C50C-407E-A947-70E740481C1C}">
-                <a14:useLocalDpi xmlns:a14="http://schemas.microsoft.com/office/drawing/2010/main" val="0"/>
+                <a14:useLocalDpi xmlns:a14="http://schemas.microsoft.com/office/drawing/2010/main"/>
               </a:ext>
             </a:extLst>
           </a:blip>
@@ -11408,10 +12351,10 @@
           </p:nvPr>
         </p:nvPicPr>
         <p:blipFill>
-          <a:blip r:embed="rId2" cstate="print">
+          <a:blip r:embed="rId2" cstate="screen">
             <a:extLst>
               <a:ext uri="{28A0092B-C50C-407E-A947-70E740481C1C}">
-                <a14:useLocalDpi xmlns:a14="http://schemas.microsoft.com/office/drawing/2010/main" val="0"/>
+                <a14:useLocalDpi xmlns:a14="http://schemas.microsoft.com/office/drawing/2010/main"/>
               </a:ext>
             </a:extLst>
           </a:blip>
@@ -11535,7 +12478,7 @@
           <a:blip r:embed="rId3" cstate="screen">
             <a:extLst>
               <a:ext uri="{28A0092B-C50C-407E-A947-70E740481C1C}">
-                <a14:useLocalDpi xmlns:a14="http://schemas.microsoft.com/office/drawing/2010/main" val="0"/>
+                <a14:useLocalDpi xmlns:a14="http://schemas.microsoft.com/office/drawing/2010/main"/>
               </a:ext>
             </a:extLst>
           </a:blip>
@@ -11572,7 +12515,7 @@
           <a:blip r:embed="rId5" cstate="screen">
             <a:extLst>
               <a:ext uri="{28A0092B-C50C-407E-A947-70E740481C1C}">
-                <a14:useLocalDpi xmlns:a14="http://schemas.microsoft.com/office/drawing/2010/main" val="0"/>
+                <a14:useLocalDpi xmlns:a14="http://schemas.microsoft.com/office/drawing/2010/main"/>
               </a:ext>
             </a:extLst>
           </a:blip>
@@ -12433,10 +13376,10 @@
           <a:lstStyle/>
           <a:p>
             <a:r>
-              <a:rPr lang="en-US" sz="1800" dirty="0" smtClean="0"/>
+              <a:rPr lang="en-US" sz="1800" b="1" dirty="0" smtClean="0"/>
               <a:t>GIT GUI clients</a:t>
             </a:r>
-            <a:endParaRPr lang="en-US" sz="1800" dirty="0"/>
+            <a:endParaRPr lang="en-US" sz="1800" b="1" dirty="0"/>
           </a:p>
         </p:txBody>
       </p:sp>
@@ -12461,6 +13404,17 @@
             <a:normAutofit/>
           </a:bodyPr>
           <a:lstStyle/>
+          <a:p>
+            <a:r>
+              <a:rPr lang="en-US" sz="3200" b="1" dirty="0" smtClean="0"/>
+              <a:t>Eclipse </a:t>
+            </a:r>
+            <a:r>
+              <a:rPr lang="en-US" sz="3200" b="1" dirty="0" err="1" smtClean="0"/>
+              <a:t>eGit</a:t>
+            </a:r>
+            <a:endParaRPr lang="en-US" sz="3200" b="1" dirty="0" smtClean="0"/>
+          </a:p>
           <a:p>
             <a:r>
               <a:rPr lang="en-US" sz="3200" b="1" dirty="0" err="1" smtClean="0"/>
@@ -12951,9 +13905,9 @@
                                           </p:stCondLst>
                                         </p:cTn>
                                         <p:tgtEl>
-                                          <p:spTgt spid="4">
+                                          <p:spTgt spid="3">
                                             <p:txEl>
-                                              <p:pRg st="0" end="0"/>
+                                              <p:pRg st="6" end="6"/>
                                             </p:txEl>
                                           </p:spTgt>
                                         </p:tgtEl>
@@ -12995,6 +13949,55 @@
                                     <p:set>
                                       <p:cBhvr>
                                         <p:cTn id="34" dur="1" fill="hold">
+                                          <p:stCondLst>
+                                            <p:cond delay="0"/>
+                                          </p:stCondLst>
+                                        </p:cTn>
+                                        <p:tgtEl>
+                                          <p:spTgt spid="4">
+                                            <p:txEl>
+                                              <p:pRg st="0" end="0"/>
+                                            </p:txEl>
+                                          </p:spTgt>
+                                        </p:tgtEl>
+                                        <p:attrNameLst>
+                                          <p:attrName>style.visibility</p:attrName>
+                                        </p:attrNameLst>
+                                      </p:cBhvr>
+                                      <p:to>
+                                        <p:strVal val="visible"/>
+                                      </p:to>
+                                    </p:set>
+                                  </p:childTnLst>
+                                </p:cTn>
+                              </p:par>
+                            </p:childTnLst>
+                          </p:cTn>
+                        </p:par>
+                      </p:childTnLst>
+                    </p:cTn>
+                  </p:par>
+                  <p:par>
+                    <p:cTn id="35" fill="hold">
+                      <p:stCondLst>
+                        <p:cond delay="indefinite"/>
+                      </p:stCondLst>
+                      <p:childTnLst>
+                        <p:par>
+                          <p:cTn id="36" fill="hold">
+                            <p:stCondLst>
+                              <p:cond delay="0"/>
+                            </p:stCondLst>
+                            <p:childTnLst>
+                              <p:par>
+                                <p:cTn id="37" presetID="1" presetClass="entr" presetSubtype="0" fill="hold" grpId="0" nodeType="clickEffect">
+                                  <p:stCondLst>
+                                    <p:cond delay="0"/>
+                                  </p:stCondLst>
+                                  <p:childTnLst>
+                                    <p:set>
+                                      <p:cBhvr>
+                                        <p:cTn id="38" dur="1" fill="hold">
                                           <p:stCondLst>
                                             <p:cond delay="0"/>
                                           </p:stCondLst>
@@ -13086,7 +14089,7 @@
           <a:p>
             <a:fld id="{72F8B864-2A5B-4B57-9C52-476B6FC89539}" type="datetime1">
               <a:rPr lang="sv-SE" smtClean="0"/>
-              <a:t>2015-02-17</a:t>
+              <a:t>2015-02-18</a:t>
             </a:fld>
             <a:endParaRPr lang="sv-SE" dirty="0"/>
           </a:p>
@@ -13158,14 +14161,14 @@
           </p:nvPr>
         </p:nvPicPr>
         <p:blipFill>
-          <a:blip r:embed="rId2">
+          <a:blip r:embed="rId2" cstate="screen">
             <a:extLst>
               <a:ext uri="{28A0092B-C50C-407E-A947-70E740481C1C}">
-                <a14:useLocalDpi xmlns:a14="http://schemas.microsoft.com/office/drawing/2010/main" val="0"/>
+                <a14:useLocalDpi xmlns:a14="http://schemas.microsoft.com/office/drawing/2010/main"/>
               </a:ext>
             </a:extLst>
           </a:blip>
-          <a:srcRect t="12866" b="12866"/>
+          <a:srcRect/>
           <a:stretch>
             <a:fillRect/>
           </a:stretch>
@@ -15773,10 +16776,10 @@
           <a:lstStyle/>
           <a:p>
             <a:r>
-              <a:rPr lang="en-US" sz="1800" dirty="0" smtClean="0"/>
+              <a:rPr lang="en-US" sz="1800" b="1" dirty="0" smtClean="0"/>
               <a:t>Kdiff3</a:t>
             </a:r>
-            <a:endParaRPr lang="en-US" sz="1800" dirty="0"/>
+            <a:endParaRPr lang="en-US" sz="1800" b="1" dirty="0"/>
           </a:p>
         </p:txBody>
       </p:sp>
@@ -15791,14 +16794,14 @@
           </p:nvPr>
         </p:nvPicPr>
         <p:blipFill>
-          <a:blip r:embed="rId2" cstate="print">
+          <a:blip r:embed="rId2" cstate="screen">
             <a:extLst>
               <a:ext uri="{28A0092B-C50C-407E-A947-70E740481C1C}">
-                <a14:useLocalDpi xmlns:a14="http://schemas.microsoft.com/office/drawing/2010/main" val="0"/>
+                <a14:useLocalDpi xmlns:a14="http://schemas.microsoft.com/office/drawing/2010/main"/>
               </a:ext>
             </a:extLst>
           </a:blip>
-          <a:srcRect t="8016" b="8016"/>
+          <a:srcRect/>
           <a:stretch>
             <a:fillRect/>
           </a:stretch>
@@ -15829,6 +16832,2134 @@
         <p:cTn id="1" dur="indefinite" restart="never" nodeType="tmRoot"/>
       </p:par>
     </p:tnLst>
+  </p:timing>
+</p:sld>
+</file>
+
+<file path=ppt/slides/slide24.xml><?xml version="1.0" encoding="utf-8"?>
+<p:sld xmlns:a="http://schemas.openxmlformats.org/drawingml/2006/main" xmlns:r="http://schemas.openxmlformats.org/officeDocument/2006/relationships" xmlns:p="http://schemas.openxmlformats.org/presentationml/2006/main">
+  <p:cSld>
+    <p:spTree>
+      <p:nvGrpSpPr>
+        <p:cNvPr id="1" name=""/>
+        <p:cNvGrpSpPr/>
+        <p:nvPr/>
+      </p:nvGrpSpPr>
+      <p:grpSpPr>
+        <a:xfrm>
+          <a:off x="0" y="0"/>
+          <a:ext cx="0" cy="0"/>
+          <a:chOff x="0" y="0"/>
+          <a:chExt cx="0" cy="0"/>
+        </a:xfrm>
+      </p:grpSpPr>
+      <p:sp>
+        <p:nvSpPr>
+          <p:cNvPr id="3" name="Rubrik 2"/>
+          <p:cNvSpPr>
+            <a:spLocks noGrp="1"/>
+          </p:cNvSpPr>
+          <p:nvPr>
+            <p:ph type="title"/>
+          </p:nvPr>
+        </p:nvSpPr>
+        <p:spPr/>
+        <p:txBody>
+          <a:bodyPr>
+            <a:normAutofit/>
+          </a:bodyPr>
+          <a:lstStyle/>
+          <a:p>
+            <a:r>
+              <a:rPr lang="sv-SE" sz="1800" b="1" dirty="0" err="1" smtClean="0"/>
+              <a:t>Things</a:t>
+            </a:r>
+            <a:r>
+              <a:rPr lang="sv-SE" sz="1800" b="1" dirty="0" smtClean="0"/>
+              <a:t> </a:t>
+            </a:r>
+            <a:r>
+              <a:rPr lang="sv-SE" sz="1800" b="1" dirty="0" err="1" smtClean="0"/>
+              <a:t>related</a:t>
+            </a:r>
+            <a:r>
+              <a:rPr lang="sv-SE" sz="1800" b="1" dirty="0" smtClean="0"/>
+              <a:t> </a:t>
+            </a:r>
+            <a:r>
+              <a:rPr lang="sv-SE" sz="1800" b="1" dirty="0" err="1" smtClean="0"/>
+              <a:t>to</a:t>
+            </a:r>
+            <a:r>
+              <a:rPr lang="sv-SE" sz="1800" b="1" dirty="0" smtClean="0"/>
+              <a:t> Git</a:t>
+            </a:r>
+            <a:endParaRPr lang="sv-SE" sz="1800" b="1" dirty="0"/>
+          </a:p>
+        </p:txBody>
+      </p:sp>
+      <p:sp>
+        <p:nvSpPr>
+          <p:cNvPr id="4" name="Platshållare för innehåll 3"/>
+          <p:cNvSpPr>
+            <a:spLocks noGrp="1"/>
+          </p:cNvSpPr>
+          <p:nvPr>
+            <p:ph idx="1"/>
+          </p:nvPr>
+        </p:nvSpPr>
+        <p:spPr/>
+        <p:txBody>
+          <a:bodyPr>
+            <a:normAutofit lnSpcReduction="10000"/>
+          </a:bodyPr>
+          <a:lstStyle/>
+          <a:p>
+            <a:r>
+              <a:rPr lang="sv-SE" dirty="0" smtClean="0"/>
+              <a:t>[</a:t>
+            </a:r>
+            <a:r>
+              <a:rPr lang="sv-SE" b="1" dirty="0" err="1"/>
+              <a:t>Github</a:t>
+            </a:r>
+            <a:r>
+              <a:rPr lang="sv-SE" dirty="0"/>
+              <a:t>](https://github.com/) </a:t>
+            </a:r>
+            <a:r>
+              <a:rPr lang="sv-SE" dirty="0">
+                <a:solidFill>
+                  <a:srgbClr val="FF0096"/>
+                </a:solidFill>
+              </a:rPr>
+              <a:t>(</a:t>
+            </a:r>
+            <a:r>
+              <a:rPr lang="sv-SE" dirty="0" err="1">
+                <a:solidFill>
+                  <a:srgbClr val="FF0096"/>
+                </a:solidFill>
+              </a:rPr>
+              <a:t>probably</a:t>
+            </a:r>
+            <a:r>
+              <a:rPr lang="sv-SE" dirty="0">
+                <a:solidFill>
+                  <a:srgbClr val="FF0096"/>
+                </a:solidFill>
+              </a:rPr>
+              <a:t> </a:t>
+            </a:r>
+            <a:r>
+              <a:rPr lang="sv-SE" dirty="0" err="1">
+                <a:solidFill>
+                  <a:srgbClr val="FF0096"/>
+                </a:solidFill>
+              </a:rPr>
+              <a:t>most</a:t>
+            </a:r>
+            <a:r>
+              <a:rPr lang="sv-SE" dirty="0">
+                <a:solidFill>
+                  <a:srgbClr val="FF0096"/>
+                </a:solidFill>
+              </a:rPr>
+              <a:t> </a:t>
+            </a:r>
+            <a:r>
+              <a:rPr lang="sv-SE" dirty="0" err="1">
+                <a:solidFill>
+                  <a:srgbClr val="FF0096"/>
+                </a:solidFill>
+              </a:rPr>
+              <a:t>popular</a:t>
+            </a:r>
+            <a:r>
+              <a:rPr lang="sv-SE" dirty="0">
+                <a:solidFill>
+                  <a:srgbClr val="FF0096"/>
+                </a:solidFill>
+              </a:rPr>
+              <a:t> public </a:t>
+            </a:r>
+            <a:r>
+              <a:rPr lang="sv-SE" dirty="0" err="1" smtClean="0">
+                <a:solidFill>
+                  <a:srgbClr val="FF0096"/>
+                </a:solidFill>
+              </a:rPr>
+              <a:t>hosting</a:t>
+            </a:r>
+            <a:r>
+              <a:rPr lang="sv-SE" dirty="0" smtClean="0">
+                <a:solidFill>
+                  <a:srgbClr val="FF0096"/>
+                </a:solidFill>
+              </a:rPr>
+              <a:t>)</a:t>
+            </a:r>
+          </a:p>
+          <a:p>
+            <a:r>
+              <a:rPr lang="sv-SE" dirty="0" smtClean="0"/>
+              <a:t>[</a:t>
+            </a:r>
+            <a:r>
+              <a:rPr lang="sv-SE" b="1" dirty="0" err="1"/>
+              <a:t>BitBucket</a:t>
+            </a:r>
+            <a:r>
+              <a:rPr lang="sv-SE" dirty="0"/>
+              <a:t>](https://bitbucket.org/) </a:t>
+            </a:r>
+            <a:r>
+              <a:rPr lang="sv-SE" dirty="0">
+                <a:solidFill>
+                  <a:srgbClr val="FF0096"/>
+                </a:solidFill>
+              </a:rPr>
+              <a:t>(</a:t>
+            </a:r>
+            <a:r>
+              <a:rPr lang="sv-SE" dirty="0" err="1">
+                <a:solidFill>
+                  <a:srgbClr val="FF0096"/>
+                </a:solidFill>
+              </a:rPr>
+              <a:t>another</a:t>
+            </a:r>
+            <a:r>
+              <a:rPr lang="sv-SE" dirty="0">
+                <a:solidFill>
+                  <a:srgbClr val="FF0096"/>
+                </a:solidFill>
+              </a:rPr>
+              <a:t> </a:t>
+            </a:r>
+            <a:r>
+              <a:rPr lang="sv-SE" dirty="0" err="1">
+                <a:solidFill>
+                  <a:srgbClr val="FF0096"/>
+                </a:solidFill>
+              </a:rPr>
+              <a:t>place</a:t>
+            </a:r>
+            <a:r>
+              <a:rPr lang="sv-SE" dirty="0">
+                <a:solidFill>
+                  <a:srgbClr val="FF0096"/>
+                </a:solidFill>
+              </a:rPr>
+              <a:t> </a:t>
+            </a:r>
+            <a:r>
+              <a:rPr lang="sv-SE" dirty="0" err="1">
+                <a:solidFill>
+                  <a:srgbClr val="FF0096"/>
+                </a:solidFill>
+              </a:rPr>
+              <a:t>where</a:t>
+            </a:r>
+            <a:r>
+              <a:rPr lang="sv-SE" dirty="0">
+                <a:solidFill>
+                  <a:srgbClr val="FF0096"/>
+                </a:solidFill>
+              </a:rPr>
+              <a:t> </a:t>
+            </a:r>
+            <a:r>
+              <a:rPr lang="sv-SE" dirty="0" err="1">
+                <a:solidFill>
+                  <a:srgbClr val="FF0096"/>
+                </a:solidFill>
+              </a:rPr>
+              <a:t>you</a:t>
+            </a:r>
+            <a:r>
+              <a:rPr lang="sv-SE" dirty="0">
+                <a:solidFill>
+                  <a:srgbClr val="FF0096"/>
+                </a:solidFill>
+              </a:rPr>
+              <a:t> </a:t>
+            </a:r>
+            <a:r>
+              <a:rPr lang="sv-SE" dirty="0" err="1">
+                <a:solidFill>
+                  <a:srgbClr val="FF0096"/>
+                </a:solidFill>
+              </a:rPr>
+              <a:t>can</a:t>
+            </a:r>
+            <a:r>
+              <a:rPr lang="sv-SE" dirty="0">
+                <a:solidFill>
+                  <a:srgbClr val="FF0096"/>
+                </a:solidFill>
+              </a:rPr>
+              <a:t> do private </a:t>
+            </a:r>
+            <a:r>
+              <a:rPr lang="sv-SE" dirty="0" err="1">
+                <a:solidFill>
+                  <a:srgbClr val="FF0096"/>
+                </a:solidFill>
+              </a:rPr>
+              <a:t>hosting</a:t>
+            </a:r>
+            <a:r>
+              <a:rPr lang="sv-SE" dirty="0">
+                <a:solidFill>
+                  <a:srgbClr val="FF0096"/>
+                </a:solidFill>
+              </a:rPr>
+              <a:t>)</a:t>
+            </a:r>
+          </a:p>
+          <a:p>
+            <a:r>
+              <a:rPr lang="sv-SE" dirty="0" smtClean="0"/>
+              <a:t>[</a:t>
+            </a:r>
+            <a:r>
+              <a:rPr lang="sv-SE" b="1" dirty="0"/>
+              <a:t>Gerrit</a:t>
+            </a:r>
+            <a:r>
+              <a:rPr lang="sv-SE" dirty="0"/>
+              <a:t>](http://code.google.com/p/</a:t>
+            </a:r>
+            <a:r>
+              <a:rPr lang="sv-SE" dirty="0" err="1"/>
+              <a:t>gerrit</a:t>
+            </a:r>
+            <a:r>
+              <a:rPr lang="sv-SE" dirty="0"/>
+              <a:t>/) </a:t>
+            </a:r>
+            <a:r>
+              <a:rPr lang="sv-SE" dirty="0">
+                <a:solidFill>
+                  <a:srgbClr val="FF0096"/>
+                </a:solidFill>
+              </a:rPr>
+              <a:t>(</a:t>
+            </a:r>
+            <a:r>
+              <a:rPr lang="sv-SE" dirty="0" err="1">
+                <a:solidFill>
+                  <a:srgbClr val="FF0096"/>
+                </a:solidFill>
+              </a:rPr>
+              <a:t>code</a:t>
+            </a:r>
+            <a:r>
+              <a:rPr lang="sv-SE" dirty="0">
+                <a:solidFill>
+                  <a:srgbClr val="FF0096"/>
+                </a:solidFill>
+              </a:rPr>
+              <a:t> </a:t>
+            </a:r>
+            <a:r>
+              <a:rPr lang="sv-SE" dirty="0" err="1">
+                <a:solidFill>
+                  <a:srgbClr val="FF0096"/>
+                </a:solidFill>
+              </a:rPr>
+              <a:t>review</a:t>
+            </a:r>
+            <a:r>
+              <a:rPr lang="sv-SE" dirty="0">
+                <a:solidFill>
+                  <a:srgbClr val="FF0096"/>
+                </a:solidFill>
+              </a:rPr>
+              <a:t>)</a:t>
+            </a:r>
+          </a:p>
+          <a:p>
+            <a:r>
+              <a:rPr lang="sv-SE" dirty="0" smtClean="0"/>
+              <a:t>[</a:t>
+            </a:r>
+            <a:r>
+              <a:rPr lang="sv-SE" b="1" dirty="0" err="1"/>
+              <a:t>Gerrithub</a:t>
+            </a:r>
+            <a:r>
+              <a:rPr lang="sv-SE" dirty="0"/>
+              <a:t>](http://gerrithub.io/) </a:t>
+            </a:r>
+            <a:r>
+              <a:rPr lang="sv-SE" dirty="0">
+                <a:solidFill>
+                  <a:srgbClr val="FF0096"/>
+                </a:solidFill>
+              </a:rPr>
+              <a:t>(</a:t>
+            </a:r>
+            <a:r>
+              <a:rPr lang="sv-SE" dirty="0" err="1">
+                <a:solidFill>
+                  <a:srgbClr val="FF0096"/>
+                </a:solidFill>
+              </a:rPr>
+              <a:t>Gerrit+Github</a:t>
+            </a:r>
+            <a:r>
+              <a:rPr lang="sv-SE" dirty="0">
+                <a:solidFill>
+                  <a:srgbClr val="FF0096"/>
+                </a:solidFill>
+              </a:rPr>
+              <a:t>)</a:t>
+            </a:r>
+          </a:p>
+          <a:p>
+            <a:r>
+              <a:rPr lang="sv-SE" dirty="0" smtClean="0"/>
+              <a:t>[</a:t>
+            </a:r>
+            <a:r>
+              <a:rPr lang="sv-SE" b="1" dirty="0" err="1"/>
+              <a:t>Github</a:t>
+            </a:r>
+            <a:r>
+              <a:rPr lang="sv-SE" b="1" dirty="0"/>
+              <a:t> pages</a:t>
+            </a:r>
+            <a:r>
+              <a:rPr lang="sv-SE" dirty="0"/>
+              <a:t>](https://pages.github.com/) </a:t>
+            </a:r>
+            <a:r>
+              <a:rPr lang="sv-SE" dirty="0">
+                <a:solidFill>
+                  <a:srgbClr val="FF0096"/>
+                </a:solidFill>
+              </a:rPr>
+              <a:t>(</a:t>
+            </a:r>
+            <a:r>
+              <a:rPr lang="sv-SE" dirty="0" err="1">
+                <a:solidFill>
+                  <a:srgbClr val="FF0096"/>
+                </a:solidFill>
+              </a:rPr>
+              <a:t>publish</a:t>
+            </a:r>
+            <a:r>
+              <a:rPr lang="sv-SE" dirty="0">
+                <a:solidFill>
+                  <a:srgbClr val="FF0096"/>
+                </a:solidFill>
+              </a:rPr>
+              <a:t> web pages straight from </a:t>
+            </a:r>
+            <a:r>
+              <a:rPr lang="sv-SE" dirty="0" err="1">
+                <a:solidFill>
+                  <a:srgbClr val="FF0096"/>
+                </a:solidFill>
+              </a:rPr>
+              <a:t>your</a:t>
+            </a:r>
+            <a:r>
+              <a:rPr lang="sv-SE" dirty="0">
+                <a:solidFill>
+                  <a:srgbClr val="FF0096"/>
+                </a:solidFill>
+              </a:rPr>
+              <a:t> repo</a:t>
+            </a:r>
+            <a:r>
+              <a:rPr lang="sv-SE" dirty="0" smtClean="0">
+                <a:solidFill>
+                  <a:srgbClr val="FF0096"/>
+                </a:solidFill>
+              </a:rPr>
+              <a:t>)</a:t>
+            </a:r>
+          </a:p>
+          <a:p>
+            <a:r>
+              <a:rPr lang="sv-SE" dirty="0"/>
+              <a:t>[</a:t>
+            </a:r>
+            <a:r>
+              <a:rPr lang="sv-SE" b="1" dirty="0" err="1"/>
+              <a:t>Github</a:t>
+            </a:r>
+            <a:r>
+              <a:rPr lang="sv-SE" b="1" dirty="0"/>
+              <a:t> </a:t>
+            </a:r>
+            <a:r>
+              <a:rPr lang="sv-SE" b="1" dirty="0" err="1"/>
+              <a:t>dotfiles</a:t>
+            </a:r>
+            <a:r>
+              <a:rPr lang="sv-SE" dirty="0"/>
+              <a:t>](https://dotfiles.github.io/) </a:t>
+            </a:r>
+            <a:r>
+              <a:rPr lang="sv-SE" dirty="0" smtClean="0">
+                <a:solidFill>
+                  <a:srgbClr val="FF0096"/>
+                </a:solidFill>
+              </a:rPr>
+              <a:t>(save </a:t>
+            </a:r>
+            <a:r>
+              <a:rPr lang="sv-SE" dirty="0" err="1" smtClean="0">
+                <a:solidFill>
+                  <a:srgbClr val="FF0096"/>
+                </a:solidFill>
+              </a:rPr>
+              <a:t>your</a:t>
+            </a:r>
+            <a:r>
+              <a:rPr lang="sv-SE" dirty="0" smtClean="0">
+                <a:solidFill>
+                  <a:srgbClr val="FF0096"/>
+                </a:solidFill>
+              </a:rPr>
+              <a:t> </a:t>
+            </a:r>
+            <a:r>
+              <a:rPr lang="sv-SE" dirty="0" err="1" smtClean="0">
+                <a:solidFill>
+                  <a:srgbClr val="FF0096"/>
+                </a:solidFill>
+              </a:rPr>
+              <a:t>preferences</a:t>
+            </a:r>
+            <a:r>
+              <a:rPr lang="sv-SE" dirty="0" smtClean="0">
+                <a:solidFill>
+                  <a:srgbClr val="FF0096"/>
+                </a:solidFill>
+              </a:rPr>
+              <a:t> and </a:t>
+            </a:r>
+            <a:r>
+              <a:rPr lang="sv-SE" dirty="0" err="1" smtClean="0">
+                <a:solidFill>
+                  <a:srgbClr val="FF0096"/>
+                </a:solidFill>
+              </a:rPr>
+              <a:t>share</a:t>
+            </a:r>
+            <a:r>
+              <a:rPr lang="sv-SE" dirty="0" smtClean="0">
+                <a:solidFill>
+                  <a:srgbClr val="FF0096"/>
+                </a:solidFill>
+              </a:rPr>
+              <a:t> </a:t>
+            </a:r>
+            <a:r>
+              <a:rPr lang="sv-SE" dirty="0" err="1" smtClean="0">
+                <a:solidFill>
+                  <a:srgbClr val="FF0096"/>
+                </a:solidFill>
+              </a:rPr>
+              <a:t>them</a:t>
+            </a:r>
+            <a:r>
+              <a:rPr lang="sv-SE" dirty="0" smtClean="0">
+                <a:solidFill>
+                  <a:srgbClr val="FF0096"/>
+                </a:solidFill>
+              </a:rPr>
+              <a:t>)</a:t>
+            </a:r>
+            <a:endParaRPr lang="sv-SE" dirty="0">
+              <a:solidFill>
+                <a:srgbClr val="FF0096"/>
+              </a:solidFill>
+            </a:endParaRPr>
+          </a:p>
+          <a:p>
+            <a:r>
+              <a:rPr lang="sv-SE" dirty="0" smtClean="0"/>
+              <a:t>[</a:t>
+            </a:r>
+            <a:r>
+              <a:rPr lang="sv-SE" b="1" dirty="0" err="1"/>
+              <a:t>Github</a:t>
+            </a:r>
+            <a:r>
+              <a:rPr lang="sv-SE" b="1" dirty="0"/>
+              <a:t> gist</a:t>
+            </a:r>
+            <a:r>
+              <a:rPr lang="sv-SE" dirty="0"/>
+              <a:t>](https://gist.github.com/) </a:t>
+            </a:r>
+            <a:r>
+              <a:rPr lang="sv-SE" dirty="0">
+                <a:solidFill>
+                  <a:srgbClr val="FF0096"/>
+                </a:solidFill>
+              </a:rPr>
+              <a:t>(</a:t>
+            </a:r>
+            <a:r>
+              <a:rPr lang="sv-SE" dirty="0" err="1">
+                <a:solidFill>
+                  <a:srgbClr val="FF0096"/>
+                </a:solidFill>
+              </a:rPr>
+              <a:t>CM'ed</a:t>
+            </a:r>
+            <a:r>
+              <a:rPr lang="sv-SE" dirty="0">
+                <a:solidFill>
+                  <a:srgbClr val="FF0096"/>
+                </a:solidFill>
+              </a:rPr>
+              <a:t> pastebin service - CM </a:t>
+            </a:r>
+            <a:r>
+              <a:rPr lang="sv-SE" dirty="0" err="1">
+                <a:solidFill>
+                  <a:srgbClr val="FF0096"/>
+                </a:solidFill>
+              </a:rPr>
+              <a:t>everything</a:t>
+            </a:r>
+            <a:r>
+              <a:rPr lang="sv-SE" dirty="0">
+                <a:solidFill>
+                  <a:srgbClr val="FF0096"/>
+                </a:solidFill>
+              </a:rPr>
+              <a:t>!)</a:t>
+            </a:r>
+          </a:p>
+          <a:p>
+            <a:r>
+              <a:rPr lang="sv-SE" dirty="0" smtClean="0"/>
+              <a:t>[</a:t>
+            </a:r>
+            <a:r>
+              <a:rPr lang="sv-SE" b="1" dirty="0" err="1"/>
+              <a:t>Gitorious</a:t>
+            </a:r>
+            <a:r>
+              <a:rPr lang="sv-SE" b="1" dirty="0"/>
+              <a:t> server</a:t>
+            </a:r>
+            <a:r>
+              <a:rPr lang="sv-SE" dirty="0"/>
+              <a:t>](https://gitorious.org/) </a:t>
+            </a:r>
+            <a:r>
+              <a:rPr lang="sv-SE" dirty="0">
+                <a:solidFill>
+                  <a:srgbClr val="FF0096"/>
+                </a:solidFill>
+              </a:rPr>
+              <a:t>(private </a:t>
+            </a:r>
+            <a:r>
+              <a:rPr lang="sv-SE" dirty="0" err="1">
+                <a:solidFill>
+                  <a:srgbClr val="FF0096"/>
+                </a:solidFill>
+              </a:rPr>
+              <a:t>repository</a:t>
+            </a:r>
+            <a:r>
+              <a:rPr lang="sv-SE" dirty="0">
+                <a:solidFill>
+                  <a:srgbClr val="FF0096"/>
+                </a:solidFill>
+              </a:rPr>
+              <a:t> server)</a:t>
+            </a:r>
+          </a:p>
+          <a:p>
+            <a:r>
+              <a:rPr lang="sv-SE" dirty="0" smtClean="0"/>
+              <a:t>[</a:t>
+            </a:r>
+            <a:r>
+              <a:rPr lang="sv-SE" b="1" dirty="0" err="1"/>
+              <a:t>Semantic</a:t>
+            </a:r>
+            <a:r>
+              <a:rPr lang="sv-SE" b="1" dirty="0"/>
+              <a:t> </a:t>
+            </a:r>
+            <a:r>
+              <a:rPr lang="sv-SE" b="1" dirty="0" err="1"/>
+              <a:t>Merge</a:t>
+            </a:r>
+            <a:r>
+              <a:rPr lang="sv-SE" dirty="0"/>
+              <a:t>](http://www.semanticmerge.com/) </a:t>
+            </a:r>
+            <a:r>
+              <a:rPr lang="sv-SE" dirty="0">
+                <a:solidFill>
+                  <a:srgbClr val="FF0096"/>
+                </a:solidFill>
+              </a:rPr>
+              <a:t>(</a:t>
+            </a:r>
+            <a:r>
+              <a:rPr lang="sv-SE" dirty="0" err="1">
+                <a:solidFill>
+                  <a:srgbClr val="FF0096"/>
+                </a:solidFill>
+              </a:rPr>
+              <a:t>semantically</a:t>
+            </a:r>
+            <a:r>
+              <a:rPr lang="sv-SE" dirty="0">
+                <a:solidFill>
+                  <a:srgbClr val="FF0096"/>
+                </a:solidFill>
+              </a:rPr>
+              <a:t> </a:t>
+            </a:r>
+            <a:r>
+              <a:rPr lang="sv-SE" dirty="0" err="1">
+                <a:solidFill>
+                  <a:srgbClr val="FF0096"/>
+                </a:solidFill>
+              </a:rPr>
+              <a:t>aware</a:t>
+            </a:r>
+            <a:r>
+              <a:rPr lang="sv-SE" dirty="0">
+                <a:solidFill>
+                  <a:srgbClr val="FF0096"/>
+                </a:solidFill>
+              </a:rPr>
+              <a:t> </a:t>
+            </a:r>
+            <a:r>
+              <a:rPr lang="sv-SE" dirty="0" err="1">
+                <a:solidFill>
+                  <a:srgbClr val="FF0096"/>
+                </a:solidFill>
+              </a:rPr>
+              <a:t>merge</a:t>
+            </a:r>
+            <a:r>
+              <a:rPr lang="sv-SE" dirty="0">
+                <a:solidFill>
+                  <a:srgbClr val="FF0096"/>
+                </a:solidFill>
+              </a:rPr>
+              <a:t>/</a:t>
+            </a:r>
+            <a:r>
+              <a:rPr lang="sv-SE" dirty="0" err="1">
+                <a:solidFill>
+                  <a:srgbClr val="FF0096"/>
+                </a:solidFill>
+              </a:rPr>
+              <a:t>diff</a:t>
+            </a:r>
+            <a:r>
+              <a:rPr lang="sv-SE" dirty="0">
+                <a:solidFill>
+                  <a:srgbClr val="FF0096"/>
+                </a:solidFill>
+              </a:rPr>
+              <a:t> </a:t>
+            </a:r>
+            <a:r>
+              <a:rPr lang="sv-SE" dirty="0" err="1">
+                <a:solidFill>
+                  <a:srgbClr val="FF0096"/>
+                </a:solidFill>
+              </a:rPr>
+              <a:t>tool</a:t>
+            </a:r>
+            <a:r>
+              <a:rPr lang="sv-SE" dirty="0">
+                <a:solidFill>
+                  <a:srgbClr val="FF0096"/>
+                </a:solidFill>
+              </a:rPr>
+              <a:t> by the </a:t>
+            </a:r>
+            <a:r>
+              <a:rPr lang="sv-SE" dirty="0" err="1">
+                <a:solidFill>
+                  <a:srgbClr val="FF0096"/>
+                </a:solidFill>
+              </a:rPr>
+              <a:t>authors</a:t>
+            </a:r>
+            <a:r>
+              <a:rPr lang="sv-SE" dirty="0">
+                <a:solidFill>
+                  <a:srgbClr val="FF0096"/>
+                </a:solidFill>
+              </a:rPr>
+              <a:t> </a:t>
+            </a:r>
+            <a:r>
+              <a:rPr lang="sv-SE" dirty="0" err="1">
+                <a:solidFill>
+                  <a:srgbClr val="FF0096"/>
+                </a:solidFill>
+              </a:rPr>
+              <a:t>of</a:t>
+            </a:r>
+            <a:r>
+              <a:rPr lang="sv-SE" dirty="0">
+                <a:solidFill>
+                  <a:srgbClr val="FF0096"/>
+                </a:solidFill>
+              </a:rPr>
+              <a:t> Plastic SCM)</a:t>
+            </a:r>
+          </a:p>
+          <a:p>
+            <a:r>
+              <a:rPr lang="sv-SE" dirty="0" smtClean="0"/>
+              <a:t>[</a:t>
+            </a:r>
+            <a:r>
+              <a:rPr lang="sv-SE" b="1" dirty="0" err="1"/>
+              <a:t>Araxis</a:t>
+            </a:r>
+            <a:r>
+              <a:rPr lang="sv-SE" b="1" dirty="0"/>
+              <a:t> </a:t>
+            </a:r>
+            <a:r>
+              <a:rPr lang="sv-SE" b="1" dirty="0" err="1"/>
+              <a:t>Merge</a:t>
+            </a:r>
+            <a:r>
+              <a:rPr lang="sv-SE" dirty="0"/>
+              <a:t>](http://www.araxis.com/</a:t>
+            </a:r>
+            <a:r>
+              <a:rPr lang="sv-SE" dirty="0" err="1"/>
+              <a:t>merge</a:t>
+            </a:r>
+            <a:r>
+              <a:rPr lang="sv-SE" dirty="0"/>
+              <a:t>/) </a:t>
+            </a:r>
+            <a:r>
+              <a:rPr lang="sv-SE" dirty="0">
+                <a:solidFill>
+                  <a:srgbClr val="FF0096"/>
+                </a:solidFill>
+              </a:rPr>
+              <a:t>(</a:t>
+            </a:r>
+            <a:r>
+              <a:rPr lang="sv-SE" dirty="0" err="1">
+                <a:solidFill>
+                  <a:srgbClr val="FF0096"/>
+                </a:solidFill>
+              </a:rPr>
+              <a:t>Merge</a:t>
+            </a:r>
+            <a:r>
+              <a:rPr lang="sv-SE" dirty="0">
+                <a:solidFill>
+                  <a:srgbClr val="FF0096"/>
+                </a:solidFill>
+              </a:rPr>
+              <a:t> </a:t>
+            </a:r>
+            <a:r>
+              <a:rPr lang="sv-SE" dirty="0" err="1">
+                <a:solidFill>
+                  <a:srgbClr val="FF0096"/>
+                </a:solidFill>
+              </a:rPr>
+              <a:t>office</a:t>
+            </a:r>
+            <a:r>
+              <a:rPr lang="sv-SE" dirty="0">
+                <a:solidFill>
+                  <a:srgbClr val="FF0096"/>
+                </a:solidFill>
+              </a:rPr>
+              <a:t> </a:t>
+            </a:r>
+            <a:r>
+              <a:rPr lang="sv-SE" dirty="0" err="1">
+                <a:solidFill>
+                  <a:srgbClr val="FF0096"/>
+                </a:solidFill>
+              </a:rPr>
+              <a:t>docs</a:t>
+            </a:r>
+            <a:r>
+              <a:rPr lang="sv-SE" dirty="0">
+                <a:solidFill>
+                  <a:srgbClr val="FF0096"/>
+                </a:solidFill>
+              </a:rPr>
+              <a:t> </a:t>
+            </a:r>
+            <a:r>
+              <a:rPr lang="sv-SE" dirty="0" err="1">
+                <a:solidFill>
+                  <a:srgbClr val="FF0096"/>
+                </a:solidFill>
+              </a:rPr>
+              <a:t>etc</a:t>
+            </a:r>
+            <a:r>
+              <a:rPr lang="sv-SE" dirty="0">
+                <a:solidFill>
+                  <a:srgbClr val="FF0096"/>
+                </a:solidFill>
+              </a:rPr>
+              <a:t>, Windows &amp; OS X)</a:t>
+            </a:r>
+          </a:p>
+          <a:p>
+            <a:r>
+              <a:rPr lang="sv-SE" dirty="0" smtClean="0"/>
+              <a:t>[</a:t>
+            </a:r>
+            <a:r>
+              <a:rPr lang="sv-SE" b="1" dirty="0" err="1"/>
+              <a:t>Deltawalker</a:t>
+            </a:r>
+            <a:r>
+              <a:rPr lang="sv-SE" dirty="0"/>
+              <a:t>](http://www.deltopia.com/</a:t>
+            </a:r>
+            <a:r>
+              <a:rPr lang="sv-SE" dirty="0" err="1"/>
+              <a:t>compare-merge-sync</a:t>
+            </a:r>
+            <a:r>
+              <a:rPr lang="sv-SE" dirty="0"/>
+              <a:t>/</a:t>
+            </a:r>
+            <a:r>
+              <a:rPr lang="sv-SE" dirty="0" err="1"/>
+              <a:t>macosx</a:t>
+            </a:r>
+            <a:r>
+              <a:rPr lang="sv-SE" dirty="0"/>
+              <a:t>/) </a:t>
+            </a:r>
+            <a:r>
+              <a:rPr lang="sv-SE" dirty="0">
+                <a:solidFill>
+                  <a:srgbClr val="FF0096"/>
+                </a:solidFill>
+              </a:rPr>
+              <a:t>([et al...]</a:t>
+            </a:r>
+            <a:r>
+              <a:rPr lang="sv-SE" dirty="0"/>
+              <a:t>(http://www.git-tower.com/</a:t>
+            </a:r>
+            <a:r>
+              <a:rPr lang="sv-SE" dirty="0" err="1"/>
+              <a:t>blog</a:t>
+            </a:r>
+            <a:r>
+              <a:rPr lang="sv-SE" dirty="0"/>
+              <a:t>/</a:t>
+            </a:r>
+            <a:r>
+              <a:rPr lang="sv-SE" dirty="0" err="1"/>
+              <a:t>diff-tools-mac</a:t>
+            </a:r>
+            <a:r>
+              <a:rPr lang="sv-SE" dirty="0" smtClean="0"/>
+              <a:t>/))</a:t>
+            </a:r>
+          </a:p>
+          <a:p>
+            <a:r>
+              <a:rPr lang="sv-SE" dirty="0" smtClean="0"/>
+              <a:t>[</a:t>
+            </a:r>
+            <a:r>
+              <a:rPr lang="sv-SE" b="1" dirty="0" err="1"/>
+              <a:t>Travis</a:t>
+            </a:r>
+            <a:r>
+              <a:rPr lang="sv-SE" b="1" dirty="0"/>
+              <a:t> CI</a:t>
+            </a:r>
+            <a:r>
+              <a:rPr lang="sv-SE" dirty="0"/>
+              <a:t>](https://travis-ci.com/), [</a:t>
+            </a:r>
+            <a:r>
+              <a:rPr lang="sv-SE" b="1" dirty="0" err="1"/>
+              <a:t>BuildHive</a:t>
+            </a:r>
+            <a:r>
+              <a:rPr lang="sv-SE" dirty="0"/>
+              <a:t>](http://en.wikipedia.org/</a:t>
+            </a:r>
+            <a:r>
+              <a:rPr lang="sv-SE" dirty="0" err="1"/>
+              <a:t>wiki</a:t>
+            </a:r>
+            <a:r>
+              <a:rPr lang="sv-SE" dirty="0"/>
+              <a:t>/</a:t>
+            </a:r>
+            <a:r>
+              <a:rPr lang="sv-SE" dirty="0" err="1"/>
+              <a:t>BuildHive</a:t>
+            </a:r>
+            <a:r>
+              <a:rPr lang="sv-SE" dirty="0" smtClean="0"/>
+              <a:t>), </a:t>
+            </a:r>
+            <a:r>
+              <a:rPr lang="sv-SE" b="1" dirty="0" smtClean="0"/>
+              <a:t>Jenkins</a:t>
+            </a:r>
+            <a:r>
+              <a:rPr lang="sv-SE" dirty="0" smtClean="0">
+                <a:solidFill>
+                  <a:srgbClr val="FF0096"/>
+                </a:solidFill>
+              </a:rPr>
+              <a:t> (</a:t>
+            </a:r>
+            <a:r>
+              <a:rPr lang="sv-SE" dirty="0" err="1">
+                <a:solidFill>
+                  <a:srgbClr val="FF0096"/>
+                </a:solidFill>
+              </a:rPr>
+              <a:t>continuous</a:t>
+            </a:r>
+            <a:r>
+              <a:rPr lang="sv-SE" dirty="0">
+                <a:solidFill>
+                  <a:srgbClr val="FF0096"/>
+                </a:solidFill>
+              </a:rPr>
+              <a:t> integration servers)</a:t>
+            </a:r>
+          </a:p>
+          <a:p>
+            <a:r>
+              <a:rPr lang="sv-SE" dirty="0"/>
+              <a:t>[</a:t>
+            </a:r>
+            <a:r>
+              <a:rPr lang="sv-SE" b="1" dirty="0" err="1"/>
+              <a:t>Puppet</a:t>
+            </a:r>
+            <a:r>
+              <a:rPr lang="sv-SE" dirty="0"/>
+              <a:t>](http://en.wikipedia.org/</a:t>
+            </a:r>
+            <a:r>
+              <a:rPr lang="sv-SE" dirty="0" err="1"/>
+              <a:t>wiki</a:t>
+            </a:r>
+            <a:r>
+              <a:rPr lang="sv-SE" dirty="0"/>
+              <a:t>/</a:t>
+            </a:r>
+            <a:r>
+              <a:rPr lang="sv-SE" dirty="0" err="1"/>
+              <a:t>Puppet</a:t>
+            </a:r>
+            <a:r>
+              <a:rPr lang="sv-SE" dirty="0"/>
+              <a:t>_\(software\)) </a:t>
+            </a:r>
+            <a:r>
+              <a:rPr lang="sv-SE" dirty="0">
+                <a:solidFill>
+                  <a:srgbClr val="FF0096"/>
+                </a:solidFill>
+              </a:rPr>
+              <a:t>("Conventional" CM server software)</a:t>
+            </a:r>
+          </a:p>
+          <a:p>
+            <a:r>
+              <a:rPr lang="sv-SE" dirty="0" smtClean="0"/>
+              <a:t>[</a:t>
+            </a:r>
+            <a:r>
+              <a:rPr lang="sv-SE" b="1" dirty="0" err="1"/>
+              <a:t>Jira</a:t>
+            </a:r>
+            <a:r>
+              <a:rPr lang="sv-SE" dirty="0"/>
+              <a:t>](http://en.wikipedia.org/</a:t>
+            </a:r>
+            <a:r>
+              <a:rPr lang="sv-SE" dirty="0" err="1"/>
+              <a:t>wiki</a:t>
+            </a:r>
+            <a:r>
+              <a:rPr lang="sv-SE" dirty="0"/>
+              <a:t>/JIRA) ([</a:t>
+            </a:r>
+            <a:r>
+              <a:rPr lang="sv-SE" dirty="0" err="1">
+                <a:solidFill>
+                  <a:srgbClr val="FF0096"/>
+                </a:solidFill>
+              </a:rPr>
+              <a:t>Issue</a:t>
+            </a:r>
+            <a:r>
+              <a:rPr lang="sv-SE" dirty="0">
+                <a:solidFill>
+                  <a:srgbClr val="FF0096"/>
+                </a:solidFill>
+              </a:rPr>
+              <a:t> </a:t>
+            </a:r>
+            <a:r>
+              <a:rPr lang="sv-SE" dirty="0" err="1">
+                <a:solidFill>
+                  <a:srgbClr val="FF0096"/>
+                </a:solidFill>
+              </a:rPr>
+              <a:t>tracking</a:t>
+            </a:r>
+            <a:r>
+              <a:rPr lang="sv-SE" dirty="0"/>
+              <a:t>](http://en.wikipedia.org/</a:t>
+            </a:r>
+            <a:r>
+              <a:rPr lang="sv-SE" dirty="0" err="1"/>
+              <a:t>wiki</a:t>
+            </a:r>
+            <a:r>
+              <a:rPr lang="sv-SE" dirty="0"/>
+              <a:t>/</a:t>
+            </a:r>
+            <a:r>
+              <a:rPr lang="sv-SE" dirty="0" err="1"/>
+              <a:t>Comparison_of_issue-tracking_systems</a:t>
+            </a:r>
+            <a:r>
+              <a:rPr lang="sv-SE" dirty="0"/>
+              <a:t>) server)</a:t>
+            </a:r>
+          </a:p>
+        </p:txBody>
+      </p:sp>
+    </p:spTree>
+    <p:extLst>
+      <p:ext uri="{BB962C8B-B14F-4D97-AF65-F5344CB8AC3E}">
+        <p14:creationId xmlns:p14="http://schemas.microsoft.com/office/powerpoint/2010/main" val="4036804383"/>
+      </p:ext>
+    </p:extLst>
+  </p:cSld>
+  <p:clrMapOvr>
+    <a:masterClrMapping/>
+  </p:clrMapOvr>
+  <p:transition spd="slow">
+    <p:push dir="u"/>
+  </p:transition>
+  <p:timing>
+    <p:tnLst>
+      <p:par>
+        <p:cTn id="1" dur="indefinite" restart="never" nodeType="tmRoot">
+          <p:childTnLst>
+            <p:seq concurrent="1" nextAc="seek">
+              <p:cTn id="2" dur="indefinite" nodeType="mainSeq">
+                <p:childTnLst>
+                  <p:par>
+                    <p:cTn id="3" fill="hold">
+                      <p:stCondLst>
+                        <p:cond delay="indefinite"/>
+                      </p:stCondLst>
+                      <p:childTnLst>
+                        <p:par>
+                          <p:cTn id="4" fill="hold">
+                            <p:stCondLst>
+                              <p:cond delay="0"/>
+                            </p:stCondLst>
+                            <p:childTnLst>
+                              <p:par>
+                                <p:cTn id="5" presetID="1" presetClass="entr" presetSubtype="0" fill="hold" nodeType="clickEffect">
+                                  <p:stCondLst>
+                                    <p:cond delay="0"/>
+                                  </p:stCondLst>
+                                  <p:childTnLst>
+                                    <p:set>
+                                      <p:cBhvr>
+                                        <p:cTn id="6" dur="1" fill="hold">
+                                          <p:stCondLst>
+                                            <p:cond delay="0"/>
+                                          </p:stCondLst>
+                                        </p:cTn>
+                                        <p:tgtEl>
+                                          <p:spTgt spid="4">
+                                            <p:txEl>
+                                              <p:pRg st="0" end="0"/>
+                                            </p:txEl>
+                                          </p:spTgt>
+                                        </p:tgtEl>
+                                        <p:attrNameLst>
+                                          <p:attrName>style.visibility</p:attrName>
+                                        </p:attrNameLst>
+                                      </p:cBhvr>
+                                      <p:to>
+                                        <p:strVal val="visible"/>
+                                      </p:to>
+                                    </p:set>
+                                  </p:childTnLst>
+                                </p:cTn>
+                              </p:par>
+                            </p:childTnLst>
+                          </p:cTn>
+                        </p:par>
+                      </p:childTnLst>
+                    </p:cTn>
+                  </p:par>
+                  <p:par>
+                    <p:cTn id="7" fill="hold">
+                      <p:stCondLst>
+                        <p:cond delay="indefinite"/>
+                      </p:stCondLst>
+                      <p:childTnLst>
+                        <p:par>
+                          <p:cTn id="8" fill="hold">
+                            <p:stCondLst>
+                              <p:cond delay="0"/>
+                            </p:stCondLst>
+                            <p:childTnLst>
+                              <p:par>
+                                <p:cTn id="9" presetID="1" presetClass="entr" presetSubtype="0" fill="hold" nodeType="clickEffect">
+                                  <p:stCondLst>
+                                    <p:cond delay="0"/>
+                                  </p:stCondLst>
+                                  <p:childTnLst>
+                                    <p:set>
+                                      <p:cBhvr>
+                                        <p:cTn id="10" dur="1" fill="hold">
+                                          <p:stCondLst>
+                                            <p:cond delay="0"/>
+                                          </p:stCondLst>
+                                        </p:cTn>
+                                        <p:tgtEl>
+                                          <p:spTgt spid="4">
+                                            <p:txEl>
+                                              <p:pRg st="1" end="1"/>
+                                            </p:txEl>
+                                          </p:spTgt>
+                                        </p:tgtEl>
+                                        <p:attrNameLst>
+                                          <p:attrName>style.visibility</p:attrName>
+                                        </p:attrNameLst>
+                                      </p:cBhvr>
+                                      <p:to>
+                                        <p:strVal val="visible"/>
+                                      </p:to>
+                                    </p:set>
+                                  </p:childTnLst>
+                                </p:cTn>
+                              </p:par>
+                            </p:childTnLst>
+                          </p:cTn>
+                        </p:par>
+                      </p:childTnLst>
+                    </p:cTn>
+                  </p:par>
+                  <p:par>
+                    <p:cTn id="11" fill="hold">
+                      <p:stCondLst>
+                        <p:cond delay="indefinite"/>
+                      </p:stCondLst>
+                      <p:childTnLst>
+                        <p:par>
+                          <p:cTn id="12" fill="hold">
+                            <p:stCondLst>
+                              <p:cond delay="0"/>
+                            </p:stCondLst>
+                            <p:childTnLst>
+                              <p:par>
+                                <p:cTn id="13" presetID="1" presetClass="entr" presetSubtype="0" fill="hold" nodeType="clickEffect">
+                                  <p:stCondLst>
+                                    <p:cond delay="0"/>
+                                  </p:stCondLst>
+                                  <p:childTnLst>
+                                    <p:set>
+                                      <p:cBhvr>
+                                        <p:cTn id="14" dur="1" fill="hold">
+                                          <p:stCondLst>
+                                            <p:cond delay="0"/>
+                                          </p:stCondLst>
+                                        </p:cTn>
+                                        <p:tgtEl>
+                                          <p:spTgt spid="4">
+                                            <p:txEl>
+                                              <p:pRg st="2" end="2"/>
+                                            </p:txEl>
+                                          </p:spTgt>
+                                        </p:tgtEl>
+                                        <p:attrNameLst>
+                                          <p:attrName>style.visibility</p:attrName>
+                                        </p:attrNameLst>
+                                      </p:cBhvr>
+                                      <p:to>
+                                        <p:strVal val="visible"/>
+                                      </p:to>
+                                    </p:set>
+                                  </p:childTnLst>
+                                </p:cTn>
+                              </p:par>
+                            </p:childTnLst>
+                          </p:cTn>
+                        </p:par>
+                      </p:childTnLst>
+                    </p:cTn>
+                  </p:par>
+                  <p:par>
+                    <p:cTn id="15" fill="hold">
+                      <p:stCondLst>
+                        <p:cond delay="indefinite"/>
+                      </p:stCondLst>
+                      <p:childTnLst>
+                        <p:par>
+                          <p:cTn id="16" fill="hold">
+                            <p:stCondLst>
+                              <p:cond delay="0"/>
+                            </p:stCondLst>
+                            <p:childTnLst>
+                              <p:par>
+                                <p:cTn id="17" presetID="1" presetClass="entr" presetSubtype="0" fill="hold" nodeType="clickEffect">
+                                  <p:stCondLst>
+                                    <p:cond delay="0"/>
+                                  </p:stCondLst>
+                                  <p:childTnLst>
+                                    <p:set>
+                                      <p:cBhvr>
+                                        <p:cTn id="18" dur="1" fill="hold">
+                                          <p:stCondLst>
+                                            <p:cond delay="0"/>
+                                          </p:stCondLst>
+                                        </p:cTn>
+                                        <p:tgtEl>
+                                          <p:spTgt spid="4">
+                                            <p:txEl>
+                                              <p:pRg st="3" end="3"/>
+                                            </p:txEl>
+                                          </p:spTgt>
+                                        </p:tgtEl>
+                                        <p:attrNameLst>
+                                          <p:attrName>style.visibility</p:attrName>
+                                        </p:attrNameLst>
+                                      </p:cBhvr>
+                                      <p:to>
+                                        <p:strVal val="visible"/>
+                                      </p:to>
+                                    </p:set>
+                                  </p:childTnLst>
+                                </p:cTn>
+                              </p:par>
+                            </p:childTnLst>
+                          </p:cTn>
+                        </p:par>
+                      </p:childTnLst>
+                    </p:cTn>
+                  </p:par>
+                  <p:par>
+                    <p:cTn id="19" fill="hold">
+                      <p:stCondLst>
+                        <p:cond delay="indefinite"/>
+                      </p:stCondLst>
+                      <p:childTnLst>
+                        <p:par>
+                          <p:cTn id="20" fill="hold">
+                            <p:stCondLst>
+                              <p:cond delay="0"/>
+                            </p:stCondLst>
+                            <p:childTnLst>
+                              <p:par>
+                                <p:cTn id="21" presetID="1" presetClass="entr" presetSubtype="0" fill="hold" nodeType="clickEffect">
+                                  <p:stCondLst>
+                                    <p:cond delay="0"/>
+                                  </p:stCondLst>
+                                  <p:childTnLst>
+                                    <p:set>
+                                      <p:cBhvr>
+                                        <p:cTn id="22" dur="1" fill="hold">
+                                          <p:stCondLst>
+                                            <p:cond delay="0"/>
+                                          </p:stCondLst>
+                                        </p:cTn>
+                                        <p:tgtEl>
+                                          <p:spTgt spid="4">
+                                            <p:txEl>
+                                              <p:pRg st="4" end="4"/>
+                                            </p:txEl>
+                                          </p:spTgt>
+                                        </p:tgtEl>
+                                        <p:attrNameLst>
+                                          <p:attrName>style.visibility</p:attrName>
+                                        </p:attrNameLst>
+                                      </p:cBhvr>
+                                      <p:to>
+                                        <p:strVal val="visible"/>
+                                      </p:to>
+                                    </p:set>
+                                  </p:childTnLst>
+                                </p:cTn>
+                              </p:par>
+                            </p:childTnLst>
+                          </p:cTn>
+                        </p:par>
+                      </p:childTnLst>
+                    </p:cTn>
+                  </p:par>
+                  <p:par>
+                    <p:cTn id="23" fill="hold">
+                      <p:stCondLst>
+                        <p:cond delay="indefinite"/>
+                      </p:stCondLst>
+                      <p:childTnLst>
+                        <p:par>
+                          <p:cTn id="24" fill="hold">
+                            <p:stCondLst>
+                              <p:cond delay="0"/>
+                            </p:stCondLst>
+                            <p:childTnLst>
+                              <p:par>
+                                <p:cTn id="25" presetID="1" presetClass="entr" presetSubtype="0" fill="hold" nodeType="clickEffect">
+                                  <p:stCondLst>
+                                    <p:cond delay="0"/>
+                                  </p:stCondLst>
+                                  <p:childTnLst>
+                                    <p:set>
+                                      <p:cBhvr>
+                                        <p:cTn id="26" dur="1" fill="hold">
+                                          <p:stCondLst>
+                                            <p:cond delay="0"/>
+                                          </p:stCondLst>
+                                        </p:cTn>
+                                        <p:tgtEl>
+                                          <p:spTgt spid="4">
+                                            <p:txEl>
+                                              <p:pRg st="5" end="5"/>
+                                            </p:txEl>
+                                          </p:spTgt>
+                                        </p:tgtEl>
+                                        <p:attrNameLst>
+                                          <p:attrName>style.visibility</p:attrName>
+                                        </p:attrNameLst>
+                                      </p:cBhvr>
+                                      <p:to>
+                                        <p:strVal val="visible"/>
+                                      </p:to>
+                                    </p:set>
+                                  </p:childTnLst>
+                                </p:cTn>
+                              </p:par>
+                            </p:childTnLst>
+                          </p:cTn>
+                        </p:par>
+                      </p:childTnLst>
+                    </p:cTn>
+                  </p:par>
+                  <p:par>
+                    <p:cTn id="27" fill="hold">
+                      <p:stCondLst>
+                        <p:cond delay="indefinite"/>
+                      </p:stCondLst>
+                      <p:childTnLst>
+                        <p:par>
+                          <p:cTn id="28" fill="hold">
+                            <p:stCondLst>
+                              <p:cond delay="0"/>
+                            </p:stCondLst>
+                            <p:childTnLst>
+                              <p:par>
+                                <p:cTn id="29" presetID="1" presetClass="entr" presetSubtype="0" fill="hold" nodeType="clickEffect">
+                                  <p:stCondLst>
+                                    <p:cond delay="0"/>
+                                  </p:stCondLst>
+                                  <p:childTnLst>
+                                    <p:set>
+                                      <p:cBhvr>
+                                        <p:cTn id="30" dur="1" fill="hold">
+                                          <p:stCondLst>
+                                            <p:cond delay="0"/>
+                                          </p:stCondLst>
+                                        </p:cTn>
+                                        <p:tgtEl>
+                                          <p:spTgt spid="4">
+                                            <p:txEl>
+                                              <p:pRg st="6" end="6"/>
+                                            </p:txEl>
+                                          </p:spTgt>
+                                        </p:tgtEl>
+                                        <p:attrNameLst>
+                                          <p:attrName>style.visibility</p:attrName>
+                                        </p:attrNameLst>
+                                      </p:cBhvr>
+                                      <p:to>
+                                        <p:strVal val="visible"/>
+                                      </p:to>
+                                    </p:set>
+                                  </p:childTnLst>
+                                </p:cTn>
+                              </p:par>
+                            </p:childTnLst>
+                          </p:cTn>
+                        </p:par>
+                      </p:childTnLst>
+                    </p:cTn>
+                  </p:par>
+                  <p:par>
+                    <p:cTn id="31" fill="hold">
+                      <p:stCondLst>
+                        <p:cond delay="indefinite"/>
+                      </p:stCondLst>
+                      <p:childTnLst>
+                        <p:par>
+                          <p:cTn id="32" fill="hold">
+                            <p:stCondLst>
+                              <p:cond delay="0"/>
+                            </p:stCondLst>
+                            <p:childTnLst>
+                              <p:par>
+                                <p:cTn id="33" presetID="1" presetClass="entr" presetSubtype="0" fill="hold" nodeType="clickEffect">
+                                  <p:stCondLst>
+                                    <p:cond delay="0"/>
+                                  </p:stCondLst>
+                                  <p:childTnLst>
+                                    <p:set>
+                                      <p:cBhvr>
+                                        <p:cTn id="34" dur="1" fill="hold">
+                                          <p:stCondLst>
+                                            <p:cond delay="0"/>
+                                          </p:stCondLst>
+                                        </p:cTn>
+                                        <p:tgtEl>
+                                          <p:spTgt spid="4">
+                                            <p:txEl>
+                                              <p:pRg st="7" end="7"/>
+                                            </p:txEl>
+                                          </p:spTgt>
+                                        </p:tgtEl>
+                                        <p:attrNameLst>
+                                          <p:attrName>style.visibility</p:attrName>
+                                        </p:attrNameLst>
+                                      </p:cBhvr>
+                                      <p:to>
+                                        <p:strVal val="visible"/>
+                                      </p:to>
+                                    </p:set>
+                                  </p:childTnLst>
+                                </p:cTn>
+                              </p:par>
+                            </p:childTnLst>
+                          </p:cTn>
+                        </p:par>
+                      </p:childTnLst>
+                    </p:cTn>
+                  </p:par>
+                  <p:par>
+                    <p:cTn id="35" fill="hold">
+                      <p:stCondLst>
+                        <p:cond delay="indefinite"/>
+                      </p:stCondLst>
+                      <p:childTnLst>
+                        <p:par>
+                          <p:cTn id="36" fill="hold">
+                            <p:stCondLst>
+                              <p:cond delay="0"/>
+                            </p:stCondLst>
+                            <p:childTnLst>
+                              <p:par>
+                                <p:cTn id="37" presetID="1" presetClass="entr" presetSubtype="0" fill="hold" nodeType="clickEffect">
+                                  <p:stCondLst>
+                                    <p:cond delay="0"/>
+                                  </p:stCondLst>
+                                  <p:childTnLst>
+                                    <p:set>
+                                      <p:cBhvr>
+                                        <p:cTn id="38" dur="1" fill="hold">
+                                          <p:stCondLst>
+                                            <p:cond delay="0"/>
+                                          </p:stCondLst>
+                                        </p:cTn>
+                                        <p:tgtEl>
+                                          <p:spTgt spid="4">
+                                            <p:txEl>
+                                              <p:pRg st="8" end="8"/>
+                                            </p:txEl>
+                                          </p:spTgt>
+                                        </p:tgtEl>
+                                        <p:attrNameLst>
+                                          <p:attrName>style.visibility</p:attrName>
+                                        </p:attrNameLst>
+                                      </p:cBhvr>
+                                      <p:to>
+                                        <p:strVal val="visible"/>
+                                      </p:to>
+                                    </p:set>
+                                  </p:childTnLst>
+                                </p:cTn>
+                              </p:par>
+                            </p:childTnLst>
+                          </p:cTn>
+                        </p:par>
+                      </p:childTnLst>
+                    </p:cTn>
+                  </p:par>
+                  <p:par>
+                    <p:cTn id="39" fill="hold">
+                      <p:stCondLst>
+                        <p:cond delay="indefinite"/>
+                      </p:stCondLst>
+                      <p:childTnLst>
+                        <p:par>
+                          <p:cTn id="40" fill="hold">
+                            <p:stCondLst>
+                              <p:cond delay="0"/>
+                            </p:stCondLst>
+                            <p:childTnLst>
+                              <p:par>
+                                <p:cTn id="41" presetID="1" presetClass="entr" presetSubtype="0" fill="hold" nodeType="clickEffect">
+                                  <p:stCondLst>
+                                    <p:cond delay="0"/>
+                                  </p:stCondLst>
+                                  <p:childTnLst>
+                                    <p:set>
+                                      <p:cBhvr>
+                                        <p:cTn id="42" dur="1" fill="hold">
+                                          <p:stCondLst>
+                                            <p:cond delay="0"/>
+                                          </p:stCondLst>
+                                        </p:cTn>
+                                        <p:tgtEl>
+                                          <p:spTgt spid="4">
+                                            <p:txEl>
+                                              <p:pRg st="9" end="9"/>
+                                            </p:txEl>
+                                          </p:spTgt>
+                                        </p:tgtEl>
+                                        <p:attrNameLst>
+                                          <p:attrName>style.visibility</p:attrName>
+                                        </p:attrNameLst>
+                                      </p:cBhvr>
+                                      <p:to>
+                                        <p:strVal val="visible"/>
+                                      </p:to>
+                                    </p:set>
+                                  </p:childTnLst>
+                                </p:cTn>
+                              </p:par>
+                            </p:childTnLst>
+                          </p:cTn>
+                        </p:par>
+                      </p:childTnLst>
+                    </p:cTn>
+                  </p:par>
+                  <p:par>
+                    <p:cTn id="43" fill="hold">
+                      <p:stCondLst>
+                        <p:cond delay="indefinite"/>
+                      </p:stCondLst>
+                      <p:childTnLst>
+                        <p:par>
+                          <p:cTn id="44" fill="hold">
+                            <p:stCondLst>
+                              <p:cond delay="0"/>
+                            </p:stCondLst>
+                            <p:childTnLst>
+                              <p:par>
+                                <p:cTn id="45" presetID="1" presetClass="entr" presetSubtype="0" fill="hold" nodeType="clickEffect">
+                                  <p:stCondLst>
+                                    <p:cond delay="0"/>
+                                  </p:stCondLst>
+                                  <p:childTnLst>
+                                    <p:set>
+                                      <p:cBhvr>
+                                        <p:cTn id="46" dur="1" fill="hold">
+                                          <p:stCondLst>
+                                            <p:cond delay="0"/>
+                                          </p:stCondLst>
+                                        </p:cTn>
+                                        <p:tgtEl>
+                                          <p:spTgt spid="4">
+                                            <p:txEl>
+                                              <p:pRg st="10" end="10"/>
+                                            </p:txEl>
+                                          </p:spTgt>
+                                        </p:tgtEl>
+                                        <p:attrNameLst>
+                                          <p:attrName>style.visibility</p:attrName>
+                                        </p:attrNameLst>
+                                      </p:cBhvr>
+                                      <p:to>
+                                        <p:strVal val="visible"/>
+                                      </p:to>
+                                    </p:set>
+                                  </p:childTnLst>
+                                </p:cTn>
+                              </p:par>
+                            </p:childTnLst>
+                          </p:cTn>
+                        </p:par>
+                      </p:childTnLst>
+                    </p:cTn>
+                  </p:par>
+                  <p:par>
+                    <p:cTn id="47" fill="hold">
+                      <p:stCondLst>
+                        <p:cond delay="indefinite"/>
+                      </p:stCondLst>
+                      <p:childTnLst>
+                        <p:par>
+                          <p:cTn id="48" fill="hold">
+                            <p:stCondLst>
+                              <p:cond delay="0"/>
+                            </p:stCondLst>
+                            <p:childTnLst>
+                              <p:par>
+                                <p:cTn id="49" presetID="1" presetClass="entr" presetSubtype="0" fill="hold" nodeType="clickEffect">
+                                  <p:stCondLst>
+                                    <p:cond delay="0"/>
+                                  </p:stCondLst>
+                                  <p:childTnLst>
+                                    <p:set>
+                                      <p:cBhvr>
+                                        <p:cTn id="50" dur="1" fill="hold">
+                                          <p:stCondLst>
+                                            <p:cond delay="0"/>
+                                          </p:stCondLst>
+                                        </p:cTn>
+                                        <p:tgtEl>
+                                          <p:spTgt spid="4">
+                                            <p:txEl>
+                                              <p:pRg st="11" end="11"/>
+                                            </p:txEl>
+                                          </p:spTgt>
+                                        </p:tgtEl>
+                                        <p:attrNameLst>
+                                          <p:attrName>style.visibility</p:attrName>
+                                        </p:attrNameLst>
+                                      </p:cBhvr>
+                                      <p:to>
+                                        <p:strVal val="visible"/>
+                                      </p:to>
+                                    </p:set>
+                                  </p:childTnLst>
+                                </p:cTn>
+                              </p:par>
+                            </p:childTnLst>
+                          </p:cTn>
+                        </p:par>
+                      </p:childTnLst>
+                    </p:cTn>
+                  </p:par>
+                  <p:par>
+                    <p:cTn id="51" fill="hold">
+                      <p:stCondLst>
+                        <p:cond delay="indefinite"/>
+                      </p:stCondLst>
+                      <p:childTnLst>
+                        <p:par>
+                          <p:cTn id="52" fill="hold">
+                            <p:stCondLst>
+                              <p:cond delay="0"/>
+                            </p:stCondLst>
+                            <p:childTnLst>
+                              <p:par>
+                                <p:cTn id="53" presetID="1" presetClass="entr" presetSubtype="0" fill="hold" nodeType="clickEffect">
+                                  <p:stCondLst>
+                                    <p:cond delay="0"/>
+                                  </p:stCondLst>
+                                  <p:childTnLst>
+                                    <p:set>
+                                      <p:cBhvr>
+                                        <p:cTn id="54" dur="1" fill="hold">
+                                          <p:stCondLst>
+                                            <p:cond delay="0"/>
+                                          </p:stCondLst>
+                                        </p:cTn>
+                                        <p:tgtEl>
+                                          <p:spTgt spid="4">
+                                            <p:txEl>
+                                              <p:pRg st="12" end="12"/>
+                                            </p:txEl>
+                                          </p:spTgt>
+                                        </p:tgtEl>
+                                        <p:attrNameLst>
+                                          <p:attrName>style.visibility</p:attrName>
+                                        </p:attrNameLst>
+                                      </p:cBhvr>
+                                      <p:to>
+                                        <p:strVal val="visible"/>
+                                      </p:to>
+                                    </p:set>
+                                  </p:childTnLst>
+                                </p:cTn>
+                              </p:par>
+                            </p:childTnLst>
+                          </p:cTn>
+                        </p:par>
+                      </p:childTnLst>
+                    </p:cTn>
+                  </p:par>
+                  <p:par>
+                    <p:cTn id="55" fill="hold">
+                      <p:stCondLst>
+                        <p:cond delay="indefinite"/>
+                      </p:stCondLst>
+                      <p:childTnLst>
+                        <p:par>
+                          <p:cTn id="56" fill="hold">
+                            <p:stCondLst>
+                              <p:cond delay="0"/>
+                            </p:stCondLst>
+                            <p:childTnLst>
+                              <p:par>
+                                <p:cTn id="57" presetID="1" presetClass="entr" presetSubtype="0" fill="hold" nodeType="clickEffect">
+                                  <p:stCondLst>
+                                    <p:cond delay="0"/>
+                                  </p:stCondLst>
+                                  <p:childTnLst>
+                                    <p:set>
+                                      <p:cBhvr>
+                                        <p:cTn id="58" dur="1" fill="hold">
+                                          <p:stCondLst>
+                                            <p:cond delay="0"/>
+                                          </p:stCondLst>
+                                        </p:cTn>
+                                        <p:tgtEl>
+                                          <p:spTgt spid="4">
+                                            <p:txEl>
+                                              <p:pRg st="13" end="13"/>
+                                            </p:txEl>
+                                          </p:spTgt>
+                                        </p:tgtEl>
+                                        <p:attrNameLst>
+                                          <p:attrName>style.visibility</p:attrName>
+                                        </p:attrNameLst>
+                                      </p:cBhvr>
+                                      <p:to>
+                                        <p:strVal val="visible"/>
+                                      </p:to>
+                                    </p:set>
+                                  </p:childTnLst>
+                                </p:cTn>
+                              </p:par>
+                            </p:childTnLst>
+                          </p:cTn>
+                        </p:par>
+                      </p:childTnLst>
+                    </p:cTn>
+                  </p:par>
+                </p:childTnLst>
+              </p:cTn>
+              <p:prevCondLst>
+                <p:cond evt="onPrev" delay="0">
+                  <p:tgtEl>
+                    <p:sldTgt/>
+                  </p:tgtEl>
+                </p:cond>
+              </p:prevCondLst>
+              <p:nextCondLst>
+                <p:cond evt="onNext" delay="0">
+                  <p:tgtEl>
+                    <p:sldTgt/>
+                  </p:tgtEl>
+                </p:cond>
+              </p:nextCondLst>
+            </p:seq>
+          </p:childTnLst>
+        </p:cTn>
+      </p:par>
+    </p:tnLst>
+  </p:timing>
+</p:sld>
+</file>
+
+<file path=ppt/slides/slide25.xml><?xml version="1.0" encoding="utf-8"?>
+<p:sld xmlns:a="http://schemas.openxmlformats.org/drawingml/2006/main" xmlns:r="http://schemas.openxmlformats.org/officeDocument/2006/relationships" xmlns:p="http://schemas.openxmlformats.org/presentationml/2006/main">
+  <p:cSld>
+    <p:spTree>
+      <p:nvGrpSpPr>
+        <p:cNvPr id="1" name=""/>
+        <p:cNvGrpSpPr/>
+        <p:nvPr/>
+      </p:nvGrpSpPr>
+      <p:grpSpPr>
+        <a:xfrm>
+          <a:off x="0" y="0"/>
+          <a:ext cx="0" cy="0"/>
+          <a:chOff x="0" y="0"/>
+          <a:chExt cx="0" cy="0"/>
+        </a:xfrm>
+      </p:grpSpPr>
+      <p:sp>
+        <p:nvSpPr>
+          <p:cNvPr id="2" name="Rubrik 1"/>
+          <p:cNvSpPr>
+            <a:spLocks noGrp="1"/>
+          </p:cNvSpPr>
+          <p:nvPr>
+            <p:ph type="title"/>
+          </p:nvPr>
+        </p:nvSpPr>
+        <p:spPr/>
+        <p:txBody>
+          <a:bodyPr/>
+          <a:lstStyle/>
+          <a:p>
+            <a:r>
+              <a:rPr lang="sv-SE" dirty="0" err="1" smtClean="0"/>
+              <a:t>Questions</a:t>
+            </a:r>
+            <a:r>
+              <a:rPr lang="sv-SE" dirty="0" smtClean="0"/>
+              <a:t> and </a:t>
+            </a:r>
+            <a:r>
+              <a:rPr lang="sv-SE" dirty="0" err="1" smtClean="0"/>
+              <a:t>discussion</a:t>
+            </a:r>
+            <a:endParaRPr lang="sv-SE" dirty="0"/>
+          </a:p>
+        </p:txBody>
+      </p:sp>
+      <p:sp>
+        <p:nvSpPr>
+          <p:cNvPr id="3" name="textruta 2"/>
+          <p:cNvSpPr txBox="1"/>
+          <p:nvPr/>
+        </p:nvSpPr>
+        <p:spPr>
+          <a:xfrm>
+            <a:off x="1763688" y="1484784"/>
+            <a:ext cx="5616624" cy="1446550"/>
+          </a:xfrm>
+          <a:prstGeom prst="rect">
+            <a:avLst/>
+          </a:prstGeom>
+          <a:noFill/>
+        </p:spPr>
+        <p:txBody>
+          <a:bodyPr wrap="square" rtlCol="0">
+            <a:spAutoFit/>
+          </a:bodyPr>
+          <a:lstStyle/>
+          <a:p>
+            <a:pPr algn="ctr"/>
+            <a:r>
+              <a:rPr lang="sv-SE" sz="4400" dirty="0" smtClean="0"/>
+              <a:t>THANK YOU FOR LISTENING!</a:t>
+            </a:r>
+          </a:p>
+        </p:txBody>
+      </p:sp>
+      <p:sp>
+        <p:nvSpPr>
+          <p:cNvPr id="4" name="Rektangel 3"/>
+          <p:cNvSpPr/>
+          <p:nvPr/>
+        </p:nvSpPr>
+        <p:spPr>
+          <a:xfrm>
+            <a:off x="2286000" y="3105835"/>
+            <a:ext cx="4572000" cy="646331"/>
+          </a:xfrm>
+          <a:prstGeom prst="rect">
+            <a:avLst/>
+          </a:prstGeom>
+        </p:spPr>
+        <p:txBody>
+          <a:bodyPr>
+            <a:spAutoFit/>
+          </a:bodyPr>
+          <a:lstStyle/>
+          <a:p>
+            <a:pPr algn="ctr"/>
+            <a:r>
+              <a:rPr lang="sv-SE" dirty="0" err="1"/>
+              <a:t>Remember</a:t>
+            </a:r>
+            <a:r>
+              <a:rPr lang="sv-SE" dirty="0"/>
+              <a:t>: </a:t>
+            </a:r>
+            <a:r>
+              <a:rPr lang="sv-SE" b="1" dirty="0" err="1"/>
+              <a:t>Fork</a:t>
+            </a:r>
+            <a:r>
+              <a:rPr lang="sv-SE" b="1" dirty="0"/>
+              <a:t> </a:t>
+            </a:r>
+            <a:r>
+              <a:rPr lang="sv-SE" b="1" dirty="0" err="1"/>
+              <a:t>me</a:t>
+            </a:r>
+            <a:r>
+              <a:rPr lang="sv-SE" b="1" dirty="0"/>
+              <a:t>! </a:t>
+            </a:r>
+            <a:r>
+              <a:rPr lang="sv-SE" dirty="0"/>
+              <a:t>https://github.com/UncleCJ </a:t>
+            </a:r>
+          </a:p>
+        </p:txBody>
+      </p:sp>
+    </p:spTree>
+    <p:extLst>
+      <p:ext uri="{BB962C8B-B14F-4D97-AF65-F5344CB8AC3E}">
+        <p14:creationId xmlns:p14="http://schemas.microsoft.com/office/powerpoint/2010/main" val="3232326995"/>
+      </p:ext>
+    </p:extLst>
+  </p:cSld>
+  <p:clrMapOvr>
+    <a:masterClrMapping/>
+  </p:clrMapOvr>
+  <p:transition spd="slow">
+    <p:pull/>
+  </p:transition>
+  <p:timing>
+    <p:tnLst>
+      <p:par>
+        <p:cTn id="1" dur="indefinite" restart="never" nodeType="tmRoot">
+          <p:childTnLst>
+            <p:seq concurrent="1" nextAc="seek">
+              <p:cTn id="2" dur="indefinite" nodeType="mainSeq">
+                <p:childTnLst>
+                  <p:par>
+                    <p:cTn id="3" fill="hold">
+                      <p:stCondLst>
+                        <p:cond delay="indefinite"/>
+                      </p:stCondLst>
+                      <p:childTnLst>
+                        <p:par>
+                          <p:cTn id="4" fill="hold">
+                            <p:stCondLst>
+                              <p:cond delay="0"/>
+                            </p:stCondLst>
+                            <p:childTnLst>
+                              <p:par>
+                                <p:cTn id="5" presetID="1" presetClass="entr" presetSubtype="0" fill="hold" grpId="0" nodeType="clickEffect">
+                                  <p:stCondLst>
+                                    <p:cond delay="0"/>
+                                  </p:stCondLst>
+                                  <p:childTnLst>
+                                    <p:set>
+                                      <p:cBhvr>
+                                        <p:cTn id="6" dur="1" fill="hold">
+                                          <p:stCondLst>
+                                            <p:cond delay="0"/>
+                                          </p:stCondLst>
+                                        </p:cTn>
+                                        <p:tgtEl>
+                                          <p:spTgt spid="4"/>
+                                        </p:tgtEl>
+                                        <p:attrNameLst>
+                                          <p:attrName>style.visibility</p:attrName>
+                                        </p:attrNameLst>
+                                      </p:cBhvr>
+                                      <p:to>
+                                        <p:strVal val="visible"/>
+                                      </p:to>
+                                    </p:set>
+                                  </p:childTnLst>
+                                </p:cTn>
+                              </p:par>
+                            </p:childTnLst>
+                          </p:cTn>
+                        </p:par>
+                      </p:childTnLst>
+                    </p:cTn>
+                  </p:par>
+                  <p:par>
+                    <p:cTn id="7" fill="hold">
+                      <p:stCondLst>
+                        <p:cond delay="indefinite"/>
+                      </p:stCondLst>
+                      <p:childTnLst>
+                        <p:par>
+                          <p:cTn id="8" fill="hold">
+                            <p:stCondLst>
+                              <p:cond delay="0"/>
+                            </p:stCondLst>
+                            <p:childTnLst>
+                              <p:par>
+                                <p:cTn id="9" presetID="1" presetClass="entr" presetSubtype="0" fill="hold" grpId="0" nodeType="clickEffect">
+                                  <p:stCondLst>
+                                    <p:cond delay="0"/>
+                                  </p:stCondLst>
+                                  <p:childTnLst>
+                                    <p:set>
+                                      <p:cBhvr>
+                                        <p:cTn id="10" dur="1" fill="hold">
+                                          <p:stCondLst>
+                                            <p:cond delay="0"/>
+                                          </p:stCondLst>
+                                        </p:cTn>
+                                        <p:tgtEl>
+                                          <p:spTgt spid="2"/>
+                                        </p:tgtEl>
+                                        <p:attrNameLst>
+                                          <p:attrName>style.visibility</p:attrName>
+                                        </p:attrNameLst>
+                                      </p:cBhvr>
+                                      <p:to>
+                                        <p:strVal val="visible"/>
+                                      </p:to>
+                                    </p:set>
+                                  </p:childTnLst>
+                                </p:cTn>
+                              </p:par>
+                            </p:childTnLst>
+                          </p:cTn>
+                        </p:par>
+                      </p:childTnLst>
+                    </p:cTn>
+                  </p:par>
+                </p:childTnLst>
+              </p:cTn>
+              <p:prevCondLst>
+                <p:cond evt="onPrev" delay="0">
+                  <p:tgtEl>
+                    <p:sldTgt/>
+                  </p:tgtEl>
+                </p:cond>
+              </p:prevCondLst>
+              <p:nextCondLst>
+                <p:cond evt="onNext" delay="0">
+                  <p:tgtEl>
+                    <p:sldTgt/>
+                  </p:tgtEl>
+                </p:cond>
+              </p:nextCondLst>
+            </p:seq>
+          </p:childTnLst>
+        </p:cTn>
+      </p:par>
+    </p:tnLst>
+    <p:bldLst>
+      <p:bldP spid="2" grpId="0"/>
+      <p:bldP spid="4" grpId="0"/>
+    </p:bldLst>
   </p:timing>
 </p:sld>
 </file>
@@ -16418,10 +19549,10 @@
           <p:nvPr/>
         </p:nvPicPr>
         <p:blipFill>
-          <a:blip r:embed="rId4" cstate="print">
+          <a:blip r:embed="rId4" cstate="screen">
             <a:extLst>
               <a:ext uri="{28A0092B-C50C-407E-A947-70E740481C1C}">
-                <a14:useLocalDpi xmlns:a14="http://schemas.microsoft.com/office/drawing/2010/main" val="0"/>
+                <a14:useLocalDpi xmlns:a14="http://schemas.microsoft.com/office/drawing/2010/main"/>
               </a:ext>
             </a:extLst>
           </a:blip>
@@ -16771,12 +19902,12 @@
         <p:spPr>
           <a:xfrm>
             <a:off x="971600" y="4725144"/>
-            <a:ext cx="7057529" cy="1295921"/>
+            <a:ext cx="7057529" cy="1872208"/>
           </a:xfrm>
         </p:spPr>
         <p:txBody>
           <a:bodyPr>
-            <a:normAutofit fontScale="92500" lnSpcReduction="20000"/>
+            <a:normAutofit fontScale="92500"/>
           </a:bodyPr>
           <a:lstStyle/>
           <a:p>
@@ -16862,8 +19993,29 @@
           </a:p>
           <a:p>
             <a:r>
+              <a:rPr lang="en-US" sz="2200" dirty="0" smtClean="0">
+                <a:hlinkClick r:id="rId2"/>
+              </a:rPr>
+              <a:t>Semantically aware</a:t>
+            </a:r>
+            <a:r>
               <a:rPr lang="en-US" sz="2200" dirty="0" smtClean="0"/>
-              <a:t>Semantically aware diff/merge is exciting!</a:t>
+              <a:t> diff/merge is exciting! (and you </a:t>
+            </a:r>
+            <a:br>
+              <a:rPr lang="en-US" sz="2200" dirty="0" smtClean="0"/>
+            </a:br>
+            <a:r>
+              <a:rPr lang="en-US" sz="2200" dirty="0" smtClean="0"/>
+              <a:t>can use it with </a:t>
+            </a:r>
+            <a:r>
+              <a:rPr lang="en-US" sz="2200" dirty="0" err="1" smtClean="0"/>
+              <a:t>git</a:t>
+            </a:r>
+            <a:r>
+              <a:rPr lang="en-US" sz="2200" dirty="0" smtClean="0"/>
+              <a:t>)</a:t>
             </a:r>
             <a:endParaRPr lang="sv-SE" sz="2200" dirty="0"/>
           </a:p>
@@ -16903,7 +20055,7 @@
         </p:nvSpPr>
         <p:spPr>
           <a:xfrm>
-            <a:off x="3203849" y="4365104"/>
+            <a:off x="4860032" y="3933056"/>
             <a:ext cx="3600399" cy="288032"/>
           </a:xfrm>
           <a:prstGeom prst="rect">
@@ -17072,19 +20224,19 @@
             </a:pPr>
             <a:r>
               <a:rPr lang="sv-SE" sz="1200" dirty="0" smtClean="0">
-                <a:hlinkClick r:id="rId2"/>
+                <a:hlinkClick r:id="rId3"/>
               </a:rPr>
               <a:t>https</a:t>
             </a:r>
             <a:r>
               <a:rPr lang="sv-SE" sz="1200" dirty="0">
-                <a:hlinkClick r:id="rId2"/>
+                <a:hlinkClick r:id="rId3"/>
               </a:rPr>
               <a:t>://</a:t>
             </a:r>
             <a:r>
               <a:rPr lang="sv-SE" sz="1200" dirty="0" smtClean="0">
-                <a:hlinkClick r:id="rId2"/>
+                <a:hlinkClick r:id="rId3"/>
               </a:rPr>
               <a:t>www.youtube.com/watch?v=eRqUE6IHTEA</a:t>
             </a:r>
@@ -17105,10 +20257,10 @@
           <p:nvPr/>
         </p:nvPicPr>
         <p:blipFill>
-          <a:blip r:embed="rId3">
+          <a:blip r:embed="rId4" cstate="screen">
             <a:extLst>
               <a:ext uri="{28A0092B-C50C-407E-A947-70E740481C1C}">
-                <a14:useLocalDpi xmlns:a14="http://schemas.microsoft.com/office/drawing/2010/main" val="0"/>
+                <a14:useLocalDpi xmlns:a14="http://schemas.microsoft.com/office/drawing/2010/main"/>
               </a:ext>
             </a:extLst>
           </a:blip>
@@ -17119,8 +20271,8 @@
         </p:blipFill>
         <p:spPr bwMode="auto">
           <a:xfrm>
-            <a:off x="611560" y="1052513"/>
-            <a:ext cx="4176464" cy="3086646"/>
+            <a:off x="879904" y="1160533"/>
+            <a:ext cx="3600000" cy="2660606"/>
           </a:xfrm>
           <a:prstGeom prst="rect">
             <a:avLst/>
@@ -17159,10 +20311,10 @@
           <p:nvPr/>
         </p:nvPicPr>
         <p:blipFill>
-          <a:blip r:embed="rId4">
+          <a:blip r:embed="rId5" cstate="screen">
             <a:extLst>
               <a:ext uri="{28A0092B-C50C-407E-A947-70E740481C1C}">
-                <a14:useLocalDpi xmlns:a14="http://schemas.microsoft.com/office/drawing/2010/main" val="0"/>
+                <a14:useLocalDpi xmlns:a14="http://schemas.microsoft.com/office/drawing/2010/main"/>
               </a:ext>
             </a:extLst>
           </a:blip>
@@ -17173,8 +20325,8 @@
         </p:blipFill>
         <p:spPr bwMode="auto">
           <a:xfrm>
-            <a:off x="4932040" y="1268760"/>
-            <a:ext cx="3723373" cy="2736304"/>
+            <a:off x="4696328" y="1160636"/>
+            <a:ext cx="3620088" cy="2660400"/>
           </a:xfrm>
           <a:prstGeom prst="rect">
             <a:avLst/>
@@ -17372,55 +20524,6 @@
                       </p:childTnLst>
                     </p:cTn>
                   </p:par>
-                  <p:par>
-                    <p:cTn id="15" fill="hold">
-                      <p:stCondLst>
-                        <p:cond delay="indefinite"/>
-                      </p:stCondLst>
-                      <p:childTnLst>
-                        <p:par>
-                          <p:cTn id="16" fill="hold">
-                            <p:stCondLst>
-                              <p:cond delay="0"/>
-                            </p:stCondLst>
-                            <p:childTnLst>
-                              <p:par>
-                                <p:cTn id="17" presetID="1" presetClass="entr" presetSubtype="0" fill="hold" grpId="0" nodeType="clickEffect">
-                                  <p:stCondLst>
-                                    <p:cond delay="0"/>
-                                  </p:stCondLst>
-                                  <p:childTnLst>
-                                    <p:set>
-                                      <p:cBhvr>
-                                        <p:cTn id="18" dur="1" fill="hold">
-                                          <p:stCondLst>
-                                            <p:cond delay="0"/>
-                                          </p:stCondLst>
-                                        </p:cTn>
-                                        <p:tgtEl>
-                                          <p:spTgt spid="7">
-                                            <p:txEl>
-                                              <p:pRg st="0" end="0"/>
-                                            </p:txEl>
-                                          </p:spTgt>
-                                        </p:tgtEl>
-                                        <p:attrNameLst>
-                                          <p:attrName>style.visibility</p:attrName>
-                                        </p:attrNameLst>
-                                      </p:cBhvr>
-                                      <p:to>
-                                        <p:strVal val="visible"/>
-                                      </p:to>
-                                    </p:set>
-                                  </p:childTnLst>
-                                </p:cTn>
-                              </p:par>
-                            </p:childTnLst>
-                          </p:cTn>
-                        </p:par>
-                      </p:childTnLst>
-                    </p:cTn>
-                  </p:par>
                 </p:childTnLst>
               </p:cTn>
               <p:prevCondLst>
@@ -17444,7 +20547,6 @@
     </p:tnLst>
     <p:bldLst>
       <p:bldP spid="6" grpId="0" build="p"/>
-      <p:bldP spid="7" grpId="0" build="p"/>
     </p:bldLst>
   </p:timing>
 </p:sld>
@@ -19031,38 +22133,40 @@
         </p:nvSpPr>
         <p:spPr/>
         <p:txBody>
-          <a:bodyPr/>
+          <a:bodyPr>
+            <a:normAutofit/>
+          </a:bodyPr>
           <a:lstStyle/>
           <a:p>
             <a:r>
-              <a:rPr lang="sv-SE" dirty="0" smtClean="0"/>
+              <a:rPr lang="sv-SE" sz="1800" b="1" dirty="0" smtClean="0"/>
               <a:t>The Ultimate </a:t>
             </a:r>
             <a:r>
-              <a:rPr lang="sv-SE" dirty="0" err="1" smtClean="0"/>
+              <a:rPr lang="sv-SE" sz="1800" b="1" dirty="0" err="1" smtClean="0"/>
               <a:t>Goal</a:t>
             </a:r>
             <a:r>
-              <a:rPr lang="sv-SE" dirty="0" smtClean="0"/>
+              <a:rPr lang="sv-SE" sz="1800" b="1" dirty="0" smtClean="0"/>
               <a:t> – </a:t>
             </a:r>
             <a:r>
-              <a:rPr lang="sv-SE" dirty="0" err="1" smtClean="0"/>
+              <a:rPr lang="sv-SE" sz="1800" b="1" dirty="0" err="1" smtClean="0"/>
               <a:t>Build</a:t>
             </a:r>
             <a:r>
-              <a:rPr lang="sv-SE" dirty="0" smtClean="0"/>
+              <a:rPr lang="sv-SE" sz="1800" b="1" dirty="0" smtClean="0"/>
               <a:t> </a:t>
             </a:r>
             <a:r>
-              <a:rPr lang="sv-SE" dirty="0" err="1" smtClean="0"/>
+              <a:rPr lang="sv-SE" sz="1800" b="1" dirty="0" err="1" smtClean="0"/>
               <a:t>quality</a:t>
             </a:r>
             <a:r>
-              <a:rPr lang="sv-SE" dirty="0" smtClean="0"/>
+              <a:rPr lang="sv-SE" sz="1800" b="1" dirty="0" smtClean="0"/>
               <a:t> in</a:t>
             </a:r>
-            <a:endParaRPr lang="sv-SE" dirty="0"/>
+            <a:endParaRPr lang="sv-SE" sz="1800" b="1" dirty="0"/>
           </a:p>
         </p:txBody>
       </p:sp>
@@ -19268,7 +22372,7 @@
           <a:blip r:embed="rId2">
             <a:extLst>
               <a:ext uri="{28A0092B-C50C-407E-A947-70E740481C1C}">
-                <a14:useLocalDpi xmlns:a14="http://schemas.microsoft.com/office/drawing/2010/main" val="0"/>
+                <a14:useLocalDpi xmlns:a14="http://schemas.microsoft.com/office/drawing/2010/main"/>
               </a:ext>
             </a:extLst>
           </a:blip>
@@ -19322,7 +22426,7 @@
           <a:blip r:embed="rId3">
             <a:extLst>
               <a:ext uri="{28A0092B-C50C-407E-A947-70E740481C1C}">
-                <a14:useLocalDpi xmlns:a14="http://schemas.microsoft.com/office/drawing/2010/main" val="0"/>
+                <a14:useLocalDpi xmlns:a14="http://schemas.microsoft.com/office/drawing/2010/main"/>
               </a:ext>
             </a:extLst>
           </a:blip>
@@ -19533,7 +22637,7 @@
         </p:nvSpPr>
         <p:spPr>
           <a:xfrm>
-            <a:off x="323528" y="2204864"/>
+            <a:off x="467544" y="1124744"/>
             <a:ext cx="8064896" cy="3672408"/>
           </a:xfrm>
           <a:prstGeom prst="rect">
@@ -19582,10 +22686,24 @@
         </p:nvSpPr>
         <p:spPr/>
         <p:txBody>
-          <a:bodyPr/>
+          <a:bodyPr>
+            <a:normAutofit/>
+          </a:bodyPr>
           <a:lstStyle/>
           <a:p>
-            <a:endParaRPr lang="sv-SE"/>
+            <a:r>
+              <a:rPr lang="sv-SE" sz="1800" b="1" dirty="0" smtClean="0"/>
+              <a:t>Git is a 5th generation version </a:t>
+            </a:r>
+            <a:r>
+              <a:rPr lang="sv-SE" sz="1800" b="1" dirty="0" err="1" smtClean="0"/>
+              <a:t>control</a:t>
+            </a:r>
+            <a:r>
+              <a:rPr lang="sv-SE" sz="1800" b="1" dirty="0" smtClean="0"/>
+              <a:t> system</a:t>
+            </a:r>
+            <a:endParaRPr lang="sv-SE" sz="1800" b="1" dirty="0"/>
           </a:p>
         </p:txBody>
       </p:sp>
@@ -19599,27 +22717,132 @@
             <p:ph idx="1"/>
           </p:nvPr>
         </p:nvSpPr>
-        <p:spPr/>
+        <p:spPr>
+          <a:xfrm>
+            <a:off x="422160" y="5013176"/>
+            <a:ext cx="7921625" cy="1224136"/>
+          </a:xfrm>
+        </p:spPr>
         <p:txBody>
           <a:bodyPr/>
           <a:lstStyle/>
           <a:p>
             <a:r>
-              <a:rPr lang="sv-SE" dirty="0">
-                <a:hlinkClick r:id="rId2"/>
-              </a:rPr>
-              <a:t>https://</a:t>
-            </a:r>
-            <a:r>
-              <a:rPr lang="sv-SE" dirty="0" smtClean="0">
-                <a:hlinkClick r:id="rId2"/>
-              </a:rPr>
-              <a:t>www.plasticscm.com/version-control-history.html</a:t>
+              <a:rPr lang="sv-SE" dirty="0" err="1" smtClean="0"/>
+              <a:t>There</a:t>
             </a:r>
             <a:r>
               <a:rPr lang="sv-SE" dirty="0" smtClean="0"/>
               <a:t> </a:t>
             </a:r>
+            <a:r>
+              <a:rPr lang="sv-SE" dirty="0" err="1" smtClean="0"/>
+              <a:t>were</a:t>
+            </a:r>
+            <a:r>
+              <a:rPr lang="sv-SE" dirty="0" smtClean="0"/>
+              <a:t> </a:t>
+            </a:r>
+            <a:r>
+              <a:rPr lang="sv-SE" dirty="0" err="1" smtClean="0"/>
+              <a:t>many</a:t>
+            </a:r>
+            <a:r>
+              <a:rPr lang="sv-SE" dirty="0" smtClean="0"/>
+              <a:t> </a:t>
+            </a:r>
+            <a:r>
+              <a:rPr lang="sv-SE" dirty="0" err="1" smtClean="0"/>
+              <a:t>before</a:t>
+            </a:r>
+            <a:r>
+              <a:rPr lang="sv-SE" dirty="0" smtClean="0"/>
+              <a:t> Git</a:t>
+            </a:r>
+          </a:p>
+          <a:p>
+            <a:r>
+              <a:rPr lang="sv-SE" dirty="0" smtClean="0"/>
+              <a:t>Git </a:t>
+            </a:r>
+            <a:r>
+              <a:rPr lang="sv-SE" dirty="0" err="1" smtClean="0"/>
+              <a:t>was</a:t>
+            </a:r>
+            <a:r>
+              <a:rPr lang="sv-SE" dirty="0" smtClean="0"/>
+              <a:t> the </a:t>
+            </a:r>
+            <a:r>
+              <a:rPr lang="sv-SE" dirty="0" err="1" smtClean="0"/>
+              <a:t>first</a:t>
+            </a:r>
+            <a:r>
+              <a:rPr lang="sv-SE" dirty="0" smtClean="0"/>
+              <a:t> </a:t>
+            </a:r>
+            <a:r>
+              <a:rPr lang="sv-SE" dirty="0" err="1" smtClean="0"/>
+              <a:t>to</a:t>
+            </a:r>
+            <a:r>
+              <a:rPr lang="sv-SE" dirty="0" smtClean="0"/>
+              <a:t> be fast, </a:t>
+            </a:r>
+            <a:r>
+              <a:rPr lang="sv-SE" dirty="0" err="1" smtClean="0"/>
+              <a:t>reliable</a:t>
+            </a:r>
+            <a:r>
+              <a:rPr lang="sv-SE" dirty="0" smtClean="0"/>
+              <a:t>, flexible and </a:t>
+            </a:r>
+            <a:r>
+              <a:rPr lang="sv-SE" dirty="0" err="1" smtClean="0"/>
+              <a:t>popular</a:t>
+            </a:r>
+            <a:r>
+              <a:rPr lang="sv-SE" dirty="0" smtClean="0"/>
+              <a:t> </a:t>
+            </a:r>
+            <a:r>
+              <a:rPr lang="sv-SE" dirty="0" err="1" smtClean="0"/>
+              <a:t>with</a:t>
+            </a:r>
+            <a:r>
+              <a:rPr lang="sv-SE" dirty="0" smtClean="0"/>
+              <a:t> </a:t>
+            </a:r>
+            <a:r>
+              <a:rPr lang="sv-SE" dirty="0" err="1" smtClean="0"/>
+              <a:t>developers</a:t>
+            </a:r>
+            <a:r>
+              <a:rPr lang="sv-SE" dirty="0" smtClean="0"/>
+              <a:t> (?)</a:t>
+            </a:r>
+          </a:p>
+          <a:p>
+            <a:r>
+              <a:rPr lang="sv-SE" dirty="0" smtClean="0"/>
+              <a:t>Git is not a solution in </a:t>
+            </a:r>
+            <a:r>
+              <a:rPr lang="sv-SE" dirty="0" err="1" smtClean="0"/>
+              <a:t>every</a:t>
+            </a:r>
+            <a:r>
+              <a:rPr lang="sv-SE" dirty="0" smtClean="0"/>
+              <a:t> situation</a:t>
+            </a:r>
+          </a:p>
+          <a:p>
+            <a:r>
+              <a:rPr lang="sv-SE" dirty="0" smtClean="0"/>
+              <a:t>Git is not the final solution</a:t>
+            </a:r>
+          </a:p>
+          <a:p>
             <a:endParaRPr lang="sv-SE" dirty="0"/>
           </a:p>
         </p:txBody>
@@ -19657,10 +22880,10 @@
           <p:nvPr/>
         </p:nvPicPr>
         <p:blipFill>
-          <a:blip r:embed="rId3">
+          <a:blip r:embed="rId2">
             <a:extLst>
               <a:ext uri="{28A0092B-C50C-407E-A947-70E740481C1C}">
-                <a14:useLocalDpi xmlns:a14="http://schemas.microsoft.com/office/drawing/2010/main" val="0"/>
+                <a14:useLocalDpi xmlns:a14="http://schemas.microsoft.com/office/drawing/2010/main"/>
               </a:ext>
             </a:extLst>
           </a:blip>
@@ -19671,7 +22894,7 @@
         </p:blipFill>
         <p:spPr bwMode="auto">
           <a:xfrm>
-            <a:off x="2222733" y="2364532"/>
+            <a:off x="2366749" y="1284412"/>
             <a:ext cx="2016224" cy="1358760"/>
           </a:xfrm>
           <a:prstGeom prst="rect">
@@ -19711,10 +22934,10 @@
           <p:nvPr/>
         </p:nvPicPr>
         <p:blipFill>
-          <a:blip r:embed="rId4">
+          <a:blip r:embed="rId3">
             <a:extLst>
               <a:ext uri="{28A0092B-C50C-407E-A947-70E740481C1C}">
-                <a14:useLocalDpi xmlns:a14="http://schemas.microsoft.com/office/drawing/2010/main" val="0"/>
+                <a14:useLocalDpi xmlns:a14="http://schemas.microsoft.com/office/drawing/2010/main"/>
               </a:ext>
             </a:extLst>
           </a:blip>
@@ -19725,7 +22948,7 @@
         </p:blipFill>
         <p:spPr bwMode="auto">
           <a:xfrm>
-            <a:off x="395536" y="2267478"/>
+            <a:off x="539552" y="1187358"/>
             <a:ext cx="1815854" cy="1552868"/>
           </a:xfrm>
           <a:prstGeom prst="rect">
@@ -19765,10 +22988,10 @@
           <p:nvPr/>
         </p:nvPicPr>
         <p:blipFill>
-          <a:blip r:embed="rId5">
+          <a:blip r:embed="rId4">
             <a:extLst>
               <a:ext uri="{28A0092B-C50C-407E-A947-70E740481C1C}">
-                <a14:useLocalDpi xmlns:a14="http://schemas.microsoft.com/office/drawing/2010/main" val="0"/>
+                <a14:useLocalDpi xmlns:a14="http://schemas.microsoft.com/office/drawing/2010/main"/>
               </a:ext>
             </a:extLst>
           </a:blip>
@@ -19779,7 +23002,7 @@
         </p:blipFill>
         <p:spPr bwMode="auto">
           <a:xfrm>
-            <a:off x="4250300" y="2258086"/>
+            <a:off x="4394316" y="1177966"/>
             <a:ext cx="2147717" cy="1571653"/>
           </a:xfrm>
           <a:prstGeom prst="rect">
@@ -19819,10 +23042,10 @@
           <p:nvPr/>
         </p:nvPicPr>
         <p:blipFill>
-          <a:blip r:embed="rId6">
+          <a:blip r:embed="rId5">
             <a:extLst>
               <a:ext uri="{28A0092B-C50C-407E-A947-70E740481C1C}">
-                <a14:useLocalDpi xmlns:a14="http://schemas.microsoft.com/office/drawing/2010/main" val="0"/>
+                <a14:useLocalDpi xmlns:a14="http://schemas.microsoft.com/office/drawing/2010/main"/>
               </a:ext>
             </a:extLst>
           </a:blip>
@@ -19833,7 +23056,7 @@
         </p:blipFill>
         <p:spPr bwMode="auto">
           <a:xfrm>
-            <a:off x="6409361" y="2301917"/>
+            <a:off x="6553377" y="1221797"/>
             <a:ext cx="1909777" cy="1483991"/>
           </a:xfrm>
           <a:prstGeom prst="rect">
@@ -19873,10 +23096,10 @@
           <p:nvPr/>
         </p:nvPicPr>
         <p:blipFill>
-          <a:blip r:embed="rId7">
+          <a:blip r:embed="rId6">
             <a:extLst>
               <a:ext uri="{28A0092B-C50C-407E-A947-70E740481C1C}">
-                <a14:useLocalDpi xmlns:a14="http://schemas.microsoft.com/office/drawing/2010/main" val="0"/>
+                <a14:useLocalDpi xmlns:a14="http://schemas.microsoft.com/office/drawing/2010/main"/>
               </a:ext>
             </a:extLst>
           </a:blip>
@@ -19887,7 +23110,7 @@
         </p:blipFill>
         <p:spPr bwMode="auto">
           <a:xfrm>
-            <a:off x="3230845" y="4283704"/>
+            <a:off x="3374861" y="3203584"/>
             <a:ext cx="2060055" cy="1521560"/>
           </a:xfrm>
           <a:prstGeom prst="rect">
@@ -19927,10 +23150,10 @@
           <p:nvPr/>
         </p:nvPicPr>
         <p:blipFill>
-          <a:blip r:embed="rId8">
+          <a:blip r:embed="rId7" cstate="screen">
             <a:extLst>
               <a:ext uri="{28A0092B-C50C-407E-A947-70E740481C1C}">
-                <a14:useLocalDpi xmlns:a14="http://schemas.microsoft.com/office/drawing/2010/main" val="0"/>
+                <a14:useLocalDpi xmlns:a14="http://schemas.microsoft.com/office/drawing/2010/main"/>
               </a:ext>
             </a:extLst>
           </a:blip>
@@ -19941,7 +23164,7 @@
         </p:blipFill>
         <p:spPr bwMode="auto">
           <a:xfrm>
-            <a:off x="1499786" y="3863330"/>
+            <a:off x="1643802" y="2783210"/>
             <a:ext cx="5664502" cy="357758"/>
           </a:xfrm>
           <a:prstGeom prst="rect">
@@ -19972,6 +23195,72 @@
           </a:extLst>
         </p:spPr>
       </p:pic>
+      <p:sp>
+        <p:nvSpPr>
+          <p:cNvPr id="2" name="textruta 1"/>
+          <p:cNvSpPr txBox="1"/>
+          <p:nvPr/>
+        </p:nvSpPr>
+        <p:spPr bwMode="auto">
+          <a:xfrm>
+            <a:off x="4860032" y="4566320"/>
+            <a:ext cx="3707904" cy="230832"/>
+          </a:xfrm>
+          <a:prstGeom prst="rect">
+            <a:avLst/>
+          </a:prstGeom>
+          <a:noFill/>
+          <a:ln>
+            <a:noFill/>
+            <a:headEnd/>
+            <a:tailEnd/>
+          </a:ln>
+        </p:spPr>
+        <p:style>
+          <a:lnRef idx="2">
+            <a:schemeClr val="accent6"/>
+          </a:lnRef>
+          <a:fillRef idx="1">
+            <a:schemeClr val="lt1"/>
+          </a:fillRef>
+          <a:effectRef idx="0">
+            <a:schemeClr val="accent6"/>
+          </a:effectRef>
+          <a:fontRef idx="minor">
+            <a:schemeClr val="dk1"/>
+          </a:fontRef>
+        </p:style>
+        <p:txBody>
+          <a:bodyPr wrap="square" rtlCol="0">
+            <a:spAutoFit/>
+          </a:bodyPr>
+          <a:lstStyle/>
+          <a:p>
+            <a:pPr algn="r" eaLnBrk="0" hangingPunct="0"/>
+            <a:r>
+              <a:rPr lang="sv-SE" sz="900" dirty="0">
+                <a:solidFill>
+                  <a:schemeClr val="tx1"/>
+                </a:solidFill>
+              </a:rPr>
+              <a:t>https://</a:t>
+            </a:r>
+            <a:r>
+              <a:rPr lang="sv-SE" sz="900" dirty="0" smtClean="0">
+                <a:solidFill>
+                  <a:schemeClr val="tx1"/>
+                </a:solidFill>
+              </a:rPr>
+              <a:t>www.plasticscm.com/version-control-history.html</a:t>
+            </a:r>
+            <a:endParaRPr lang="sv-SE" sz="900" dirty="0">
+              <a:solidFill>
+                <a:schemeClr val="tx1"/>
+              </a:solidFill>
+            </a:endParaRPr>
+          </a:p>
+        </p:txBody>
+      </p:sp>
     </p:spTree>
     <p:extLst>
       <p:ext uri="{BB962C8B-B14F-4D97-AF65-F5344CB8AC3E}">
@@ -19985,6 +23274,487 @@
   <p:transition spd="slow">
     <p:push dir="u"/>
   </p:transition>
+  <p:timing>
+    <p:tnLst>
+      <p:par>
+        <p:cTn id="1" dur="indefinite" restart="never" nodeType="tmRoot">
+          <p:childTnLst>
+            <p:seq concurrent="1" nextAc="seek">
+              <p:cTn id="2" dur="indefinite" nodeType="mainSeq">
+                <p:childTnLst>
+                  <p:par>
+                    <p:cTn id="3" fill="hold">
+                      <p:stCondLst>
+                        <p:cond delay="indefinite"/>
+                      </p:stCondLst>
+                      <p:childTnLst>
+                        <p:par>
+                          <p:cTn id="4" fill="hold">
+                            <p:stCondLst>
+                              <p:cond delay="0"/>
+                            </p:stCondLst>
+                            <p:childTnLst>
+                              <p:par>
+                                <p:cTn id="5" presetID="1" presetClass="entr" presetSubtype="0" fill="hold" nodeType="clickEffect">
+                                  <p:stCondLst>
+                                    <p:cond delay="0"/>
+                                  </p:stCondLst>
+                                  <p:childTnLst>
+                                    <p:set>
+                                      <p:cBhvr>
+                                        <p:cTn id="6" dur="1" fill="hold">
+                                          <p:stCondLst>
+                                            <p:cond delay="0"/>
+                                          </p:stCondLst>
+                                        </p:cTn>
+                                        <p:tgtEl>
+                                          <p:spTgt spid="2052"/>
+                                        </p:tgtEl>
+                                        <p:attrNameLst>
+                                          <p:attrName>style.visibility</p:attrName>
+                                        </p:attrNameLst>
+                                      </p:cBhvr>
+                                      <p:to>
+                                        <p:strVal val="visible"/>
+                                      </p:to>
+                                    </p:set>
+                                  </p:childTnLst>
+                                </p:cTn>
+                              </p:par>
+                            </p:childTnLst>
+                          </p:cTn>
+                        </p:par>
+                      </p:childTnLst>
+                    </p:cTn>
+                  </p:par>
+                  <p:par>
+                    <p:cTn id="7" fill="hold">
+                      <p:stCondLst>
+                        <p:cond delay="indefinite"/>
+                      </p:stCondLst>
+                      <p:childTnLst>
+                        <p:par>
+                          <p:cTn id="8" fill="hold">
+                            <p:stCondLst>
+                              <p:cond delay="0"/>
+                            </p:stCondLst>
+                            <p:childTnLst>
+                              <p:par>
+                                <p:cTn id="9" presetID="1" presetClass="entr" presetSubtype="0" fill="hold" nodeType="clickEffect">
+                                  <p:stCondLst>
+                                    <p:cond delay="0"/>
+                                  </p:stCondLst>
+                                  <p:childTnLst>
+                                    <p:set>
+                                      <p:cBhvr>
+                                        <p:cTn id="10" dur="1" fill="hold">
+                                          <p:stCondLst>
+                                            <p:cond delay="0"/>
+                                          </p:stCondLst>
+                                        </p:cTn>
+                                        <p:tgtEl>
+                                          <p:spTgt spid="2051"/>
+                                        </p:tgtEl>
+                                        <p:attrNameLst>
+                                          <p:attrName>style.visibility</p:attrName>
+                                        </p:attrNameLst>
+                                      </p:cBhvr>
+                                      <p:to>
+                                        <p:strVal val="visible"/>
+                                      </p:to>
+                                    </p:set>
+                                  </p:childTnLst>
+                                </p:cTn>
+                              </p:par>
+                            </p:childTnLst>
+                          </p:cTn>
+                        </p:par>
+                      </p:childTnLst>
+                    </p:cTn>
+                  </p:par>
+                  <p:par>
+                    <p:cTn id="11" fill="hold">
+                      <p:stCondLst>
+                        <p:cond delay="indefinite"/>
+                      </p:stCondLst>
+                      <p:childTnLst>
+                        <p:par>
+                          <p:cTn id="12" fill="hold">
+                            <p:stCondLst>
+                              <p:cond delay="0"/>
+                            </p:stCondLst>
+                            <p:childTnLst>
+                              <p:par>
+                                <p:cTn id="13" presetID="1" presetClass="entr" presetSubtype="0" fill="hold" nodeType="clickEffect">
+                                  <p:stCondLst>
+                                    <p:cond delay="0"/>
+                                  </p:stCondLst>
+                                  <p:childTnLst>
+                                    <p:set>
+                                      <p:cBhvr>
+                                        <p:cTn id="14" dur="1" fill="hold">
+                                          <p:stCondLst>
+                                            <p:cond delay="0"/>
+                                          </p:stCondLst>
+                                        </p:cTn>
+                                        <p:tgtEl>
+                                          <p:spTgt spid="2053"/>
+                                        </p:tgtEl>
+                                        <p:attrNameLst>
+                                          <p:attrName>style.visibility</p:attrName>
+                                        </p:attrNameLst>
+                                      </p:cBhvr>
+                                      <p:to>
+                                        <p:strVal val="visible"/>
+                                      </p:to>
+                                    </p:set>
+                                  </p:childTnLst>
+                                </p:cTn>
+                              </p:par>
+                            </p:childTnLst>
+                          </p:cTn>
+                        </p:par>
+                      </p:childTnLst>
+                    </p:cTn>
+                  </p:par>
+                  <p:par>
+                    <p:cTn id="15" fill="hold">
+                      <p:stCondLst>
+                        <p:cond delay="indefinite"/>
+                      </p:stCondLst>
+                      <p:childTnLst>
+                        <p:par>
+                          <p:cTn id="16" fill="hold">
+                            <p:stCondLst>
+                              <p:cond delay="0"/>
+                            </p:stCondLst>
+                            <p:childTnLst>
+                              <p:par>
+                                <p:cTn id="17" presetID="1" presetClass="entr" presetSubtype="0" fill="hold" nodeType="clickEffect">
+                                  <p:stCondLst>
+                                    <p:cond delay="0"/>
+                                  </p:stCondLst>
+                                  <p:childTnLst>
+                                    <p:set>
+                                      <p:cBhvr>
+                                        <p:cTn id="18" dur="1" fill="hold">
+                                          <p:stCondLst>
+                                            <p:cond delay="0"/>
+                                          </p:stCondLst>
+                                        </p:cTn>
+                                        <p:tgtEl>
+                                          <p:spTgt spid="2054"/>
+                                        </p:tgtEl>
+                                        <p:attrNameLst>
+                                          <p:attrName>style.visibility</p:attrName>
+                                        </p:attrNameLst>
+                                      </p:cBhvr>
+                                      <p:to>
+                                        <p:strVal val="visible"/>
+                                      </p:to>
+                                    </p:set>
+                                  </p:childTnLst>
+                                </p:cTn>
+                              </p:par>
+                            </p:childTnLst>
+                          </p:cTn>
+                        </p:par>
+                      </p:childTnLst>
+                    </p:cTn>
+                  </p:par>
+                  <p:par>
+                    <p:cTn id="19" fill="hold">
+                      <p:stCondLst>
+                        <p:cond delay="indefinite"/>
+                      </p:stCondLst>
+                      <p:childTnLst>
+                        <p:par>
+                          <p:cTn id="20" fill="hold">
+                            <p:stCondLst>
+                              <p:cond delay="0"/>
+                            </p:stCondLst>
+                            <p:childTnLst>
+                              <p:par>
+                                <p:cTn id="21" presetID="1" presetClass="entr" presetSubtype="0" fill="hold" nodeType="clickEffect">
+                                  <p:stCondLst>
+                                    <p:cond delay="0"/>
+                                  </p:stCondLst>
+                                  <p:childTnLst>
+                                    <p:set>
+                                      <p:cBhvr>
+                                        <p:cTn id="22" dur="1" fill="hold">
+                                          <p:stCondLst>
+                                            <p:cond delay="0"/>
+                                          </p:stCondLst>
+                                        </p:cTn>
+                                        <p:tgtEl>
+                                          <p:spTgt spid="2055"/>
+                                        </p:tgtEl>
+                                        <p:attrNameLst>
+                                          <p:attrName>style.visibility</p:attrName>
+                                        </p:attrNameLst>
+                                      </p:cBhvr>
+                                      <p:to>
+                                        <p:strVal val="visible"/>
+                                      </p:to>
+                                    </p:set>
+                                  </p:childTnLst>
+                                </p:cTn>
+                              </p:par>
+                              <p:par>
+                                <p:cTn id="23" presetID="1" presetClass="entr" presetSubtype="0" fill="hold" nodeType="withEffect">
+                                  <p:stCondLst>
+                                    <p:cond delay="0"/>
+                                  </p:stCondLst>
+                                  <p:childTnLst>
+                                    <p:set>
+                                      <p:cBhvr>
+                                        <p:cTn id="24" dur="1" fill="hold">
+                                          <p:stCondLst>
+                                            <p:cond delay="0"/>
+                                          </p:stCondLst>
+                                        </p:cTn>
+                                        <p:tgtEl>
+                                          <p:spTgt spid="2056"/>
+                                        </p:tgtEl>
+                                        <p:attrNameLst>
+                                          <p:attrName>style.visibility</p:attrName>
+                                        </p:attrNameLst>
+                                      </p:cBhvr>
+                                      <p:to>
+                                        <p:strVal val="visible"/>
+                                      </p:to>
+                                    </p:set>
+                                  </p:childTnLst>
+                                </p:cTn>
+                              </p:par>
+                            </p:childTnLst>
+                          </p:cTn>
+                        </p:par>
+                      </p:childTnLst>
+                    </p:cTn>
+                  </p:par>
+                  <p:par>
+                    <p:cTn id="25" fill="hold">
+                      <p:stCondLst>
+                        <p:cond delay="indefinite"/>
+                      </p:stCondLst>
+                      <p:childTnLst>
+                        <p:par>
+                          <p:cTn id="26" fill="hold">
+                            <p:stCondLst>
+                              <p:cond delay="0"/>
+                            </p:stCondLst>
+                            <p:childTnLst>
+                              <p:par>
+                                <p:cTn id="27" presetID="1" presetClass="entr" presetSubtype="0" fill="hold" grpId="0" nodeType="clickEffect">
+                                  <p:stCondLst>
+                                    <p:cond delay="0"/>
+                                  </p:stCondLst>
+                                  <p:childTnLst>
+                                    <p:set>
+                                      <p:cBhvr>
+                                        <p:cTn id="28" dur="1" fill="hold">
+                                          <p:stCondLst>
+                                            <p:cond delay="0"/>
+                                          </p:stCondLst>
+                                        </p:cTn>
+                                        <p:tgtEl>
+                                          <p:spTgt spid="7">
+                                            <p:txEl>
+                                              <p:pRg st="0" end="0"/>
+                                            </p:txEl>
+                                          </p:spTgt>
+                                        </p:tgtEl>
+                                        <p:attrNameLst>
+                                          <p:attrName>style.visibility</p:attrName>
+                                        </p:attrNameLst>
+                                      </p:cBhvr>
+                                      <p:to>
+                                        <p:strVal val="visible"/>
+                                      </p:to>
+                                    </p:set>
+                                  </p:childTnLst>
+                                </p:cTn>
+                              </p:par>
+                            </p:childTnLst>
+                          </p:cTn>
+                        </p:par>
+                      </p:childTnLst>
+                    </p:cTn>
+                  </p:par>
+                  <p:par>
+                    <p:cTn id="29" fill="hold">
+                      <p:stCondLst>
+                        <p:cond delay="indefinite"/>
+                      </p:stCondLst>
+                      <p:childTnLst>
+                        <p:par>
+                          <p:cTn id="30" fill="hold">
+                            <p:stCondLst>
+                              <p:cond delay="0"/>
+                            </p:stCondLst>
+                            <p:childTnLst>
+                              <p:par>
+                                <p:cTn id="31" presetID="1" presetClass="entr" presetSubtype="0" fill="hold" grpId="0" nodeType="clickEffect">
+                                  <p:stCondLst>
+                                    <p:cond delay="0"/>
+                                  </p:stCondLst>
+                                  <p:childTnLst>
+                                    <p:set>
+                                      <p:cBhvr>
+                                        <p:cTn id="32" dur="1" fill="hold">
+                                          <p:stCondLst>
+                                            <p:cond delay="0"/>
+                                          </p:stCondLst>
+                                        </p:cTn>
+                                        <p:tgtEl>
+                                          <p:spTgt spid="7">
+                                            <p:txEl>
+                                              <p:pRg st="1" end="1"/>
+                                            </p:txEl>
+                                          </p:spTgt>
+                                        </p:tgtEl>
+                                        <p:attrNameLst>
+                                          <p:attrName>style.visibility</p:attrName>
+                                        </p:attrNameLst>
+                                      </p:cBhvr>
+                                      <p:to>
+                                        <p:strVal val="visible"/>
+                                      </p:to>
+                                    </p:set>
+                                  </p:childTnLst>
+                                </p:cTn>
+                              </p:par>
+                            </p:childTnLst>
+                          </p:cTn>
+                        </p:par>
+                      </p:childTnLst>
+                    </p:cTn>
+                  </p:par>
+                  <p:par>
+                    <p:cTn id="33" fill="hold">
+                      <p:stCondLst>
+                        <p:cond delay="indefinite"/>
+                      </p:stCondLst>
+                      <p:childTnLst>
+                        <p:par>
+                          <p:cTn id="34" fill="hold">
+                            <p:stCondLst>
+                              <p:cond delay="0"/>
+                            </p:stCondLst>
+                            <p:childTnLst>
+                              <p:par>
+                                <p:cTn id="35" presetID="1" presetClass="entr" presetSubtype="0" fill="hold" grpId="0" nodeType="clickEffect">
+                                  <p:stCondLst>
+                                    <p:cond delay="0"/>
+                                  </p:stCondLst>
+                                  <p:childTnLst>
+                                    <p:set>
+                                      <p:cBhvr>
+                                        <p:cTn id="36" dur="1" fill="hold">
+                                          <p:stCondLst>
+                                            <p:cond delay="0"/>
+                                          </p:stCondLst>
+                                        </p:cTn>
+                                        <p:tgtEl>
+                                          <p:spTgt spid="7">
+                                            <p:txEl>
+                                              <p:pRg st="2" end="2"/>
+                                            </p:txEl>
+                                          </p:spTgt>
+                                        </p:tgtEl>
+                                        <p:attrNameLst>
+                                          <p:attrName>style.visibility</p:attrName>
+                                        </p:attrNameLst>
+                                      </p:cBhvr>
+                                      <p:to>
+                                        <p:strVal val="visible"/>
+                                      </p:to>
+                                    </p:set>
+                                  </p:childTnLst>
+                                </p:cTn>
+                              </p:par>
+                            </p:childTnLst>
+                          </p:cTn>
+                        </p:par>
+                      </p:childTnLst>
+                    </p:cTn>
+                  </p:par>
+                  <p:par>
+                    <p:cTn id="37" fill="hold">
+                      <p:stCondLst>
+                        <p:cond delay="indefinite"/>
+                      </p:stCondLst>
+                      <p:childTnLst>
+                        <p:par>
+                          <p:cTn id="38" fill="hold">
+                            <p:stCondLst>
+                              <p:cond delay="0"/>
+                            </p:stCondLst>
+                            <p:childTnLst>
+                              <p:par>
+                                <p:cTn id="39" presetID="1" presetClass="entr" presetSubtype="0" fill="hold" grpId="0" nodeType="clickEffect">
+                                  <p:stCondLst>
+                                    <p:cond delay="0"/>
+                                  </p:stCondLst>
+                                  <p:childTnLst>
+                                    <p:set>
+                                      <p:cBhvr>
+                                        <p:cTn id="40" dur="1" fill="hold">
+                                          <p:stCondLst>
+                                            <p:cond delay="0"/>
+                                          </p:stCondLst>
+                                        </p:cTn>
+                                        <p:tgtEl>
+                                          <p:spTgt spid="7">
+                                            <p:txEl>
+                                              <p:pRg st="3" end="3"/>
+                                            </p:txEl>
+                                          </p:spTgt>
+                                        </p:tgtEl>
+                                        <p:attrNameLst>
+                                          <p:attrName>style.visibility</p:attrName>
+                                        </p:attrNameLst>
+                                      </p:cBhvr>
+                                      <p:to>
+                                        <p:strVal val="visible"/>
+                                      </p:to>
+                                    </p:set>
+                                  </p:childTnLst>
+                                </p:cTn>
+                              </p:par>
+                            </p:childTnLst>
+                          </p:cTn>
+                        </p:par>
+                      </p:childTnLst>
+                    </p:cTn>
+                  </p:par>
+                </p:childTnLst>
+              </p:cTn>
+              <p:prevCondLst>
+                <p:cond evt="onPrev" delay="0">
+                  <p:tgtEl>
+                    <p:sldTgt/>
+                  </p:tgtEl>
+                </p:cond>
+              </p:prevCondLst>
+              <p:nextCondLst>
+                <p:cond evt="onNext" delay="0">
+                  <p:tgtEl>
+                    <p:sldTgt/>
+                  </p:tgtEl>
+                </p:cond>
+              </p:nextCondLst>
+            </p:seq>
+          </p:childTnLst>
+        </p:cTn>
+      </p:par>
+    </p:tnLst>
+    <p:bldLst>
+      <p:bldP spid="7" grpId="0" build="p"/>
+    </p:bldLst>
+  </p:timing>
 </p:sld>
 </file>
 

--- a/Git-introduktion_Hermods_HiQ.pptx
+++ b/Git-introduktion_Hermods_HiQ.pptx
@@ -222,7 +222,7 @@
             <a:fld id="{45CFCF10-915A-49F5-B6D7-514E231DCDF1}" type="datetimeFigureOut">
               <a:rPr lang="en-US" smtClean="0"/>
               <a:pPr/>
-              <a:t>2/18/2015</a:t>
+              <a:t>2/19/2015</a:t>
             </a:fld>
             <a:endParaRPr lang="en-US"/>
           </a:p>
@@ -389,7 +389,7 @@
             <a:fld id="{6FD0678E-F882-4F2D-B288-7FD22A23E63D}" type="datetimeFigureOut">
               <a:rPr lang="en-US" smtClean="0"/>
               <a:pPr/>
-              <a:t>2/18/2015</a:t>
+              <a:t>2/19/2015</a:t>
             </a:fld>
             <a:endParaRPr lang="en-US"/>
           </a:p>
@@ -1132,7 +1132,7 @@
             <a:fld id="{4612DF9C-874E-47D4-81D0-65C9DE5115B7}" type="datetime1">
               <a:rPr lang="en-US" smtClean="0"/>
               <a:pPr/>
-              <a:t>2/18/2015</a:t>
+              <a:t>2/19/2015</a:t>
             </a:fld>
             <a:endParaRPr lang="en-US"/>
           </a:p>
@@ -1190,7 +1190,7 @@
           <a:p>
             <a:fld id="{72F8B864-2A5B-4B57-9C52-476B6FC89539}" type="datetime1">
               <a:rPr lang="sv-SE" smtClean="0"/>
-              <a:t>2015-02-18</a:t>
+              <a:t>2015-02-19</a:t>
             </a:fld>
             <a:endParaRPr lang="sv-SE" dirty="0"/>
           </a:p>
@@ -2085,7 +2085,7 @@
             <a:fld id="{3000F0DF-1E7D-4DBD-833B-E7E7F0E29C0F}" type="datetime1">
               <a:rPr lang="en-US" smtClean="0"/>
               <a:pPr/>
-              <a:t>2/18/2015</a:t>
+              <a:t>2/19/2015</a:t>
             </a:fld>
             <a:endParaRPr lang="en-US"/>
           </a:p>
@@ -2260,7 +2260,7 @@
             <a:fld id="{F1F58A51-BF2E-42AC-8E65-C585A8BA80BA}" type="datetime1">
               <a:rPr lang="en-US" smtClean="0"/>
               <a:pPr/>
-              <a:t>2/18/2015</a:t>
+              <a:t>2/19/2015</a:t>
             </a:fld>
             <a:endParaRPr lang="en-US"/>
           </a:p>
@@ -2881,7 +2881,7 @@
             <a:fld id="{F1F58A51-BF2E-42AC-8E65-C585A8BA80BA}" type="datetime1">
               <a:rPr lang="en-US" smtClean="0"/>
               <a:pPr/>
-              <a:t>2/18/2015</a:t>
+              <a:t>2/19/2015</a:t>
             </a:fld>
             <a:endParaRPr lang="en-US"/>
           </a:p>
@@ -3180,7 +3180,7 @@
             <a:fld id="{3000F0DF-1E7D-4DBD-833B-E7E7F0E29C0F}" type="datetime1">
               <a:rPr lang="en-US" smtClean="0"/>
               <a:pPr/>
-              <a:t>2/18/2015</a:t>
+              <a:t>2/19/2015</a:t>
             </a:fld>
             <a:endParaRPr lang="en-US"/>
           </a:p>
@@ -3618,7 +3618,7 @@
             <a:fld id="{475D2F3D-312F-4B9D-A6D5-98FA0DBD9BEB}" type="datetime1">
               <a:rPr lang="en-US" smtClean="0"/>
               <a:pPr/>
-              <a:t>2/18/2015</a:t>
+              <a:t>2/19/2015</a:t>
             </a:fld>
             <a:endParaRPr lang="en-US"/>
           </a:p>
@@ -3736,7 +3736,7 @@
             <a:fld id="{1F2B999D-B673-4BF6-AFED-DE82BB78A551}" type="datetime1">
               <a:rPr lang="en-US" smtClean="0"/>
               <a:pPr/>
-              <a:t>2/18/2015</a:t>
+              <a:t>2/19/2015</a:t>
             </a:fld>
             <a:endParaRPr lang="en-US"/>
           </a:p>
@@ -3986,7 +3986,7 @@
             <a:fld id="{15EE75C9-4165-49D6-889E-AD319E617BC4}" type="datetime1">
               <a:rPr lang="en-US" smtClean="0"/>
               <a:pPr/>
-              <a:t>2/18/2015</a:t>
+              <a:t>2/19/2015</a:t>
             </a:fld>
             <a:endParaRPr lang="en-US"/>
           </a:p>
@@ -4571,7 +4571,7 @@
             <a:fld id="{A0D14760-8281-4D63-AA62-EE78DA6EC742}" type="datetime1">
               <a:rPr lang="en-US" smtClean="0"/>
               <a:pPr/>
-              <a:t>2/18/2015</a:t>
+              <a:t>2/19/2015</a:t>
             </a:fld>
             <a:endParaRPr lang="en-US"/>
           </a:p>
@@ -5127,7 +5127,7 @@
             <a:fld id="{4062407C-A2E4-4F88-9519-110C5AA102FA}" type="datetime1">
               <a:rPr lang="en-US" smtClean="0"/>
               <a:pPr/>
-              <a:t>2/18/2015</a:t>
+              <a:t>2/19/2015</a:t>
             </a:fld>
             <a:endParaRPr lang="en-US"/>
           </a:p>
@@ -12496,7 +12496,7 @@
           </a:prstGeom>
           <a:extLst>
             <a:ext uri="{FAA26D3D-D897-4be2-8F04-BA451C77F1D7}">
-              <ma14:placeholderFlag xmlns:wpc="http://schemas.microsoft.com/office/word/2010/wordprocessingCanvas" xmlns:mc="http://schemas.openxmlformats.org/markup-compatibility/2006" xmlns:m="http://schemas.openxmlformats.org/officeDocument/2006/math" xmlns:wp14="http://schemas.microsoft.com/office/word/2010/wordprocessingDrawing" xmlns:wp="http://schemas.openxmlformats.org/drawingml/2006/wordprocessingDrawing" xmlns:w14="http://schemas.microsoft.com/office/word/2010/wordml" xmlns:wpg="http://schemas.microsoft.com/office/word/2010/wordprocessingGroup" xmlns:wpi="http://schemas.microsoft.com/office/word/2010/wordprocessingInk" xmlns:wne="http://schemas.microsoft.com/office/word/2006/wordml" xmlns:wps="http://schemas.microsoft.com/office/word/2010/wordprocessingShape" xmlns:pic="http://schemas.openxmlformats.org/drawingml/2006/picture" xmlns="" xmlns:mo="http://schemas.microsoft.com/office/mac/office/2008/main" xmlns:mv="urn:schemas-microsoft-com:mac:vml" xmlns:o="urn:schemas-microsoft-com:office:office" xmlns:v="urn:schemas-microsoft-com:vml" xmlns:w10="urn:schemas-microsoft-com:office:word" xmlns:w="http://schemas.openxmlformats.org/wordprocessingml/2006/main" xmlns:ma14="http://schemas.microsoft.com/office/mac/drawingml/2011/main" xmlns:ve="http://schemas.openxmlformats.org/markup-compatibility/2006" xmlns:lc="http://schemas.openxmlformats.org/drawingml/2006/lockedCanvas"/>
+              <ma14:placeholderFlag xmlns:lc="http://schemas.openxmlformats.org/drawingml/2006/lockedCanvas" xmlns:ve="http://schemas.openxmlformats.org/markup-compatibility/2006" xmlns:ma14="http://schemas.microsoft.com/office/mac/drawingml/2011/main" xmlns:w="http://schemas.openxmlformats.org/wordprocessingml/2006/main" xmlns:w10="urn:schemas-microsoft-com:office:word" xmlns:v="urn:schemas-microsoft-com:vml" xmlns:o="urn:schemas-microsoft-com:office:office" xmlns:mv="urn:schemas-microsoft-com:mac:vml" xmlns:mo="http://schemas.microsoft.com/office/mac/office/2008/main" xmlns="" xmlns:pic="http://schemas.openxmlformats.org/drawingml/2006/picture" xmlns:wps="http://schemas.microsoft.com/office/word/2010/wordprocessingShape" xmlns:wne="http://schemas.microsoft.com/office/word/2006/wordml" xmlns:wpi="http://schemas.microsoft.com/office/word/2010/wordprocessingInk" xmlns:wpg="http://schemas.microsoft.com/office/word/2010/wordprocessingGroup" xmlns:w14="http://schemas.microsoft.com/office/word/2010/wordml" xmlns:wp="http://schemas.openxmlformats.org/drawingml/2006/wordprocessingDrawing" xmlns:wp14="http://schemas.microsoft.com/office/word/2010/wordprocessingDrawing" xmlns:m="http://schemas.openxmlformats.org/officeDocument/2006/math" xmlns:mc="http://schemas.openxmlformats.org/markup-compatibility/2006" xmlns:wpc="http://schemas.microsoft.com/office/word/2010/wordprocessingCanvas"/>
             </a:ext>
           </a:extLst>
         </p:spPr>
@@ -14089,7 +14089,7 @@
           <a:p>
             <a:fld id="{72F8B864-2A5B-4B57-9C52-476B6FC89539}" type="datetime1">
               <a:rPr lang="sv-SE" smtClean="0"/>
-              <a:t>2015-02-18</a:t>
+              <a:t>2015-02-19</a:t>
             </a:fld>
             <a:endParaRPr lang="sv-SE" dirty="0"/>
           </a:p>
@@ -22332,6 +22332,110 @@
               <a:rPr lang="sv-SE" dirty="0" err="1" smtClean="0"/>
               <a:t>environment</a:t>
             </a:r>
+            <a:endParaRPr lang="sv-SE" dirty="0" smtClean="0"/>
+          </a:p>
+          <a:p>
+            <a:r>
+              <a:rPr lang="sv-SE" dirty="0" err="1"/>
+              <a:t>Good</a:t>
+            </a:r>
+            <a:r>
+              <a:rPr lang="sv-SE" dirty="0"/>
+              <a:t> CM is </a:t>
+            </a:r>
+            <a:r>
+              <a:rPr lang="sv-SE" dirty="0" err="1"/>
+              <a:t>essential</a:t>
+            </a:r>
+            <a:r>
+              <a:rPr lang="sv-SE" dirty="0"/>
+              <a:t> </a:t>
+            </a:r>
+            <a:r>
+              <a:rPr lang="sv-SE" dirty="0" err="1"/>
+              <a:t>to</a:t>
+            </a:r>
+            <a:r>
+              <a:rPr lang="sv-SE" dirty="0"/>
+              <a:t> </a:t>
+            </a:r>
+            <a:r>
+              <a:rPr lang="sv-SE" dirty="0" err="1"/>
+              <a:t>enable</a:t>
+            </a:r>
+            <a:r>
+              <a:rPr lang="sv-SE" dirty="0"/>
+              <a:t> the </a:t>
+            </a:r>
+            <a:r>
+              <a:rPr lang="sv-SE" dirty="0" err="1">
+                <a:hlinkClick r:id="rId2"/>
+              </a:rPr>
+              <a:t>lean</a:t>
+            </a:r>
+            <a:r>
+              <a:rPr lang="sv-SE" dirty="0">
+                <a:hlinkClick r:id="rId2"/>
+              </a:rPr>
+              <a:t> </a:t>
+            </a:r>
+            <a:r>
+              <a:rPr lang="sv-SE" dirty="0" smtClean="0">
+                <a:hlinkClick r:id="rId2"/>
+              </a:rPr>
+              <a:t>principles</a:t>
+            </a:r>
+            <a:endParaRPr lang="sv-SE" dirty="0" smtClean="0"/>
+          </a:p>
+          <a:p>
+            <a:r>
+              <a:rPr lang="sv-SE" dirty="0" smtClean="0">
+                <a:hlinkClick r:id="rId3"/>
+              </a:rPr>
+              <a:t>Stop the </a:t>
+            </a:r>
+            <a:r>
+              <a:rPr lang="sv-SE" dirty="0" err="1" smtClean="0">
+                <a:hlinkClick r:id="rId3"/>
+              </a:rPr>
+              <a:t>line</a:t>
+            </a:r>
+            <a:r>
+              <a:rPr lang="sv-SE" dirty="0" smtClean="0"/>
+              <a:t> so the </a:t>
+            </a:r>
+            <a:r>
+              <a:rPr lang="sv-SE" dirty="0" err="1" smtClean="0"/>
+              <a:t>line</a:t>
+            </a:r>
+            <a:r>
+              <a:rPr lang="sv-SE" dirty="0" smtClean="0"/>
+              <a:t> never stops (and </a:t>
+            </a:r>
+            <a:r>
+              <a:rPr lang="sv-SE" dirty="0" err="1" smtClean="0"/>
+              <a:t>keep</a:t>
+            </a:r>
+            <a:r>
+              <a:rPr lang="sv-SE" dirty="0" smtClean="0"/>
+              <a:t> the </a:t>
+            </a:r>
+            <a:r>
+              <a:rPr lang="sv-SE" dirty="0" err="1" smtClean="0"/>
+              <a:t>floors</a:t>
+            </a:r>
+            <a:r>
+              <a:rPr lang="sv-SE" dirty="0" smtClean="0"/>
+              <a:t> </a:t>
+            </a:r>
+            <a:r>
+              <a:rPr lang="sv-SE" dirty="0" err="1" smtClean="0"/>
+              <a:t>clean</a:t>
+            </a:r>
+            <a:r>
+              <a:rPr lang="sv-SE" dirty="0" smtClean="0"/>
+              <a:t>)</a:t>
+            </a:r>
             <a:endParaRPr lang="sv-SE" dirty="0"/>
           </a:p>
         </p:txBody>
@@ -22369,7 +22473,7 @@
           <p:nvPr/>
         </p:nvPicPr>
         <p:blipFill>
-          <a:blip r:embed="rId2">
+          <a:blip r:embed="rId4">
             <a:extLst>
               <a:ext uri="{28A0092B-C50C-407E-A947-70E740481C1C}">
                 <a14:useLocalDpi xmlns:a14="http://schemas.microsoft.com/office/drawing/2010/main"/>
@@ -22423,7 +22527,7 @@
           <p:nvPr/>
         </p:nvPicPr>
         <p:blipFill>
-          <a:blip r:embed="rId3">
+          <a:blip r:embed="rId5">
             <a:extLst>
               <a:ext uri="{28A0092B-C50C-407E-A947-70E740481C1C}">
                 <a14:useLocalDpi xmlns:a14="http://schemas.microsoft.com/office/drawing/2010/main"/>
@@ -22567,6 +22671,104 @@
                                           <p:spTgt spid="3">
                                             <p:txEl>
                                               <p:pRg st="1" end="1"/>
+                                            </p:txEl>
+                                          </p:spTgt>
+                                        </p:tgtEl>
+                                        <p:attrNameLst>
+                                          <p:attrName>style.visibility</p:attrName>
+                                        </p:attrNameLst>
+                                      </p:cBhvr>
+                                      <p:to>
+                                        <p:strVal val="visible"/>
+                                      </p:to>
+                                    </p:set>
+                                  </p:childTnLst>
+                                </p:cTn>
+                              </p:par>
+                            </p:childTnLst>
+                          </p:cTn>
+                        </p:par>
+                      </p:childTnLst>
+                    </p:cTn>
+                  </p:par>
+                  <p:par>
+                    <p:cTn id="11" fill="hold">
+                      <p:stCondLst>
+                        <p:cond delay="indefinite"/>
+                      </p:stCondLst>
+                      <p:childTnLst>
+                        <p:par>
+                          <p:cTn id="12" fill="hold">
+                            <p:stCondLst>
+                              <p:cond delay="0"/>
+                            </p:stCondLst>
+                            <p:childTnLst>
+                              <p:par>
+                                <p:cTn id="13" presetID="1" presetClass="entr" presetSubtype="0" fill="hold" nodeType="clickEffect">
+                                  <p:stCondLst>
+                                    <p:cond delay="0"/>
+                                  </p:stCondLst>
+                                  <p:childTnLst>
+                                    <p:set>
+                                      <p:cBhvr>
+                                        <p:cTn id="14" dur="1" fill="hold">
+                                          <p:stCondLst>
+                                            <p:cond delay="0"/>
+                                          </p:stCondLst>
+                                        </p:cTn>
+                                        <p:tgtEl>
+                                          <p:spTgt spid="3">
+                                            <p:txEl>
+                                              <p:pRg st="2" end="2"/>
+                                            </p:txEl>
+                                          </p:spTgt>
+                                        </p:tgtEl>
+                                        <p:attrNameLst>
+                                          <p:attrName>style.visibility</p:attrName>
+                                        </p:attrNameLst>
+                                      </p:cBhvr>
+                                      <p:to>
+                                        <p:strVal val="visible"/>
+                                      </p:to>
+                                    </p:set>
+                                  </p:childTnLst>
+                                </p:cTn>
+                              </p:par>
+                            </p:childTnLst>
+                          </p:cTn>
+                        </p:par>
+                      </p:childTnLst>
+                    </p:cTn>
+                  </p:par>
+                  <p:par>
+                    <p:cTn id="15" fill="hold">
+                      <p:stCondLst>
+                        <p:cond delay="indefinite"/>
+                      </p:stCondLst>
+                      <p:childTnLst>
+                        <p:par>
+                          <p:cTn id="16" fill="hold">
+                            <p:stCondLst>
+                              <p:cond delay="0"/>
+                            </p:stCondLst>
+                            <p:childTnLst>
+                              <p:par>
+                                <p:cTn id="17" presetID="1" presetClass="entr" presetSubtype="0" fill="hold" nodeType="clickEffect">
+                                  <p:stCondLst>
+                                    <p:cond delay="0"/>
+                                  </p:stCondLst>
+                                  <p:childTnLst>
+                                    <p:set>
+                                      <p:cBhvr>
+                                        <p:cTn id="18" dur="1" fill="hold">
+                                          <p:stCondLst>
+                                            <p:cond delay="0"/>
+                                          </p:stCondLst>
+                                        </p:cTn>
+                                        <p:tgtEl>
+                                          <p:spTgt spid="3">
+                                            <p:txEl>
+                                              <p:pRg st="3" end="3"/>
                                             </p:txEl>
                                           </p:spTgt>
                                         </p:tgtEl>
